--- a/docs/images/architecture_diagram.pptx
+++ b/docs/images/architecture_diagram.pptx
@@ -1,16 +1,16 @@
 
 <file path=ppt/presentation.xml><?xml version="1.0" encoding="utf-8"?>
-<p:presentation xmlns:a="http://schemas.openxmlformats.org/drawingml/2006/main" xmlns:r="http://schemas.openxmlformats.org/officeDocument/2006/relationships" xmlns:p="http://schemas.openxmlformats.org/presentationml/2006/main" xmlns:m="http://schemas.openxmlformats.org/officeDocument/2006/math" xmlns:a14="http://schemas.microsoft.com/office/drawing/2010/main">
+<p:presentation xmlns:a="http://schemas.openxmlformats.org/drawingml/2006/main" xmlns:r="http://schemas.openxmlformats.org/officeDocument/2006/relationships" xmlns:p="http://schemas.openxmlformats.org/presentationml/2006/main">
   <p:sldMasterIdLst>
-    <p:sldMasterId id="2147483648" r:id="rId5"/>
+    <p:sldMasterId id="2147483648" r:id="rId1"/>
   </p:sldMasterIdLst>
   <p:notesMasterIdLst>
-    <p:notesMasterId r:id="rId7"/>
+    <p:notesMasterId r:id="rId3"/>
   </p:notesMasterIdLst>
   <p:sldIdLst>
-    <p:sldId id="256" r:id="rId8"/>
+    <p:sldId id="256" r:id="rId2"/>
   </p:sldIdLst>
-  <p:sldSz cx="9144000" cy="5143500"/>
+  <p:sldSz cx="9144000" cy="5143500" type="screen16x9"/>
   <p:notesSz cx="6858000" cy="9144000"/>
   <p:defaultTextStyle>
     <a:defPPr marL="0" marR="0" indent="0" algn="l" defTabSz="914400" rtl="0" fontAlgn="auto" latinLnBrk="1" hangingPunct="0">
@@ -28,7 +28,7 @@
       <a:buFontTx/>
       <a:buNone/>
       <a:tabLst/>
-      <a:defRPr b="0" baseline="0" cap="none" i="0" spc="0" strike="noStrike" sz="1800" u="none" kumimoji="0" normalizeH="0">
+      <a:defRPr kumimoji="0" sz="1800" b="0" i="0" u="none" strike="noStrike" cap="none" spc="0" normalizeH="0" baseline="0">
         <a:ln>
           <a:noFill/>
         </a:ln>
@@ -54,7 +54,7 @@
       <a:buFontTx/>
       <a:buNone/>
       <a:tabLst/>
-      <a:defRPr b="0" baseline="0" cap="none" i="0" spc="0" strike="noStrike" sz="1400" u="none" kumimoji="0" normalizeH="0">
+      <a:defRPr kumimoji="0" sz="1400" b="0" i="0" u="none" strike="noStrike" cap="none" spc="0" normalizeH="0" baseline="0">
         <a:ln>
           <a:noFill/>
         </a:ln>
@@ -84,7 +84,7 @@
       <a:buFontTx/>
       <a:buNone/>
       <a:tabLst/>
-      <a:defRPr b="0" baseline="0" cap="none" i="0" spc="0" strike="noStrike" sz="1400" u="none" kumimoji="0" normalizeH="0">
+      <a:defRPr kumimoji="0" sz="1400" b="0" i="0" u="none" strike="noStrike" cap="none" spc="0" normalizeH="0" baseline="0">
         <a:ln>
           <a:noFill/>
         </a:ln>
@@ -114,7 +114,7 @@
       <a:buFontTx/>
       <a:buNone/>
       <a:tabLst/>
-      <a:defRPr b="0" baseline="0" cap="none" i="0" spc="0" strike="noStrike" sz="1400" u="none" kumimoji="0" normalizeH="0">
+      <a:defRPr kumimoji="0" sz="1400" b="0" i="0" u="none" strike="noStrike" cap="none" spc="0" normalizeH="0" baseline="0">
         <a:ln>
           <a:noFill/>
         </a:ln>
@@ -144,7 +144,7 @@
       <a:buFontTx/>
       <a:buNone/>
       <a:tabLst/>
-      <a:defRPr b="0" baseline="0" cap="none" i="0" spc="0" strike="noStrike" sz="1400" u="none" kumimoji="0" normalizeH="0">
+      <a:defRPr kumimoji="0" sz="1400" b="0" i="0" u="none" strike="noStrike" cap="none" spc="0" normalizeH="0" baseline="0">
         <a:ln>
           <a:noFill/>
         </a:ln>
@@ -174,7 +174,7 @@
       <a:buFontTx/>
       <a:buNone/>
       <a:tabLst/>
-      <a:defRPr b="0" baseline="0" cap="none" i="0" spc="0" strike="noStrike" sz="1400" u="none" kumimoji="0" normalizeH="0">
+      <a:defRPr kumimoji="0" sz="1400" b="0" i="0" u="none" strike="noStrike" cap="none" spc="0" normalizeH="0" baseline="0">
         <a:ln>
           <a:noFill/>
         </a:ln>
@@ -204,7 +204,7 @@
       <a:buFontTx/>
       <a:buNone/>
       <a:tabLst/>
-      <a:defRPr b="0" baseline="0" cap="none" i="0" spc="0" strike="noStrike" sz="1400" u="none" kumimoji="0" normalizeH="0">
+      <a:defRPr kumimoji="0" sz="1400" b="0" i="0" u="none" strike="noStrike" cap="none" spc="0" normalizeH="0" baseline="0">
         <a:ln>
           <a:noFill/>
         </a:ln>
@@ -234,7 +234,7 @@
       <a:buFontTx/>
       <a:buNone/>
       <a:tabLst/>
-      <a:defRPr b="0" baseline="0" cap="none" i="0" spc="0" strike="noStrike" sz="1400" u="none" kumimoji="0" normalizeH="0">
+      <a:defRPr kumimoji="0" sz="1400" b="0" i="0" u="none" strike="noStrike" cap="none" spc="0" normalizeH="0" baseline="0">
         <a:ln>
           <a:noFill/>
         </a:ln>
@@ -264,7 +264,7 @@
       <a:buFontTx/>
       <a:buNone/>
       <a:tabLst/>
-      <a:defRPr b="0" baseline="0" cap="none" i="0" spc="0" strike="noStrike" sz="1400" u="none" kumimoji="0" normalizeH="0">
+      <a:defRPr kumimoji="0" sz="1400" b="0" i="0" u="none" strike="noStrike" cap="none" spc="0" normalizeH="0" baseline="0">
         <a:ln>
           <a:noFill/>
         </a:ln>
@@ -294,7 +294,7 @@
       <a:buFontTx/>
       <a:buNone/>
       <a:tabLst/>
-      <a:defRPr b="0" baseline="0" cap="none" i="0" spc="0" strike="noStrike" sz="1400" u="none" kumimoji="0" normalizeH="0">
+      <a:defRPr kumimoji="0" sz="1400" b="0" i="0" u="none" strike="noStrike" cap="none" spc="0" normalizeH="0" baseline="0">
         <a:ln>
           <a:noFill/>
         </a:ln>
@@ -313,13 +313,14 @@
 </p:presentation>
 </file>
 
-<file path=ppt/commentAuthors.xml><?xml version="1.0" encoding="utf-8"?>
-<p:cmAuthorLst xmlns:a="http://schemas.openxmlformats.org/drawingml/2006/main" xmlns:r="http://schemas.openxmlformats.org/officeDocument/2006/relationships" xmlns:p="http://schemas.openxmlformats.org/presentationml/2006/main" xmlns:m="http://schemas.openxmlformats.org/officeDocument/2006/math" xmlns:a14="http://schemas.microsoft.com/office/drawing/2010/main"/>
-</file>
-
 <file path=ppt/notesMasters/notesMaster1.xml><?xml version="1.0" encoding="utf-8"?>
-<p:notesMaster xmlns:a="http://schemas.openxmlformats.org/drawingml/2006/main" xmlns:r="http://schemas.openxmlformats.org/officeDocument/2006/relationships" xmlns:p="http://schemas.openxmlformats.org/presentationml/2006/main" xmlns:m="http://schemas.openxmlformats.org/officeDocument/2006/math" xmlns:a14="http://schemas.microsoft.com/office/drawing/2010/main">
+<p:notesMaster xmlns:a="http://schemas.openxmlformats.org/drawingml/2006/main" xmlns:r="http://schemas.openxmlformats.org/officeDocument/2006/relationships" xmlns:p="http://schemas.openxmlformats.org/presentationml/2006/main">
   <p:cSld>
+    <p:bg>
+      <p:bgRef idx="1001">
+        <a:schemeClr val="bg1"/>
+      </p:bgRef>
+    </p:bg>
     <p:spTree>
       <p:nvGrpSpPr>
         <p:cNvPr id="1" name=""/>
@@ -337,7 +338,9 @@
       <p:sp>
         <p:nvSpPr>
           <p:cNvPr id="366" name="Shape 366"/>
-          <p:cNvSpPr/>
+          <p:cNvSpPr>
+            <a:spLocks noGrp="1" noRot="1" noChangeAspect="1"/>
+          </p:cNvSpPr>
           <p:nvPr>
             <p:ph type="sldImg"/>
           </p:nvPr>
@@ -355,14 +358,16 @@
           <a:bodyPr/>
           <a:lstStyle/>
           <a:p>
-            <a:pPr/>
+            <a:endParaRPr/>
           </a:p>
         </p:txBody>
       </p:sp>
       <p:sp>
         <p:nvSpPr>
           <p:cNvPr id="367" name="Shape 367"/>
-          <p:cNvSpPr/>
+          <p:cNvSpPr>
+            <a:spLocks noGrp="1"/>
+          </p:cNvSpPr>
           <p:nvPr>
             <p:ph type="body" sz="quarter" idx="1"/>
           </p:nvPr>
@@ -380,7 +385,7 @@
           <a:bodyPr/>
           <a:lstStyle/>
           <a:p>
-            <a:pPr/>
+            <a:endParaRPr/>
           </a:p>
         </p:txBody>
       </p:sp>
@@ -465,7 +470,7 @@
 </file>
 
 <file path=ppt/slideLayouts/slideLayout1.xml><?xml version="1.0" encoding="utf-8"?>
-<p:sldLayout xmlns:a="http://schemas.openxmlformats.org/drawingml/2006/main" xmlns:r="http://schemas.openxmlformats.org/officeDocument/2006/relationships" xmlns:p="http://schemas.openxmlformats.org/presentationml/2006/main" xmlns:m="http://schemas.openxmlformats.org/officeDocument/2006/math" xmlns:a14="http://schemas.microsoft.com/office/drawing/2010/main" type="title" showMasterSp="1" showMasterPhAnim="1">
+<p:sldLayout xmlns:a="http://schemas.openxmlformats.org/drawingml/2006/main" xmlns:r="http://schemas.openxmlformats.org/officeDocument/2006/relationships" xmlns:p="http://schemas.openxmlformats.org/presentationml/2006/main" type="title">
   <p:cSld name="TITLE">
     <p:spTree>
       <p:nvGrpSpPr>
@@ -484,7 +489,9 @@
       <p:sp>
         <p:nvSpPr>
           <p:cNvPr id="11" name="Title Text"/>
-          <p:cNvSpPr txBox="1"/>
+          <p:cNvSpPr txBox="1">
+            <a:spLocks noGrp="1"/>
+          </p:cNvSpPr>
           <p:nvPr>
             <p:ph type="title"/>
           </p:nvPr>
@@ -506,7 +513,6 @@
             </a:lvl1pPr>
           </a:lstStyle>
           <a:p>
-            <a:pPr/>
             <a:r>
               <a:t>Title Text</a:t>
             </a:r>
@@ -516,7 +522,9 @@
       <p:sp>
         <p:nvSpPr>
           <p:cNvPr id="12" name="Body Level One…"/>
-          <p:cNvSpPr txBox="1"/>
+          <p:cNvSpPr txBox="1">
+            <a:spLocks noGrp="1"/>
+          </p:cNvSpPr>
           <p:nvPr>
             <p:ph type="body" sz="quarter" idx="1"/>
           </p:nvPr>
@@ -585,7 +593,6 @@
             </a:lvl5pPr>
           </a:lstStyle>
           <a:p>
-            <a:pPr/>
             <a:r>
               <a:t>Body Level One</a:t>
             </a:r>
@@ -619,7 +626,9 @@
       <p:sp>
         <p:nvSpPr>
           <p:cNvPr id="13" name="Slide Number"/>
-          <p:cNvSpPr txBox="1"/>
+          <p:cNvSpPr txBox="1">
+            <a:spLocks noGrp="1"/>
+          </p:cNvSpPr>
           <p:nvPr>
             <p:ph type="sldNum" sz="quarter" idx="2"/>
           </p:nvPr>
@@ -633,8 +642,10 @@
           <a:bodyPr/>
           <a:lstStyle/>
           <a:p>
-            <a:pPr/>
-            <a:fld id="{86CB4B4D-7CA3-9044-876B-883B54F8677D}" type="slidenum"/>
+            <a:fld id="{86CB4B4D-7CA3-9044-876B-883B54F8677D}" type="slidenum">
+              <a:t>‹#›</a:t>
+            </a:fld>
+            <a:endParaRPr/>
           </a:p>
         </p:txBody>
       </p:sp>
@@ -643,12 +654,12 @@
   <p:clrMapOvr>
     <a:masterClrMapping/>
   </p:clrMapOvr>
-  <p:transition xmlns:p14="http://schemas.microsoft.com/office/powerpoint/2010/main" spd="med" advClick="1"/>
+  <p:transition spd="med"/>
 </p:sldLayout>
 </file>
 
 <file path=ppt/slideLayouts/slideLayout10.xml><?xml version="1.0" encoding="utf-8"?>
-<p:sldLayout xmlns:a="http://schemas.openxmlformats.org/drawingml/2006/main" xmlns:r="http://schemas.openxmlformats.org/officeDocument/2006/relationships" xmlns:p="http://schemas.openxmlformats.org/presentationml/2006/main" xmlns:m="http://schemas.openxmlformats.org/officeDocument/2006/math" xmlns:a14="http://schemas.microsoft.com/office/drawing/2010/main" type="tx" showMasterSp="1" showMasterPhAnim="1">
+<p:sldLayout xmlns:a="http://schemas.openxmlformats.org/drawingml/2006/main" xmlns:r="http://schemas.openxmlformats.org/officeDocument/2006/relationships" xmlns:p="http://schemas.openxmlformats.org/presentationml/2006/main" type="tx">
   <p:cSld name="BIG_NUMBER">
     <p:spTree>
       <p:nvGrpSpPr>
@@ -667,7 +678,9 @@
       <p:sp>
         <p:nvSpPr>
           <p:cNvPr id="91" name="xx%"/>
-          <p:cNvSpPr txBox="1"/>
+          <p:cNvSpPr txBox="1">
+            <a:spLocks noGrp="1"/>
+          </p:cNvSpPr>
           <p:nvPr>
             <p:ph type="title" hasCustomPrompt="1"/>
           </p:nvPr>
@@ -689,7 +702,6 @@
             </a:lvl1pPr>
           </a:lstStyle>
           <a:p>
-            <a:pPr/>
             <a:r>
               <a:t>xx%</a:t>
             </a:r>
@@ -699,7 +711,9 @@
       <p:sp>
         <p:nvSpPr>
           <p:cNvPr id="92" name="Body Level One…"/>
-          <p:cNvSpPr txBox="1"/>
+          <p:cNvSpPr txBox="1">
+            <a:spLocks noGrp="1"/>
+          </p:cNvSpPr>
           <p:nvPr>
             <p:ph type="body" sz="half" idx="1"/>
           </p:nvPr>
@@ -723,7 +737,6 @@
             <a:lvl5pPr algn="ctr"/>
           </a:lstStyle>
           <a:p>
-            <a:pPr/>
             <a:r>
               <a:t>Body Level One</a:t>
             </a:r>
@@ -757,7 +770,9 @@
       <p:sp>
         <p:nvSpPr>
           <p:cNvPr id="93" name="Slide Number"/>
-          <p:cNvSpPr txBox="1"/>
+          <p:cNvSpPr txBox="1">
+            <a:spLocks noGrp="1"/>
+          </p:cNvSpPr>
           <p:nvPr>
             <p:ph type="sldNum" sz="quarter" idx="2"/>
           </p:nvPr>
@@ -771,8 +786,10 @@
           <a:bodyPr/>
           <a:lstStyle/>
           <a:p>
-            <a:pPr/>
-            <a:fld id="{86CB4B4D-7CA3-9044-876B-883B54F8677D}" type="slidenum"/>
+            <a:fld id="{86CB4B4D-7CA3-9044-876B-883B54F8677D}" type="slidenum">
+              <a:t>‹#›</a:t>
+            </a:fld>
+            <a:endParaRPr/>
           </a:p>
         </p:txBody>
       </p:sp>
@@ -781,12 +798,12 @@
   <p:clrMapOvr>
     <a:masterClrMapping/>
   </p:clrMapOvr>
-  <p:transition xmlns:p14="http://schemas.microsoft.com/office/powerpoint/2010/main" spd="med" advClick="1"/>
+  <p:transition spd="med"/>
 </p:sldLayout>
 </file>
 
 <file path=ppt/slideLayouts/slideLayout11.xml><?xml version="1.0" encoding="utf-8"?>
-<p:sldLayout xmlns:a="http://schemas.openxmlformats.org/drawingml/2006/main" xmlns:r="http://schemas.openxmlformats.org/officeDocument/2006/relationships" xmlns:p="http://schemas.openxmlformats.org/presentationml/2006/main" xmlns:m="http://schemas.openxmlformats.org/officeDocument/2006/math" xmlns:a14="http://schemas.microsoft.com/office/drawing/2010/main" type="tx" showMasterSp="1" showMasterPhAnim="1">
+<p:sldLayout xmlns:a="http://schemas.openxmlformats.org/drawingml/2006/main" xmlns:r="http://schemas.openxmlformats.org/officeDocument/2006/relationships" xmlns:p="http://schemas.openxmlformats.org/presentationml/2006/main" type="tx">
   <p:cSld name="BLANK">
     <p:spTree>
       <p:nvGrpSpPr>
@@ -805,7 +822,9 @@
       <p:sp>
         <p:nvSpPr>
           <p:cNvPr id="100" name="Slide Number"/>
-          <p:cNvSpPr txBox="1"/>
+          <p:cNvSpPr txBox="1">
+            <a:spLocks noGrp="1"/>
+          </p:cNvSpPr>
           <p:nvPr>
             <p:ph type="sldNum" sz="quarter" idx="2"/>
           </p:nvPr>
@@ -819,8 +838,10 @@
           <a:bodyPr/>
           <a:lstStyle/>
           <a:p>
-            <a:pPr/>
-            <a:fld id="{86CB4B4D-7CA3-9044-876B-883B54F8677D}" type="slidenum"/>
+            <a:fld id="{86CB4B4D-7CA3-9044-876B-883B54F8677D}" type="slidenum">
+              <a:t>‹#›</a:t>
+            </a:fld>
+            <a:endParaRPr/>
           </a:p>
         </p:txBody>
       </p:sp>
@@ -829,12 +850,12 @@
   <p:clrMapOvr>
     <a:masterClrMapping/>
   </p:clrMapOvr>
-  <p:transition xmlns:p14="http://schemas.microsoft.com/office/powerpoint/2010/main" spd="med" advClick="1"/>
+  <p:transition spd="med"/>
 </p:sldLayout>
 </file>
 
 <file path=ppt/slideLayouts/slideLayout12.xml><?xml version="1.0" encoding="utf-8"?>
-<p:sldLayout xmlns:a="http://schemas.openxmlformats.org/drawingml/2006/main" xmlns:r="http://schemas.openxmlformats.org/officeDocument/2006/relationships" xmlns:p="http://schemas.openxmlformats.org/presentationml/2006/main" xmlns:m="http://schemas.openxmlformats.org/officeDocument/2006/math" xmlns:a14="http://schemas.microsoft.com/office/drawing/2010/main" type="tx" showMasterSp="1" showMasterPhAnim="1">
+<p:sldLayout xmlns:a="http://schemas.openxmlformats.org/drawingml/2006/main" xmlns:r="http://schemas.openxmlformats.org/officeDocument/2006/relationships" xmlns:p="http://schemas.openxmlformats.org/presentationml/2006/main" type="tx">
   <p:cSld name="category_purple">
     <p:spTree>
       <p:nvGrpSpPr>
@@ -853,7 +874,9 @@
       <p:sp>
         <p:nvSpPr>
           <p:cNvPr id="107" name="Title Text"/>
-          <p:cNvSpPr txBox="1"/>
+          <p:cNvSpPr txBox="1">
+            <a:spLocks noGrp="1"/>
+          </p:cNvSpPr>
           <p:nvPr>
             <p:ph type="title"/>
           </p:nvPr>
@@ -871,11 +894,10 @@
           <a:bodyPr/>
           <a:lstStyle>
             <a:lvl1pPr>
-              <a:defRPr b="1" sz="3600"/>
+              <a:defRPr sz="3600" b="1"/>
             </a:lvl1pPr>
           </a:lstStyle>
           <a:p>
-            <a:pPr/>
             <a:r>
               <a:t>Title Text</a:t>
             </a:r>
@@ -921,6 +943,7 @@
                 </a:solidFill>
               </a:defRPr>
             </a:pPr>
+            <a:endParaRPr/>
           </a:p>
         </p:txBody>
       </p:sp>
@@ -974,6 +997,7 @@
                   </a:solidFill>
                 </a:defRPr>
               </a:pPr>
+              <a:endParaRPr/>
             </a:p>
           </p:txBody>
         </p:sp>
@@ -999,7 +1023,7 @@
             <a:effectLst/>
             <a:extLst>
               <a:ext uri="{C572A759-6A51-4108-AA02-DFA0A04FC94B}">
-                <ma14:wrappingTextBoxFlag xmlns:ma14="http://schemas.microsoft.com/office/mac/drawingml/2011/main" val="1"/>
+                <ma14:wrappingTextBoxFlag xmlns:ma14="http://schemas.microsoft.com/office/mac/drawingml/2011/main" xmlns:a14="http://schemas.microsoft.com/office/drawing/2010/main" xmlns:m="http://schemas.openxmlformats.org/officeDocument/2006/math" xmlns="" val="1"/>
               </a:ext>
             </a:extLst>
           </p:spPr>
@@ -1009,11 +1033,10 @@
             </a:bodyPr>
             <a:lstStyle>
               <a:lvl1pPr>
-                <a:defRPr b="1" sz="900"/>
+                <a:defRPr sz="900" b="1"/>
               </a:lvl1pPr>
             </a:lstStyle>
             <a:p>
-              <a:pPr/>
               <a:r>
                 <a:t>STANDARD CATEGORY ICON</a:t>
               </a:r>
@@ -1052,7 +1075,7 @@
             </a:bodyPr>
             <a:lstStyle/>
             <a:p>
-              <a:pPr/>
+              <a:endParaRPr/>
             </a:p>
           </p:txBody>
         </p:sp>
@@ -1095,6 +1118,7 @@
                   </a:solidFill>
                 </a:defRPr>
               </a:pPr>
+              <a:endParaRPr/>
             </a:p>
           </p:txBody>
         </p:sp>
@@ -1120,7 +1144,7 @@
             <a:effectLst/>
             <a:extLst>
               <a:ext uri="{C572A759-6A51-4108-AA02-DFA0A04FC94B}">
-                <ma14:wrappingTextBoxFlag xmlns:ma14="http://schemas.microsoft.com/office/mac/drawingml/2011/main" val="1"/>
+                <ma14:wrappingTextBoxFlag xmlns:ma14="http://schemas.microsoft.com/office/mac/drawingml/2011/main" xmlns:a14="http://schemas.microsoft.com/office/drawing/2010/main" xmlns:m="http://schemas.openxmlformats.org/officeDocument/2006/math" xmlns="" val="1"/>
               </a:ext>
             </a:extLst>
           </p:spPr>
@@ -1130,11 +1154,10 @@
             </a:bodyPr>
             <a:lstStyle>
               <a:lvl1pPr>
-                <a:defRPr b="1" sz="900"/>
+                <a:defRPr sz="900" b="1"/>
               </a:lvl1pPr>
             </a:lstStyle>
             <a:p>
-              <a:pPr/>
               <a:r>
                 <a:t>ALTERNATE CATEGORY ICON</a:t>
               </a:r>
@@ -1145,7 +1168,9 @@
       <p:sp>
         <p:nvSpPr>
           <p:cNvPr id="115" name="Slide Number"/>
-          <p:cNvSpPr txBox="1"/>
+          <p:cNvSpPr txBox="1">
+            <a:spLocks noGrp="1"/>
+          </p:cNvSpPr>
           <p:nvPr>
             <p:ph type="sldNum" sz="quarter" idx="2"/>
           </p:nvPr>
@@ -1159,8 +1184,10 @@
           <a:bodyPr/>
           <a:lstStyle/>
           <a:p>
-            <a:pPr/>
-            <a:fld id="{86CB4B4D-7CA3-9044-876B-883B54F8677D}" type="slidenum"/>
+            <a:fld id="{86CB4B4D-7CA3-9044-876B-883B54F8677D}" type="slidenum">
+              <a:t>‹#›</a:t>
+            </a:fld>
+            <a:endParaRPr/>
           </a:p>
         </p:txBody>
       </p:sp>
@@ -1169,12 +1196,12 @@
   <p:clrMapOvr>
     <a:masterClrMapping/>
   </p:clrMapOvr>
-  <p:transition xmlns:p14="http://schemas.microsoft.com/office/powerpoint/2010/main" spd="med" advClick="1"/>
+  <p:transition spd="med"/>
 </p:sldLayout>
 </file>
 
 <file path=ppt/slideLayouts/slideLayout13.xml><?xml version="1.0" encoding="utf-8"?>
-<p:sldLayout xmlns:a="http://schemas.openxmlformats.org/drawingml/2006/main" xmlns:r="http://schemas.openxmlformats.org/officeDocument/2006/relationships" xmlns:p="http://schemas.openxmlformats.org/presentationml/2006/main" xmlns:m="http://schemas.openxmlformats.org/officeDocument/2006/math" xmlns:a14="http://schemas.microsoft.com/office/drawing/2010/main" type="tx" showMasterSp="1" showMasterPhAnim="1">
+<p:sldLayout xmlns:a="http://schemas.openxmlformats.org/drawingml/2006/main" xmlns:r="http://schemas.openxmlformats.org/officeDocument/2006/relationships" xmlns:p="http://schemas.openxmlformats.org/presentationml/2006/main" type="tx">
   <p:cSld name="icons_purple">
     <p:spTree>
       <p:nvGrpSpPr>
@@ -1193,7 +1220,9 @@
       <p:sp>
         <p:nvSpPr>
           <p:cNvPr id="122" name="Title Text"/>
-          <p:cNvSpPr txBox="1"/>
+          <p:cNvSpPr txBox="1">
+            <a:spLocks noGrp="1"/>
+          </p:cNvSpPr>
           <p:nvPr>
             <p:ph type="title"/>
           </p:nvPr>
@@ -1211,7 +1240,7 @@
           <a:bodyPr/>
           <a:lstStyle>
             <a:lvl1pPr>
-              <a:defRPr b="1" sz="2100">
+              <a:defRPr sz="2100" b="1">
                 <a:solidFill>
                   <a:srgbClr val="141B23"/>
                 </a:solidFill>
@@ -1219,7 +1248,6 @@
             </a:lvl1pPr>
           </a:lstStyle>
           <a:p>
-            <a:pPr/>
             <a:r>
               <a:t>Title Text</a:t>
             </a:r>
@@ -1229,7 +1257,9 @@
       <p:sp>
         <p:nvSpPr>
           <p:cNvPr id="123" name="Body Level One…"/>
-          <p:cNvSpPr txBox="1"/>
+          <p:cNvSpPr txBox="1">
+            <a:spLocks noGrp="1"/>
+          </p:cNvSpPr>
           <p:nvPr>
             <p:ph type="body" sz="quarter" idx="1" hasCustomPrompt="1"/>
           </p:nvPr>
@@ -1299,34 +1329,25 @@
             </a:lvl5pPr>
           </a:lstStyle>
           <a:p>
-            <a:pPr/>
             <a:r>
               <a:t>#/#</a:t>
             </a:r>
           </a:p>
           <a:p>
             <a:pPr lvl="1"/>
-            <a:r>
-              <a:t/>
-            </a:r>
+            <a:endParaRPr/>
           </a:p>
           <a:p>
             <a:pPr lvl="2"/>
-            <a:r>
-              <a:t/>
-            </a:r>
+            <a:endParaRPr/>
           </a:p>
           <a:p>
             <a:pPr lvl="3"/>
-            <a:r>
-              <a:t/>
-            </a:r>
+            <a:endParaRPr/>
           </a:p>
           <a:p>
             <a:pPr lvl="4"/>
-            <a:r>
-              <a:t/>
-            </a:r>
+            <a:endParaRPr/>
           </a:p>
         </p:txBody>
       </p:sp>
@@ -1362,6 +1383,7 @@
                 </a:solidFill>
               </a:defRPr>
             </a:pPr>
+            <a:endParaRPr/>
           </a:p>
         </p:txBody>
       </p:sp>
@@ -1397,6 +1419,7 @@
                 </a:solidFill>
               </a:defRPr>
             </a:pPr>
+            <a:endParaRPr/>
           </a:p>
         </p:txBody>
       </p:sp>
@@ -1419,7 +1442,7 @@
           </a:ln>
           <a:extLst>
             <a:ext uri="{C572A759-6A51-4108-AA02-DFA0A04FC94B}">
-              <ma14:wrappingTextBoxFlag xmlns:ma14="http://schemas.microsoft.com/office/mac/drawingml/2011/main" val="1"/>
+              <ma14:wrappingTextBoxFlag xmlns:ma14="http://schemas.microsoft.com/office/mac/drawingml/2011/main" xmlns:a14="http://schemas.microsoft.com/office/drawing/2010/main" xmlns:m="http://schemas.openxmlformats.org/officeDocument/2006/math" xmlns="" val="1"/>
             </a:ext>
           </a:extLst>
         </p:spPr>
@@ -1429,11 +1452,10 @@
           </a:bodyPr>
           <a:lstStyle>
             <a:lvl1pPr>
-              <a:defRPr b="1" sz="900"/>
+              <a:defRPr sz="900" b="1"/>
             </a:lvl1pPr>
           </a:lstStyle>
           <a:p>
-            <a:pPr/>
             <a:r>
               <a:t>STANDARD SERVICE ICON</a:t>
             </a:r>
@@ -1459,7 +1481,7 @@
           </a:ln>
           <a:extLst>
             <a:ext uri="{C572A759-6A51-4108-AA02-DFA0A04FC94B}">
-              <ma14:wrappingTextBoxFlag xmlns:ma14="http://schemas.microsoft.com/office/mac/drawingml/2011/main" val="1"/>
+              <ma14:wrappingTextBoxFlag xmlns:ma14="http://schemas.microsoft.com/office/mac/drawingml/2011/main" xmlns:a14="http://schemas.microsoft.com/office/drawing/2010/main" xmlns:m="http://schemas.openxmlformats.org/officeDocument/2006/math" xmlns="" val="1"/>
             </a:ext>
           </a:extLst>
         </p:spPr>
@@ -1469,11 +1491,10 @@
           </a:bodyPr>
           <a:lstStyle>
             <a:lvl1pPr>
-              <a:defRPr b="1" sz="900"/>
+              <a:defRPr sz="900" b="1"/>
             </a:lvl1pPr>
           </a:lstStyle>
           <a:p>
-            <a:pPr/>
             <a:r>
               <a:t>ALTERNATE SERVICE ICON</a:t>
             </a:r>
@@ -1499,7 +1520,7 @@
           </a:ln>
           <a:extLst>
             <a:ext uri="{C572A759-6A51-4108-AA02-DFA0A04FC94B}">
-              <ma14:wrappingTextBoxFlag xmlns:ma14="http://schemas.microsoft.com/office/mac/drawingml/2011/main" val="1"/>
+              <ma14:wrappingTextBoxFlag xmlns:ma14="http://schemas.microsoft.com/office/mac/drawingml/2011/main" xmlns:a14="http://schemas.microsoft.com/office/drawing/2010/main" xmlns:m="http://schemas.openxmlformats.org/officeDocument/2006/math" xmlns="" val="1"/>
             </a:ext>
           </a:extLst>
         </p:spPr>
@@ -1509,11 +1530,10 @@
           </a:bodyPr>
           <a:lstStyle>
             <a:lvl1pPr>
-              <a:defRPr b="1" sz="900"/>
+              <a:defRPr sz="900" b="1"/>
             </a:lvl1pPr>
           </a:lstStyle>
           <a:p>
-            <a:pPr/>
             <a:r>
               <a:t>RESOURCES</a:t>
             </a:r>
@@ -1546,7 +1566,7 @@
           <a:bodyPr lIns="45719" rIns="45719"/>
           <a:lstStyle/>
           <a:p>
-            <a:pPr/>
+            <a:endParaRPr/>
           </a:p>
         </p:txBody>
       </p:sp>
@@ -1589,13 +1609,16 @@
                 </a:solidFill>
               </a:defRPr>
             </a:pPr>
+            <a:endParaRPr/>
           </a:p>
         </p:txBody>
       </p:sp>
       <p:sp>
         <p:nvSpPr>
           <p:cNvPr id="131" name="Slide Number"/>
-          <p:cNvSpPr txBox="1"/>
+          <p:cNvSpPr txBox="1">
+            <a:spLocks noGrp="1"/>
+          </p:cNvSpPr>
           <p:nvPr>
             <p:ph type="sldNum" sz="quarter" idx="2"/>
           </p:nvPr>
@@ -1609,8 +1632,10 @@
           <a:bodyPr/>
           <a:lstStyle/>
           <a:p>
-            <a:pPr/>
-            <a:fld id="{86CB4B4D-7CA3-9044-876B-883B54F8677D}" type="slidenum"/>
+            <a:fld id="{86CB4B4D-7CA3-9044-876B-883B54F8677D}" type="slidenum">
+              <a:t>‹#›</a:t>
+            </a:fld>
+            <a:endParaRPr/>
           </a:p>
         </p:txBody>
       </p:sp>
@@ -1619,12 +1644,12 @@
   <p:clrMapOvr>
     <a:masterClrMapping/>
   </p:clrMapOvr>
-  <p:transition xmlns:p14="http://schemas.microsoft.com/office/powerpoint/2010/main" spd="med" advClick="1"/>
+  <p:transition spd="med"/>
 </p:sldLayout>
 </file>
 
 <file path=ppt/slideLayouts/slideLayout14.xml><?xml version="1.0" encoding="utf-8"?>
-<p:sldLayout xmlns:a="http://schemas.openxmlformats.org/drawingml/2006/main" xmlns:r="http://schemas.openxmlformats.org/officeDocument/2006/relationships" xmlns:p="http://schemas.openxmlformats.org/presentationml/2006/main" xmlns:m="http://schemas.openxmlformats.org/officeDocument/2006/math" xmlns:a14="http://schemas.microsoft.com/office/drawing/2010/main" type="tx" showMasterSp="1" showMasterPhAnim="1">
+<p:sldLayout xmlns:a="http://schemas.openxmlformats.org/drawingml/2006/main" xmlns:r="http://schemas.openxmlformats.org/officeDocument/2006/relationships" xmlns:p="http://schemas.openxmlformats.org/presentationml/2006/main" type="tx">
   <p:cSld name="category_pink">
     <p:spTree>
       <p:nvGrpSpPr>
@@ -1643,7 +1668,9 @@
       <p:sp>
         <p:nvSpPr>
           <p:cNvPr id="138" name="Title Text"/>
-          <p:cNvSpPr txBox="1"/>
+          <p:cNvSpPr txBox="1">
+            <a:spLocks noGrp="1"/>
+          </p:cNvSpPr>
           <p:nvPr>
             <p:ph type="title"/>
           </p:nvPr>
@@ -1661,11 +1688,10 @@
           <a:bodyPr/>
           <a:lstStyle>
             <a:lvl1pPr>
-              <a:defRPr b="1" sz="3600"/>
+              <a:defRPr sz="3600" b="1"/>
             </a:lvl1pPr>
           </a:lstStyle>
           <a:p>
-            <a:pPr/>
             <a:r>
               <a:t>Title Text</a:t>
             </a:r>
@@ -1711,6 +1737,7 @@
                 </a:solidFill>
               </a:defRPr>
             </a:pPr>
+            <a:endParaRPr/>
           </a:p>
         </p:txBody>
       </p:sp>
@@ -1764,6 +1791,7 @@
                   </a:solidFill>
                 </a:defRPr>
               </a:pPr>
+              <a:endParaRPr/>
             </a:p>
           </p:txBody>
         </p:sp>
@@ -1789,7 +1817,7 @@
             <a:effectLst/>
             <a:extLst>
               <a:ext uri="{C572A759-6A51-4108-AA02-DFA0A04FC94B}">
-                <ma14:wrappingTextBoxFlag xmlns:ma14="http://schemas.microsoft.com/office/mac/drawingml/2011/main" val="1"/>
+                <ma14:wrappingTextBoxFlag xmlns:ma14="http://schemas.microsoft.com/office/mac/drawingml/2011/main" xmlns:a14="http://schemas.microsoft.com/office/drawing/2010/main" xmlns:m="http://schemas.openxmlformats.org/officeDocument/2006/math" xmlns="" val="1"/>
               </a:ext>
             </a:extLst>
           </p:spPr>
@@ -1799,11 +1827,10 @@
             </a:bodyPr>
             <a:lstStyle>
               <a:lvl1pPr>
-                <a:defRPr b="1" sz="900"/>
+                <a:defRPr sz="900" b="1"/>
               </a:lvl1pPr>
             </a:lstStyle>
             <a:p>
-              <a:pPr/>
               <a:r>
                 <a:t>STANDARD CATEGORY ICON</a:t>
               </a:r>
@@ -1842,7 +1869,7 @@
             </a:bodyPr>
             <a:lstStyle/>
             <a:p>
-              <a:pPr/>
+              <a:endParaRPr/>
             </a:p>
           </p:txBody>
         </p:sp>
@@ -1885,6 +1912,7 @@
                   </a:solidFill>
                 </a:defRPr>
               </a:pPr>
+              <a:endParaRPr/>
             </a:p>
           </p:txBody>
         </p:sp>
@@ -1910,7 +1938,7 @@
             <a:effectLst/>
             <a:extLst>
               <a:ext uri="{C572A759-6A51-4108-AA02-DFA0A04FC94B}">
-                <ma14:wrappingTextBoxFlag xmlns:ma14="http://schemas.microsoft.com/office/mac/drawingml/2011/main" val="1"/>
+                <ma14:wrappingTextBoxFlag xmlns:ma14="http://schemas.microsoft.com/office/mac/drawingml/2011/main" xmlns:a14="http://schemas.microsoft.com/office/drawing/2010/main" xmlns:m="http://schemas.openxmlformats.org/officeDocument/2006/math" xmlns="" val="1"/>
               </a:ext>
             </a:extLst>
           </p:spPr>
@@ -1920,11 +1948,10 @@
             </a:bodyPr>
             <a:lstStyle>
               <a:lvl1pPr>
-                <a:defRPr b="1" sz="900"/>
+                <a:defRPr sz="900" b="1"/>
               </a:lvl1pPr>
             </a:lstStyle>
             <a:p>
-              <a:pPr/>
               <a:r>
                 <a:t>ALTERNATE CATEGORY ICON</a:t>
               </a:r>
@@ -1935,7 +1962,9 @@
       <p:sp>
         <p:nvSpPr>
           <p:cNvPr id="146" name="Slide Number"/>
-          <p:cNvSpPr txBox="1"/>
+          <p:cNvSpPr txBox="1">
+            <a:spLocks noGrp="1"/>
+          </p:cNvSpPr>
           <p:nvPr>
             <p:ph type="sldNum" sz="quarter" idx="2"/>
           </p:nvPr>
@@ -1949,8 +1978,10 @@
           <a:bodyPr/>
           <a:lstStyle/>
           <a:p>
-            <a:pPr/>
-            <a:fld id="{86CB4B4D-7CA3-9044-876B-883B54F8677D}" type="slidenum"/>
+            <a:fld id="{86CB4B4D-7CA3-9044-876B-883B54F8677D}" type="slidenum">
+              <a:t>‹#›</a:t>
+            </a:fld>
+            <a:endParaRPr/>
           </a:p>
         </p:txBody>
       </p:sp>
@@ -1959,12 +1990,12 @@
   <p:clrMapOvr>
     <a:masterClrMapping/>
   </p:clrMapOvr>
-  <p:transition xmlns:p14="http://schemas.microsoft.com/office/powerpoint/2010/main" spd="med" advClick="1"/>
+  <p:transition spd="med"/>
 </p:sldLayout>
 </file>
 
 <file path=ppt/slideLayouts/slideLayout15.xml><?xml version="1.0" encoding="utf-8"?>
-<p:sldLayout xmlns:a="http://schemas.openxmlformats.org/drawingml/2006/main" xmlns:r="http://schemas.openxmlformats.org/officeDocument/2006/relationships" xmlns:p="http://schemas.openxmlformats.org/presentationml/2006/main" xmlns:m="http://schemas.openxmlformats.org/officeDocument/2006/math" xmlns:a14="http://schemas.microsoft.com/office/drawing/2010/main" type="tx" showMasterSp="1" showMasterPhAnim="1">
+<p:sldLayout xmlns:a="http://schemas.openxmlformats.org/drawingml/2006/main" xmlns:r="http://schemas.openxmlformats.org/officeDocument/2006/relationships" xmlns:p="http://schemas.openxmlformats.org/presentationml/2006/main" type="tx">
   <p:cSld name="icons_pink">
     <p:spTree>
       <p:nvGrpSpPr>
@@ -1983,7 +2014,9 @@
       <p:sp>
         <p:nvSpPr>
           <p:cNvPr id="153" name="Title Text"/>
-          <p:cNvSpPr txBox="1"/>
+          <p:cNvSpPr txBox="1">
+            <a:spLocks noGrp="1"/>
+          </p:cNvSpPr>
           <p:nvPr>
             <p:ph type="title"/>
           </p:nvPr>
@@ -2001,7 +2034,7 @@
           <a:bodyPr/>
           <a:lstStyle>
             <a:lvl1pPr>
-              <a:defRPr b="1" sz="2100">
+              <a:defRPr sz="2100" b="1">
                 <a:solidFill>
                   <a:srgbClr val="141B23"/>
                 </a:solidFill>
@@ -2009,7 +2042,6 @@
             </a:lvl1pPr>
           </a:lstStyle>
           <a:p>
-            <a:pPr/>
             <a:r>
               <a:t>Title Text</a:t>
             </a:r>
@@ -2019,7 +2051,9 @@
       <p:sp>
         <p:nvSpPr>
           <p:cNvPr id="154" name="Body Level One…"/>
-          <p:cNvSpPr txBox="1"/>
+          <p:cNvSpPr txBox="1">
+            <a:spLocks noGrp="1"/>
+          </p:cNvSpPr>
           <p:nvPr>
             <p:ph type="body" sz="quarter" idx="1" hasCustomPrompt="1"/>
           </p:nvPr>
@@ -2089,34 +2123,25 @@
             </a:lvl5pPr>
           </a:lstStyle>
           <a:p>
-            <a:pPr/>
             <a:r>
               <a:t>#/#</a:t>
             </a:r>
           </a:p>
           <a:p>
             <a:pPr lvl="1"/>
-            <a:r>
-              <a:t/>
-            </a:r>
+            <a:endParaRPr/>
           </a:p>
           <a:p>
             <a:pPr lvl="2"/>
-            <a:r>
-              <a:t/>
-            </a:r>
+            <a:endParaRPr/>
           </a:p>
           <a:p>
             <a:pPr lvl="3"/>
-            <a:r>
-              <a:t/>
-            </a:r>
+            <a:endParaRPr/>
           </a:p>
           <a:p>
             <a:pPr lvl="4"/>
-            <a:r>
-              <a:t/>
-            </a:r>
+            <a:endParaRPr/>
           </a:p>
         </p:txBody>
       </p:sp>
@@ -2152,6 +2177,7 @@
                 </a:solidFill>
               </a:defRPr>
             </a:pPr>
+            <a:endParaRPr/>
           </a:p>
         </p:txBody>
       </p:sp>
@@ -2187,6 +2213,7 @@
                 </a:solidFill>
               </a:defRPr>
             </a:pPr>
+            <a:endParaRPr/>
           </a:p>
         </p:txBody>
       </p:sp>
@@ -2209,7 +2236,7 @@
           </a:ln>
           <a:extLst>
             <a:ext uri="{C572A759-6A51-4108-AA02-DFA0A04FC94B}">
-              <ma14:wrappingTextBoxFlag xmlns:ma14="http://schemas.microsoft.com/office/mac/drawingml/2011/main" val="1"/>
+              <ma14:wrappingTextBoxFlag xmlns:ma14="http://schemas.microsoft.com/office/mac/drawingml/2011/main" xmlns:a14="http://schemas.microsoft.com/office/drawing/2010/main" xmlns:m="http://schemas.openxmlformats.org/officeDocument/2006/math" xmlns="" val="1"/>
             </a:ext>
           </a:extLst>
         </p:spPr>
@@ -2219,11 +2246,10 @@
           </a:bodyPr>
           <a:lstStyle>
             <a:lvl1pPr>
-              <a:defRPr b="1" sz="900"/>
+              <a:defRPr sz="900" b="1"/>
             </a:lvl1pPr>
           </a:lstStyle>
           <a:p>
-            <a:pPr/>
             <a:r>
               <a:t>STANDARD SERVICE ICON</a:t>
             </a:r>
@@ -2249,7 +2275,7 @@
           </a:ln>
           <a:extLst>
             <a:ext uri="{C572A759-6A51-4108-AA02-DFA0A04FC94B}">
-              <ma14:wrappingTextBoxFlag xmlns:ma14="http://schemas.microsoft.com/office/mac/drawingml/2011/main" val="1"/>
+              <ma14:wrappingTextBoxFlag xmlns:ma14="http://schemas.microsoft.com/office/mac/drawingml/2011/main" xmlns:a14="http://schemas.microsoft.com/office/drawing/2010/main" xmlns:m="http://schemas.openxmlformats.org/officeDocument/2006/math" xmlns="" val="1"/>
             </a:ext>
           </a:extLst>
         </p:spPr>
@@ -2259,11 +2285,10 @@
           </a:bodyPr>
           <a:lstStyle>
             <a:lvl1pPr>
-              <a:defRPr b="1" sz="900"/>
+              <a:defRPr sz="900" b="1"/>
             </a:lvl1pPr>
           </a:lstStyle>
           <a:p>
-            <a:pPr/>
             <a:r>
               <a:t>ALTERNATE SERVICE ICON</a:t>
             </a:r>
@@ -2289,7 +2314,7 @@
           </a:ln>
           <a:extLst>
             <a:ext uri="{C572A759-6A51-4108-AA02-DFA0A04FC94B}">
-              <ma14:wrappingTextBoxFlag xmlns:ma14="http://schemas.microsoft.com/office/mac/drawingml/2011/main" val="1"/>
+              <ma14:wrappingTextBoxFlag xmlns:ma14="http://schemas.microsoft.com/office/mac/drawingml/2011/main" xmlns:a14="http://schemas.microsoft.com/office/drawing/2010/main" xmlns:m="http://schemas.openxmlformats.org/officeDocument/2006/math" xmlns="" val="1"/>
             </a:ext>
           </a:extLst>
         </p:spPr>
@@ -2299,11 +2324,10 @@
           </a:bodyPr>
           <a:lstStyle>
             <a:lvl1pPr>
-              <a:defRPr b="1" sz="900"/>
+              <a:defRPr sz="900" b="1"/>
             </a:lvl1pPr>
           </a:lstStyle>
           <a:p>
-            <a:pPr/>
             <a:r>
               <a:t>RESOURCES</a:t>
             </a:r>
@@ -2336,7 +2360,7 @@
           <a:bodyPr lIns="45719" rIns="45719"/>
           <a:lstStyle/>
           <a:p>
-            <a:pPr/>
+            <a:endParaRPr/>
           </a:p>
         </p:txBody>
       </p:sp>
@@ -2379,13 +2403,16 @@
                 </a:solidFill>
               </a:defRPr>
             </a:pPr>
+            <a:endParaRPr/>
           </a:p>
         </p:txBody>
       </p:sp>
       <p:sp>
         <p:nvSpPr>
           <p:cNvPr id="162" name="Slide Number"/>
-          <p:cNvSpPr txBox="1"/>
+          <p:cNvSpPr txBox="1">
+            <a:spLocks noGrp="1"/>
+          </p:cNvSpPr>
           <p:nvPr>
             <p:ph type="sldNum" sz="quarter" idx="2"/>
           </p:nvPr>
@@ -2399,8 +2426,10 @@
           <a:bodyPr/>
           <a:lstStyle/>
           <a:p>
-            <a:pPr/>
-            <a:fld id="{86CB4B4D-7CA3-9044-876B-883B54F8677D}" type="slidenum"/>
+            <a:fld id="{86CB4B4D-7CA3-9044-876B-883B54F8677D}" type="slidenum">
+              <a:t>‹#›</a:t>
+            </a:fld>
+            <a:endParaRPr/>
           </a:p>
         </p:txBody>
       </p:sp>
@@ -2409,12 +2438,12 @@
   <p:clrMapOvr>
     <a:masterClrMapping/>
   </p:clrMapOvr>
-  <p:transition xmlns:p14="http://schemas.microsoft.com/office/powerpoint/2010/main" spd="med" advClick="1"/>
+  <p:transition spd="med"/>
 </p:sldLayout>
 </file>
 
 <file path=ppt/slideLayouts/slideLayout16.xml><?xml version="1.0" encoding="utf-8"?>
-<p:sldLayout xmlns:a="http://schemas.openxmlformats.org/drawingml/2006/main" xmlns:r="http://schemas.openxmlformats.org/officeDocument/2006/relationships" xmlns:p="http://schemas.openxmlformats.org/presentationml/2006/main" xmlns:m="http://schemas.openxmlformats.org/officeDocument/2006/math" xmlns:a14="http://schemas.microsoft.com/office/drawing/2010/main" type="tx" showMasterSp="1" showMasterPhAnim="1">
+<p:sldLayout xmlns:a="http://schemas.openxmlformats.org/drawingml/2006/main" xmlns:r="http://schemas.openxmlformats.org/officeDocument/2006/relationships" xmlns:p="http://schemas.openxmlformats.org/presentationml/2006/main" type="tx">
   <p:cSld name="category_green">
     <p:spTree>
       <p:nvGrpSpPr>
@@ -2433,7 +2462,9 @@
       <p:sp>
         <p:nvSpPr>
           <p:cNvPr id="169" name="Title Text"/>
-          <p:cNvSpPr txBox="1"/>
+          <p:cNvSpPr txBox="1">
+            <a:spLocks noGrp="1"/>
+          </p:cNvSpPr>
           <p:nvPr>
             <p:ph type="title"/>
           </p:nvPr>
@@ -2451,11 +2482,10 @@
           <a:bodyPr/>
           <a:lstStyle>
             <a:lvl1pPr>
-              <a:defRPr b="1" sz="3600"/>
+              <a:defRPr sz="3600" b="1"/>
             </a:lvl1pPr>
           </a:lstStyle>
           <a:p>
-            <a:pPr/>
             <a:r>
               <a:t>Title Text</a:t>
             </a:r>
@@ -2501,6 +2531,7 @@
                 </a:solidFill>
               </a:defRPr>
             </a:pPr>
+            <a:endParaRPr/>
           </a:p>
         </p:txBody>
       </p:sp>
@@ -2554,6 +2585,7 @@
                   </a:solidFill>
                 </a:defRPr>
               </a:pPr>
+              <a:endParaRPr/>
             </a:p>
           </p:txBody>
         </p:sp>
@@ -2579,7 +2611,7 @@
             <a:effectLst/>
             <a:extLst>
               <a:ext uri="{C572A759-6A51-4108-AA02-DFA0A04FC94B}">
-                <ma14:wrappingTextBoxFlag xmlns:ma14="http://schemas.microsoft.com/office/mac/drawingml/2011/main" val="1"/>
+                <ma14:wrappingTextBoxFlag xmlns:ma14="http://schemas.microsoft.com/office/mac/drawingml/2011/main" xmlns:a14="http://schemas.microsoft.com/office/drawing/2010/main" xmlns:m="http://schemas.openxmlformats.org/officeDocument/2006/math" xmlns="" val="1"/>
               </a:ext>
             </a:extLst>
           </p:spPr>
@@ -2589,11 +2621,10 @@
             </a:bodyPr>
             <a:lstStyle>
               <a:lvl1pPr>
-                <a:defRPr b="1" sz="900"/>
+                <a:defRPr sz="900" b="1"/>
               </a:lvl1pPr>
             </a:lstStyle>
             <a:p>
-              <a:pPr/>
               <a:r>
                 <a:t>STANDARD CATEGORY ICON</a:t>
               </a:r>
@@ -2632,7 +2663,7 @@
             </a:bodyPr>
             <a:lstStyle/>
             <a:p>
-              <a:pPr/>
+              <a:endParaRPr/>
             </a:p>
           </p:txBody>
         </p:sp>
@@ -2675,6 +2706,7 @@
                   </a:solidFill>
                 </a:defRPr>
               </a:pPr>
+              <a:endParaRPr/>
             </a:p>
           </p:txBody>
         </p:sp>
@@ -2700,7 +2732,7 @@
             <a:effectLst/>
             <a:extLst>
               <a:ext uri="{C572A759-6A51-4108-AA02-DFA0A04FC94B}">
-                <ma14:wrappingTextBoxFlag xmlns:ma14="http://schemas.microsoft.com/office/mac/drawingml/2011/main" val="1"/>
+                <ma14:wrappingTextBoxFlag xmlns:ma14="http://schemas.microsoft.com/office/mac/drawingml/2011/main" xmlns:a14="http://schemas.microsoft.com/office/drawing/2010/main" xmlns:m="http://schemas.openxmlformats.org/officeDocument/2006/math" xmlns="" val="1"/>
               </a:ext>
             </a:extLst>
           </p:spPr>
@@ -2710,11 +2742,10 @@
             </a:bodyPr>
             <a:lstStyle>
               <a:lvl1pPr>
-                <a:defRPr b="1" sz="900"/>
+                <a:defRPr sz="900" b="1"/>
               </a:lvl1pPr>
             </a:lstStyle>
             <a:p>
-              <a:pPr/>
               <a:r>
                 <a:t>ALTERNATE CATEGORY ICON</a:t>
               </a:r>
@@ -2725,7 +2756,9 @@
       <p:sp>
         <p:nvSpPr>
           <p:cNvPr id="177" name="Slide Number"/>
-          <p:cNvSpPr txBox="1"/>
+          <p:cNvSpPr txBox="1">
+            <a:spLocks noGrp="1"/>
+          </p:cNvSpPr>
           <p:nvPr>
             <p:ph type="sldNum" sz="quarter" idx="2"/>
           </p:nvPr>
@@ -2739,8 +2772,10 @@
           <a:bodyPr/>
           <a:lstStyle/>
           <a:p>
-            <a:pPr/>
-            <a:fld id="{86CB4B4D-7CA3-9044-876B-883B54F8677D}" type="slidenum"/>
+            <a:fld id="{86CB4B4D-7CA3-9044-876B-883B54F8677D}" type="slidenum">
+              <a:t>‹#›</a:t>
+            </a:fld>
+            <a:endParaRPr/>
           </a:p>
         </p:txBody>
       </p:sp>
@@ -2749,12 +2784,12 @@
   <p:clrMapOvr>
     <a:masterClrMapping/>
   </p:clrMapOvr>
-  <p:transition xmlns:p14="http://schemas.microsoft.com/office/powerpoint/2010/main" spd="med" advClick="1"/>
+  <p:transition spd="med"/>
 </p:sldLayout>
 </file>
 
 <file path=ppt/slideLayouts/slideLayout17.xml><?xml version="1.0" encoding="utf-8"?>
-<p:sldLayout xmlns:a="http://schemas.openxmlformats.org/drawingml/2006/main" xmlns:r="http://schemas.openxmlformats.org/officeDocument/2006/relationships" xmlns:p="http://schemas.openxmlformats.org/presentationml/2006/main" xmlns:m="http://schemas.openxmlformats.org/officeDocument/2006/math" xmlns:a14="http://schemas.microsoft.com/office/drawing/2010/main" type="tx" showMasterSp="1" showMasterPhAnim="1">
+<p:sldLayout xmlns:a="http://schemas.openxmlformats.org/drawingml/2006/main" xmlns:r="http://schemas.openxmlformats.org/officeDocument/2006/relationships" xmlns:p="http://schemas.openxmlformats.org/presentationml/2006/main" type="tx">
   <p:cSld name="icons_green">
     <p:spTree>
       <p:nvGrpSpPr>
@@ -2773,7 +2808,9 @@
       <p:sp>
         <p:nvSpPr>
           <p:cNvPr id="184" name="Title Text"/>
-          <p:cNvSpPr txBox="1"/>
+          <p:cNvSpPr txBox="1">
+            <a:spLocks noGrp="1"/>
+          </p:cNvSpPr>
           <p:nvPr>
             <p:ph type="title"/>
           </p:nvPr>
@@ -2791,7 +2828,7 @@
           <a:bodyPr/>
           <a:lstStyle>
             <a:lvl1pPr>
-              <a:defRPr b="1" sz="2100">
+              <a:defRPr sz="2100" b="1">
                 <a:solidFill>
                   <a:srgbClr val="141B23"/>
                 </a:solidFill>
@@ -2799,7 +2836,6 @@
             </a:lvl1pPr>
           </a:lstStyle>
           <a:p>
-            <a:pPr/>
             <a:r>
               <a:t>Title Text</a:t>
             </a:r>
@@ -2809,7 +2845,9 @@
       <p:sp>
         <p:nvSpPr>
           <p:cNvPr id="185" name="Body Level One…"/>
-          <p:cNvSpPr txBox="1"/>
+          <p:cNvSpPr txBox="1">
+            <a:spLocks noGrp="1"/>
+          </p:cNvSpPr>
           <p:nvPr>
             <p:ph type="body" sz="quarter" idx="1" hasCustomPrompt="1"/>
           </p:nvPr>
@@ -2879,34 +2917,25 @@
             </a:lvl5pPr>
           </a:lstStyle>
           <a:p>
-            <a:pPr/>
             <a:r>
               <a:t>#/#</a:t>
             </a:r>
           </a:p>
           <a:p>
             <a:pPr lvl="1"/>
-            <a:r>
-              <a:t/>
-            </a:r>
+            <a:endParaRPr/>
           </a:p>
           <a:p>
             <a:pPr lvl="2"/>
-            <a:r>
-              <a:t/>
-            </a:r>
+            <a:endParaRPr/>
           </a:p>
           <a:p>
             <a:pPr lvl="3"/>
-            <a:r>
-              <a:t/>
-            </a:r>
+            <a:endParaRPr/>
           </a:p>
           <a:p>
             <a:pPr lvl="4"/>
-            <a:r>
-              <a:t/>
-            </a:r>
+            <a:endParaRPr/>
           </a:p>
         </p:txBody>
       </p:sp>
@@ -2942,6 +2971,7 @@
                 </a:solidFill>
               </a:defRPr>
             </a:pPr>
+            <a:endParaRPr/>
           </a:p>
         </p:txBody>
       </p:sp>
@@ -2977,6 +3007,7 @@
                 </a:solidFill>
               </a:defRPr>
             </a:pPr>
+            <a:endParaRPr/>
           </a:p>
         </p:txBody>
       </p:sp>
@@ -2999,7 +3030,7 @@
           </a:ln>
           <a:extLst>
             <a:ext uri="{C572A759-6A51-4108-AA02-DFA0A04FC94B}">
-              <ma14:wrappingTextBoxFlag xmlns:ma14="http://schemas.microsoft.com/office/mac/drawingml/2011/main" val="1"/>
+              <ma14:wrappingTextBoxFlag xmlns:ma14="http://schemas.microsoft.com/office/mac/drawingml/2011/main" xmlns:a14="http://schemas.microsoft.com/office/drawing/2010/main" xmlns:m="http://schemas.openxmlformats.org/officeDocument/2006/math" xmlns="" val="1"/>
             </a:ext>
           </a:extLst>
         </p:spPr>
@@ -3009,11 +3040,10 @@
           </a:bodyPr>
           <a:lstStyle>
             <a:lvl1pPr>
-              <a:defRPr b="1" sz="900"/>
+              <a:defRPr sz="900" b="1"/>
             </a:lvl1pPr>
           </a:lstStyle>
           <a:p>
-            <a:pPr/>
             <a:r>
               <a:t>STANDARD SERVICE ICON</a:t>
             </a:r>
@@ -3039,7 +3069,7 @@
           </a:ln>
           <a:extLst>
             <a:ext uri="{C572A759-6A51-4108-AA02-DFA0A04FC94B}">
-              <ma14:wrappingTextBoxFlag xmlns:ma14="http://schemas.microsoft.com/office/mac/drawingml/2011/main" val="1"/>
+              <ma14:wrappingTextBoxFlag xmlns:ma14="http://schemas.microsoft.com/office/mac/drawingml/2011/main" xmlns:a14="http://schemas.microsoft.com/office/drawing/2010/main" xmlns:m="http://schemas.openxmlformats.org/officeDocument/2006/math" xmlns="" val="1"/>
             </a:ext>
           </a:extLst>
         </p:spPr>
@@ -3049,11 +3079,10 @@
           </a:bodyPr>
           <a:lstStyle>
             <a:lvl1pPr>
-              <a:defRPr b="1" sz="900"/>
+              <a:defRPr sz="900" b="1"/>
             </a:lvl1pPr>
           </a:lstStyle>
           <a:p>
-            <a:pPr/>
             <a:r>
               <a:t>ALTERNATE SERVICE ICON</a:t>
             </a:r>
@@ -3079,7 +3108,7 @@
           </a:ln>
           <a:extLst>
             <a:ext uri="{C572A759-6A51-4108-AA02-DFA0A04FC94B}">
-              <ma14:wrappingTextBoxFlag xmlns:ma14="http://schemas.microsoft.com/office/mac/drawingml/2011/main" val="1"/>
+              <ma14:wrappingTextBoxFlag xmlns:ma14="http://schemas.microsoft.com/office/mac/drawingml/2011/main" xmlns:a14="http://schemas.microsoft.com/office/drawing/2010/main" xmlns:m="http://schemas.openxmlformats.org/officeDocument/2006/math" xmlns="" val="1"/>
             </a:ext>
           </a:extLst>
         </p:spPr>
@@ -3089,11 +3118,10 @@
           </a:bodyPr>
           <a:lstStyle>
             <a:lvl1pPr>
-              <a:defRPr b="1" sz="900"/>
+              <a:defRPr sz="900" b="1"/>
             </a:lvl1pPr>
           </a:lstStyle>
           <a:p>
-            <a:pPr/>
             <a:r>
               <a:t>RESOURCES</a:t>
             </a:r>
@@ -3126,7 +3154,7 @@
           <a:bodyPr lIns="45719" rIns="45719"/>
           <a:lstStyle/>
           <a:p>
-            <a:pPr/>
+            <a:endParaRPr/>
           </a:p>
         </p:txBody>
       </p:sp>
@@ -3169,13 +3197,16 @@
                 </a:solidFill>
               </a:defRPr>
             </a:pPr>
+            <a:endParaRPr/>
           </a:p>
         </p:txBody>
       </p:sp>
       <p:sp>
         <p:nvSpPr>
           <p:cNvPr id="193" name="Slide Number"/>
-          <p:cNvSpPr txBox="1"/>
+          <p:cNvSpPr txBox="1">
+            <a:spLocks noGrp="1"/>
+          </p:cNvSpPr>
           <p:nvPr>
             <p:ph type="sldNum" sz="quarter" idx="2"/>
           </p:nvPr>
@@ -3189,8 +3220,10 @@
           <a:bodyPr/>
           <a:lstStyle/>
           <a:p>
-            <a:pPr/>
-            <a:fld id="{86CB4B4D-7CA3-9044-876B-883B54F8677D}" type="slidenum"/>
+            <a:fld id="{86CB4B4D-7CA3-9044-876B-883B54F8677D}" type="slidenum">
+              <a:t>‹#›</a:t>
+            </a:fld>
+            <a:endParaRPr/>
           </a:p>
         </p:txBody>
       </p:sp>
@@ -3199,12 +3232,12 @@
   <p:clrMapOvr>
     <a:masterClrMapping/>
   </p:clrMapOvr>
-  <p:transition xmlns:p14="http://schemas.microsoft.com/office/powerpoint/2010/main" spd="med" advClick="1"/>
+  <p:transition spd="med"/>
 </p:sldLayout>
 </file>
 
 <file path=ppt/slideLayouts/slideLayout18.xml><?xml version="1.0" encoding="utf-8"?>
-<p:sldLayout xmlns:a="http://schemas.openxmlformats.org/drawingml/2006/main" xmlns:r="http://schemas.openxmlformats.org/officeDocument/2006/relationships" xmlns:p="http://schemas.openxmlformats.org/presentationml/2006/main" xmlns:m="http://schemas.openxmlformats.org/officeDocument/2006/math" xmlns:a14="http://schemas.microsoft.com/office/drawing/2010/main" type="tx" showMasterSp="1" showMasterPhAnim="1">
+<p:sldLayout xmlns:a="http://schemas.openxmlformats.org/drawingml/2006/main" xmlns:r="http://schemas.openxmlformats.org/officeDocument/2006/relationships" xmlns:p="http://schemas.openxmlformats.org/presentationml/2006/main" type="tx">
   <p:cSld name="category_orange">
     <p:spTree>
       <p:nvGrpSpPr>
@@ -3223,7 +3256,9 @@
       <p:sp>
         <p:nvSpPr>
           <p:cNvPr id="200" name="Title Text"/>
-          <p:cNvSpPr txBox="1"/>
+          <p:cNvSpPr txBox="1">
+            <a:spLocks noGrp="1"/>
+          </p:cNvSpPr>
           <p:nvPr>
             <p:ph type="title"/>
           </p:nvPr>
@@ -3241,11 +3276,10 @@
           <a:bodyPr/>
           <a:lstStyle>
             <a:lvl1pPr>
-              <a:defRPr b="1" sz="3600"/>
+              <a:defRPr sz="3600" b="1"/>
             </a:lvl1pPr>
           </a:lstStyle>
           <a:p>
-            <a:pPr/>
             <a:r>
               <a:t>Title Text</a:t>
             </a:r>
@@ -3291,6 +3325,7 @@
                 </a:solidFill>
               </a:defRPr>
             </a:pPr>
+            <a:endParaRPr/>
           </a:p>
         </p:txBody>
       </p:sp>
@@ -3344,6 +3379,7 @@
                   </a:solidFill>
                 </a:defRPr>
               </a:pPr>
+              <a:endParaRPr/>
             </a:p>
           </p:txBody>
         </p:sp>
@@ -3369,7 +3405,7 @@
             <a:effectLst/>
             <a:extLst>
               <a:ext uri="{C572A759-6A51-4108-AA02-DFA0A04FC94B}">
-                <ma14:wrappingTextBoxFlag xmlns:ma14="http://schemas.microsoft.com/office/mac/drawingml/2011/main" val="1"/>
+                <ma14:wrappingTextBoxFlag xmlns:ma14="http://schemas.microsoft.com/office/mac/drawingml/2011/main" xmlns:a14="http://schemas.microsoft.com/office/drawing/2010/main" xmlns:m="http://schemas.openxmlformats.org/officeDocument/2006/math" xmlns="" val="1"/>
               </a:ext>
             </a:extLst>
           </p:spPr>
@@ -3379,11 +3415,10 @@
             </a:bodyPr>
             <a:lstStyle>
               <a:lvl1pPr>
-                <a:defRPr b="1" sz="900"/>
+                <a:defRPr sz="900" b="1"/>
               </a:lvl1pPr>
             </a:lstStyle>
             <a:p>
-              <a:pPr/>
               <a:r>
                 <a:t>STANDARD CATEGORY ICON</a:t>
               </a:r>
@@ -3422,7 +3457,7 @@
             </a:bodyPr>
             <a:lstStyle/>
             <a:p>
-              <a:pPr/>
+              <a:endParaRPr/>
             </a:p>
           </p:txBody>
         </p:sp>
@@ -3465,6 +3500,7 @@
                   </a:solidFill>
                 </a:defRPr>
               </a:pPr>
+              <a:endParaRPr/>
             </a:p>
           </p:txBody>
         </p:sp>
@@ -3490,7 +3526,7 @@
             <a:effectLst/>
             <a:extLst>
               <a:ext uri="{C572A759-6A51-4108-AA02-DFA0A04FC94B}">
-                <ma14:wrappingTextBoxFlag xmlns:ma14="http://schemas.microsoft.com/office/mac/drawingml/2011/main" val="1"/>
+                <ma14:wrappingTextBoxFlag xmlns:ma14="http://schemas.microsoft.com/office/mac/drawingml/2011/main" xmlns:a14="http://schemas.microsoft.com/office/drawing/2010/main" xmlns:m="http://schemas.openxmlformats.org/officeDocument/2006/math" xmlns="" val="1"/>
               </a:ext>
             </a:extLst>
           </p:spPr>
@@ -3500,11 +3536,10 @@
             </a:bodyPr>
             <a:lstStyle>
               <a:lvl1pPr>
-                <a:defRPr b="1" sz="900"/>
+                <a:defRPr sz="900" b="1"/>
               </a:lvl1pPr>
             </a:lstStyle>
             <a:p>
-              <a:pPr/>
               <a:r>
                 <a:t>ALTERNATE CATEGORY ICON</a:t>
               </a:r>
@@ -3515,7 +3550,9 @@
       <p:sp>
         <p:nvSpPr>
           <p:cNvPr id="208" name="Slide Number"/>
-          <p:cNvSpPr txBox="1"/>
+          <p:cNvSpPr txBox="1">
+            <a:spLocks noGrp="1"/>
+          </p:cNvSpPr>
           <p:nvPr>
             <p:ph type="sldNum" sz="quarter" idx="2"/>
           </p:nvPr>
@@ -3529,8 +3566,10 @@
           <a:bodyPr/>
           <a:lstStyle/>
           <a:p>
-            <a:pPr/>
-            <a:fld id="{86CB4B4D-7CA3-9044-876B-883B54F8677D}" type="slidenum"/>
+            <a:fld id="{86CB4B4D-7CA3-9044-876B-883B54F8677D}" type="slidenum">
+              <a:t>‹#›</a:t>
+            </a:fld>
+            <a:endParaRPr/>
           </a:p>
         </p:txBody>
       </p:sp>
@@ -3539,12 +3578,12 @@
   <p:clrMapOvr>
     <a:masterClrMapping/>
   </p:clrMapOvr>
-  <p:transition xmlns:p14="http://schemas.microsoft.com/office/powerpoint/2010/main" spd="med" advClick="1"/>
+  <p:transition spd="med"/>
 </p:sldLayout>
 </file>
 
 <file path=ppt/slideLayouts/slideLayout19.xml><?xml version="1.0" encoding="utf-8"?>
-<p:sldLayout xmlns:a="http://schemas.openxmlformats.org/drawingml/2006/main" xmlns:r="http://schemas.openxmlformats.org/officeDocument/2006/relationships" xmlns:p="http://schemas.openxmlformats.org/presentationml/2006/main" xmlns:m="http://schemas.openxmlformats.org/officeDocument/2006/math" xmlns:a14="http://schemas.microsoft.com/office/drawing/2010/main" type="tx" showMasterSp="1" showMasterPhAnim="1">
+<p:sldLayout xmlns:a="http://schemas.openxmlformats.org/drawingml/2006/main" xmlns:r="http://schemas.openxmlformats.org/officeDocument/2006/relationships" xmlns:p="http://schemas.openxmlformats.org/presentationml/2006/main" type="tx">
   <p:cSld name="icons_orange">
     <p:spTree>
       <p:nvGrpSpPr>
@@ -3563,7 +3602,9 @@
       <p:sp>
         <p:nvSpPr>
           <p:cNvPr id="215" name="Title Text"/>
-          <p:cNvSpPr txBox="1"/>
+          <p:cNvSpPr txBox="1">
+            <a:spLocks noGrp="1"/>
+          </p:cNvSpPr>
           <p:nvPr>
             <p:ph type="title"/>
           </p:nvPr>
@@ -3581,7 +3622,7 @@
           <a:bodyPr/>
           <a:lstStyle>
             <a:lvl1pPr>
-              <a:defRPr b="1" sz="2100">
+              <a:defRPr sz="2100" b="1">
                 <a:solidFill>
                   <a:srgbClr val="141B23"/>
                 </a:solidFill>
@@ -3589,7 +3630,6 @@
             </a:lvl1pPr>
           </a:lstStyle>
           <a:p>
-            <a:pPr/>
             <a:r>
               <a:t>Title Text</a:t>
             </a:r>
@@ -3599,7 +3639,9 @@
       <p:sp>
         <p:nvSpPr>
           <p:cNvPr id="216" name="Body Level One…"/>
-          <p:cNvSpPr txBox="1"/>
+          <p:cNvSpPr txBox="1">
+            <a:spLocks noGrp="1"/>
+          </p:cNvSpPr>
           <p:nvPr>
             <p:ph type="body" sz="quarter" idx="1" hasCustomPrompt="1"/>
           </p:nvPr>
@@ -3669,34 +3711,25 @@
             </a:lvl5pPr>
           </a:lstStyle>
           <a:p>
-            <a:pPr/>
             <a:r>
               <a:t>#/#</a:t>
             </a:r>
           </a:p>
           <a:p>
             <a:pPr lvl="1"/>
-            <a:r>
-              <a:t/>
-            </a:r>
+            <a:endParaRPr/>
           </a:p>
           <a:p>
             <a:pPr lvl="2"/>
-            <a:r>
-              <a:t/>
-            </a:r>
+            <a:endParaRPr/>
           </a:p>
           <a:p>
             <a:pPr lvl="3"/>
-            <a:r>
-              <a:t/>
-            </a:r>
+            <a:endParaRPr/>
           </a:p>
           <a:p>
             <a:pPr lvl="4"/>
-            <a:r>
-              <a:t/>
-            </a:r>
+            <a:endParaRPr/>
           </a:p>
         </p:txBody>
       </p:sp>
@@ -3739,6 +3772,7 @@
                 </a:solidFill>
               </a:defRPr>
             </a:pPr>
+            <a:endParaRPr/>
           </a:p>
         </p:txBody>
       </p:sp>
@@ -3774,6 +3808,7 @@
                 </a:solidFill>
               </a:defRPr>
             </a:pPr>
+            <a:endParaRPr/>
           </a:p>
         </p:txBody>
       </p:sp>
@@ -3809,6 +3844,7 @@
                 </a:solidFill>
               </a:defRPr>
             </a:pPr>
+            <a:endParaRPr/>
           </a:p>
         </p:txBody>
       </p:sp>
@@ -3831,7 +3867,7 @@
           </a:ln>
           <a:extLst>
             <a:ext uri="{C572A759-6A51-4108-AA02-DFA0A04FC94B}">
-              <ma14:wrappingTextBoxFlag xmlns:ma14="http://schemas.microsoft.com/office/mac/drawingml/2011/main" val="1"/>
+              <ma14:wrappingTextBoxFlag xmlns:ma14="http://schemas.microsoft.com/office/mac/drawingml/2011/main" xmlns:a14="http://schemas.microsoft.com/office/drawing/2010/main" xmlns:m="http://schemas.openxmlformats.org/officeDocument/2006/math" xmlns="" val="1"/>
             </a:ext>
           </a:extLst>
         </p:spPr>
@@ -3841,11 +3877,10 @@
           </a:bodyPr>
           <a:lstStyle>
             <a:lvl1pPr>
-              <a:defRPr b="1" sz="900"/>
+              <a:defRPr sz="900" b="1"/>
             </a:lvl1pPr>
           </a:lstStyle>
           <a:p>
-            <a:pPr/>
             <a:r>
               <a:t>STANDARD SERVICE ICON</a:t>
             </a:r>
@@ -3871,7 +3906,7 @@
           </a:ln>
           <a:extLst>
             <a:ext uri="{C572A759-6A51-4108-AA02-DFA0A04FC94B}">
-              <ma14:wrappingTextBoxFlag xmlns:ma14="http://schemas.microsoft.com/office/mac/drawingml/2011/main" val="1"/>
+              <ma14:wrappingTextBoxFlag xmlns:ma14="http://schemas.microsoft.com/office/mac/drawingml/2011/main" xmlns:a14="http://schemas.microsoft.com/office/drawing/2010/main" xmlns:m="http://schemas.openxmlformats.org/officeDocument/2006/math" xmlns="" val="1"/>
             </a:ext>
           </a:extLst>
         </p:spPr>
@@ -3881,11 +3916,10 @@
           </a:bodyPr>
           <a:lstStyle>
             <a:lvl1pPr>
-              <a:defRPr b="1" sz="900"/>
+              <a:defRPr sz="900" b="1"/>
             </a:lvl1pPr>
           </a:lstStyle>
           <a:p>
-            <a:pPr/>
             <a:r>
               <a:t>ALTERNATE SERVICE ICON</a:t>
             </a:r>
@@ -3911,7 +3945,7 @@
           </a:ln>
           <a:extLst>
             <a:ext uri="{C572A759-6A51-4108-AA02-DFA0A04FC94B}">
-              <ma14:wrappingTextBoxFlag xmlns:ma14="http://schemas.microsoft.com/office/mac/drawingml/2011/main" val="1"/>
+              <ma14:wrappingTextBoxFlag xmlns:ma14="http://schemas.microsoft.com/office/mac/drawingml/2011/main" xmlns:a14="http://schemas.microsoft.com/office/drawing/2010/main" xmlns:m="http://schemas.openxmlformats.org/officeDocument/2006/math" xmlns="" val="1"/>
             </a:ext>
           </a:extLst>
         </p:spPr>
@@ -3921,11 +3955,10 @@
           </a:bodyPr>
           <a:lstStyle>
             <a:lvl1pPr>
-              <a:defRPr b="1" sz="900"/>
+              <a:defRPr sz="900" b="1"/>
             </a:lvl1pPr>
           </a:lstStyle>
           <a:p>
-            <a:pPr/>
             <a:r>
               <a:t>RESOURCES</a:t>
             </a:r>
@@ -3958,14 +3991,16 @@
           <a:bodyPr lIns="45719" rIns="45719"/>
           <a:lstStyle/>
           <a:p>
-            <a:pPr/>
+            <a:endParaRPr/>
           </a:p>
         </p:txBody>
       </p:sp>
       <p:sp>
         <p:nvSpPr>
           <p:cNvPr id="224" name="Slide Number"/>
-          <p:cNvSpPr txBox="1"/>
+          <p:cNvSpPr txBox="1">
+            <a:spLocks noGrp="1"/>
+          </p:cNvSpPr>
           <p:nvPr>
             <p:ph type="sldNum" sz="quarter" idx="2"/>
           </p:nvPr>
@@ -3979,8 +4014,10 @@
           <a:bodyPr/>
           <a:lstStyle/>
           <a:p>
-            <a:pPr/>
-            <a:fld id="{86CB4B4D-7CA3-9044-876B-883B54F8677D}" type="slidenum"/>
+            <a:fld id="{86CB4B4D-7CA3-9044-876B-883B54F8677D}" type="slidenum">
+              <a:t>‹#›</a:t>
+            </a:fld>
+            <a:endParaRPr/>
           </a:p>
         </p:txBody>
       </p:sp>
@@ -3989,12 +4026,12 @@
   <p:clrMapOvr>
     <a:masterClrMapping/>
   </p:clrMapOvr>
-  <p:transition xmlns:p14="http://schemas.microsoft.com/office/powerpoint/2010/main" spd="med" advClick="1"/>
+  <p:transition spd="med"/>
 </p:sldLayout>
 </file>
 
 <file path=ppt/slideLayouts/slideLayout2.xml><?xml version="1.0" encoding="utf-8"?>
-<p:sldLayout xmlns:a="http://schemas.openxmlformats.org/drawingml/2006/main" xmlns:r="http://schemas.openxmlformats.org/officeDocument/2006/relationships" xmlns:p="http://schemas.openxmlformats.org/presentationml/2006/main" xmlns:m="http://schemas.openxmlformats.org/officeDocument/2006/math" xmlns:a14="http://schemas.microsoft.com/office/drawing/2010/main" type="tx" showMasterSp="1" showMasterPhAnim="1">
+<p:sldLayout xmlns:a="http://schemas.openxmlformats.org/drawingml/2006/main" xmlns:r="http://schemas.openxmlformats.org/officeDocument/2006/relationships" xmlns:p="http://schemas.openxmlformats.org/presentationml/2006/main" type="tx">
   <p:cSld name="SECTION_HEADER">
     <p:spTree>
       <p:nvGrpSpPr>
@@ -4013,7 +4050,9 @@
       <p:sp>
         <p:nvSpPr>
           <p:cNvPr id="20" name="Title Text"/>
-          <p:cNvSpPr txBox="1"/>
+          <p:cNvSpPr txBox="1">
+            <a:spLocks noGrp="1"/>
+          </p:cNvSpPr>
           <p:nvPr>
             <p:ph type="title"/>
           </p:nvPr>
@@ -4035,7 +4074,6 @@
             </a:lvl1pPr>
           </a:lstStyle>
           <a:p>
-            <a:pPr/>
             <a:r>
               <a:t>Title Text</a:t>
             </a:r>
@@ -4045,7 +4083,9 @@
       <p:sp>
         <p:nvSpPr>
           <p:cNvPr id="21" name="Slide Number"/>
-          <p:cNvSpPr txBox="1"/>
+          <p:cNvSpPr txBox="1">
+            <a:spLocks noGrp="1"/>
+          </p:cNvSpPr>
           <p:nvPr>
             <p:ph type="sldNum" sz="quarter" idx="2"/>
           </p:nvPr>
@@ -4059,8 +4099,10 @@
           <a:bodyPr/>
           <a:lstStyle/>
           <a:p>
-            <a:pPr/>
-            <a:fld id="{86CB4B4D-7CA3-9044-876B-883B54F8677D}" type="slidenum"/>
+            <a:fld id="{86CB4B4D-7CA3-9044-876B-883B54F8677D}" type="slidenum">
+              <a:t>‹#›</a:t>
+            </a:fld>
+            <a:endParaRPr/>
           </a:p>
         </p:txBody>
       </p:sp>
@@ -4069,12 +4111,12 @@
   <p:clrMapOvr>
     <a:masterClrMapping/>
   </p:clrMapOvr>
-  <p:transition xmlns:p14="http://schemas.microsoft.com/office/powerpoint/2010/main" spd="med" advClick="1"/>
+  <p:transition spd="med"/>
 </p:sldLayout>
 </file>
 
 <file path=ppt/slideLayouts/slideLayout20.xml><?xml version="1.0" encoding="utf-8"?>
-<p:sldLayout xmlns:a="http://schemas.openxmlformats.org/drawingml/2006/main" xmlns:r="http://schemas.openxmlformats.org/officeDocument/2006/relationships" xmlns:p="http://schemas.openxmlformats.org/presentationml/2006/main" xmlns:m="http://schemas.openxmlformats.org/officeDocument/2006/math" xmlns:a14="http://schemas.microsoft.com/office/drawing/2010/main" type="tx" showMasterSp="1" showMasterPhAnim="1">
+<p:sldLayout xmlns:a="http://schemas.openxmlformats.org/drawingml/2006/main" xmlns:r="http://schemas.openxmlformats.org/officeDocument/2006/relationships" xmlns:p="http://schemas.openxmlformats.org/presentationml/2006/main" type="tx">
   <p:cSld name="category_red">
     <p:spTree>
       <p:nvGrpSpPr>
@@ -4093,7 +4135,9 @@
       <p:sp>
         <p:nvSpPr>
           <p:cNvPr id="231" name="Title Text"/>
-          <p:cNvSpPr txBox="1"/>
+          <p:cNvSpPr txBox="1">
+            <a:spLocks noGrp="1"/>
+          </p:cNvSpPr>
           <p:nvPr>
             <p:ph type="title"/>
           </p:nvPr>
@@ -4111,11 +4155,10 @@
           <a:bodyPr/>
           <a:lstStyle>
             <a:lvl1pPr>
-              <a:defRPr b="1" sz="3600"/>
+              <a:defRPr sz="3600" b="1"/>
             </a:lvl1pPr>
           </a:lstStyle>
           <a:p>
-            <a:pPr/>
             <a:r>
               <a:t>Title Text</a:t>
             </a:r>
@@ -4161,6 +4204,7 @@
                 </a:solidFill>
               </a:defRPr>
             </a:pPr>
+            <a:endParaRPr/>
           </a:p>
         </p:txBody>
       </p:sp>
@@ -4214,6 +4258,7 @@
                   </a:solidFill>
                 </a:defRPr>
               </a:pPr>
+              <a:endParaRPr/>
             </a:p>
           </p:txBody>
         </p:sp>
@@ -4239,7 +4284,7 @@
             <a:effectLst/>
             <a:extLst>
               <a:ext uri="{C572A759-6A51-4108-AA02-DFA0A04FC94B}">
-                <ma14:wrappingTextBoxFlag xmlns:ma14="http://schemas.microsoft.com/office/mac/drawingml/2011/main" val="1"/>
+                <ma14:wrappingTextBoxFlag xmlns:ma14="http://schemas.microsoft.com/office/mac/drawingml/2011/main" xmlns:a14="http://schemas.microsoft.com/office/drawing/2010/main" xmlns:m="http://schemas.openxmlformats.org/officeDocument/2006/math" xmlns="" val="1"/>
               </a:ext>
             </a:extLst>
           </p:spPr>
@@ -4249,11 +4294,10 @@
             </a:bodyPr>
             <a:lstStyle>
               <a:lvl1pPr>
-                <a:defRPr b="1" sz="900"/>
+                <a:defRPr sz="900" b="1"/>
               </a:lvl1pPr>
             </a:lstStyle>
             <a:p>
-              <a:pPr/>
               <a:r>
                 <a:t>STANDARD CATEGORY ICON</a:t>
               </a:r>
@@ -4292,7 +4336,7 @@
             </a:bodyPr>
             <a:lstStyle/>
             <a:p>
-              <a:pPr/>
+              <a:endParaRPr/>
             </a:p>
           </p:txBody>
         </p:sp>
@@ -4335,6 +4379,7 @@
                   </a:solidFill>
                 </a:defRPr>
               </a:pPr>
+              <a:endParaRPr/>
             </a:p>
           </p:txBody>
         </p:sp>
@@ -4360,7 +4405,7 @@
             <a:effectLst/>
             <a:extLst>
               <a:ext uri="{C572A759-6A51-4108-AA02-DFA0A04FC94B}">
-                <ma14:wrappingTextBoxFlag xmlns:ma14="http://schemas.microsoft.com/office/mac/drawingml/2011/main" val="1"/>
+                <ma14:wrappingTextBoxFlag xmlns:ma14="http://schemas.microsoft.com/office/mac/drawingml/2011/main" xmlns:a14="http://schemas.microsoft.com/office/drawing/2010/main" xmlns:m="http://schemas.openxmlformats.org/officeDocument/2006/math" xmlns="" val="1"/>
               </a:ext>
             </a:extLst>
           </p:spPr>
@@ -4370,11 +4415,10 @@
             </a:bodyPr>
             <a:lstStyle>
               <a:lvl1pPr>
-                <a:defRPr b="1" sz="900"/>
+                <a:defRPr sz="900" b="1"/>
               </a:lvl1pPr>
             </a:lstStyle>
             <a:p>
-              <a:pPr/>
               <a:r>
                 <a:t>ALTERNATE CATEGORY ICON</a:t>
               </a:r>
@@ -4385,7 +4429,9 @@
       <p:sp>
         <p:nvSpPr>
           <p:cNvPr id="239" name="Slide Number"/>
-          <p:cNvSpPr txBox="1"/>
+          <p:cNvSpPr txBox="1">
+            <a:spLocks noGrp="1"/>
+          </p:cNvSpPr>
           <p:nvPr>
             <p:ph type="sldNum" sz="quarter" idx="2"/>
           </p:nvPr>
@@ -4399,8 +4445,10 @@
           <a:bodyPr/>
           <a:lstStyle/>
           <a:p>
-            <a:pPr/>
-            <a:fld id="{86CB4B4D-7CA3-9044-876B-883B54F8677D}" type="slidenum"/>
+            <a:fld id="{86CB4B4D-7CA3-9044-876B-883B54F8677D}" type="slidenum">
+              <a:t>‹#›</a:t>
+            </a:fld>
+            <a:endParaRPr/>
           </a:p>
         </p:txBody>
       </p:sp>
@@ -4409,12 +4457,12 @@
   <p:clrMapOvr>
     <a:masterClrMapping/>
   </p:clrMapOvr>
-  <p:transition xmlns:p14="http://schemas.microsoft.com/office/powerpoint/2010/main" spd="med" advClick="1"/>
+  <p:transition spd="med"/>
 </p:sldLayout>
 </file>
 
 <file path=ppt/slideLayouts/slideLayout21.xml><?xml version="1.0" encoding="utf-8"?>
-<p:sldLayout xmlns:a="http://schemas.openxmlformats.org/drawingml/2006/main" xmlns:r="http://schemas.openxmlformats.org/officeDocument/2006/relationships" xmlns:p="http://schemas.openxmlformats.org/presentationml/2006/main" xmlns:m="http://schemas.openxmlformats.org/officeDocument/2006/math" xmlns:a14="http://schemas.microsoft.com/office/drawing/2010/main" type="tx" showMasterSp="1" showMasterPhAnim="1">
+<p:sldLayout xmlns:a="http://schemas.openxmlformats.org/drawingml/2006/main" xmlns:r="http://schemas.openxmlformats.org/officeDocument/2006/relationships" xmlns:p="http://schemas.openxmlformats.org/presentationml/2006/main" type="tx">
   <p:cSld name="icons_red">
     <p:spTree>
       <p:nvGrpSpPr>
@@ -4433,7 +4481,9 @@
       <p:sp>
         <p:nvSpPr>
           <p:cNvPr id="246" name="Title Text"/>
-          <p:cNvSpPr txBox="1"/>
+          <p:cNvSpPr txBox="1">
+            <a:spLocks noGrp="1"/>
+          </p:cNvSpPr>
           <p:nvPr>
             <p:ph type="title"/>
           </p:nvPr>
@@ -4451,7 +4501,7 @@
           <a:bodyPr/>
           <a:lstStyle>
             <a:lvl1pPr>
-              <a:defRPr b="1" sz="2100">
+              <a:defRPr sz="2100" b="1">
                 <a:solidFill>
                   <a:srgbClr val="141B23"/>
                 </a:solidFill>
@@ -4459,7 +4509,6 @@
             </a:lvl1pPr>
           </a:lstStyle>
           <a:p>
-            <a:pPr/>
             <a:r>
               <a:t>Title Text</a:t>
             </a:r>
@@ -4469,7 +4518,9 @@
       <p:sp>
         <p:nvSpPr>
           <p:cNvPr id="247" name="Body Level One…"/>
-          <p:cNvSpPr txBox="1"/>
+          <p:cNvSpPr txBox="1">
+            <a:spLocks noGrp="1"/>
+          </p:cNvSpPr>
           <p:nvPr>
             <p:ph type="body" sz="quarter" idx="1" hasCustomPrompt="1"/>
           </p:nvPr>
@@ -4539,34 +4590,25 @@
             </a:lvl5pPr>
           </a:lstStyle>
           <a:p>
-            <a:pPr/>
             <a:r>
               <a:t>#/#</a:t>
             </a:r>
           </a:p>
           <a:p>
             <a:pPr lvl="1"/>
-            <a:r>
-              <a:t/>
-            </a:r>
+            <a:endParaRPr/>
           </a:p>
           <a:p>
             <a:pPr lvl="2"/>
-            <a:r>
-              <a:t/>
-            </a:r>
+            <a:endParaRPr/>
           </a:p>
           <a:p>
             <a:pPr lvl="3"/>
-            <a:r>
-              <a:t/>
-            </a:r>
+            <a:endParaRPr/>
           </a:p>
           <a:p>
             <a:pPr lvl="4"/>
-            <a:r>
-              <a:t/>
-            </a:r>
+            <a:endParaRPr/>
           </a:p>
         </p:txBody>
       </p:sp>
@@ -4602,6 +4644,7 @@
                 </a:solidFill>
               </a:defRPr>
             </a:pPr>
+            <a:endParaRPr/>
           </a:p>
         </p:txBody>
       </p:sp>
@@ -4637,6 +4680,7 @@
                 </a:solidFill>
               </a:defRPr>
             </a:pPr>
+            <a:endParaRPr/>
           </a:p>
         </p:txBody>
       </p:sp>
@@ -4659,7 +4703,7 @@
           </a:ln>
           <a:extLst>
             <a:ext uri="{C572A759-6A51-4108-AA02-DFA0A04FC94B}">
-              <ma14:wrappingTextBoxFlag xmlns:ma14="http://schemas.microsoft.com/office/mac/drawingml/2011/main" val="1"/>
+              <ma14:wrappingTextBoxFlag xmlns:ma14="http://schemas.microsoft.com/office/mac/drawingml/2011/main" xmlns:a14="http://schemas.microsoft.com/office/drawing/2010/main" xmlns:m="http://schemas.openxmlformats.org/officeDocument/2006/math" xmlns="" val="1"/>
             </a:ext>
           </a:extLst>
         </p:spPr>
@@ -4669,11 +4713,10 @@
           </a:bodyPr>
           <a:lstStyle>
             <a:lvl1pPr>
-              <a:defRPr b="1" sz="900"/>
+              <a:defRPr sz="900" b="1"/>
             </a:lvl1pPr>
           </a:lstStyle>
           <a:p>
-            <a:pPr/>
             <a:r>
               <a:t>STANDARD SERVICE ICON</a:t>
             </a:r>
@@ -4699,7 +4742,7 @@
           </a:ln>
           <a:extLst>
             <a:ext uri="{C572A759-6A51-4108-AA02-DFA0A04FC94B}">
-              <ma14:wrappingTextBoxFlag xmlns:ma14="http://schemas.microsoft.com/office/mac/drawingml/2011/main" val="1"/>
+              <ma14:wrappingTextBoxFlag xmlns:ma14="http://schemas.microsoft.com/office/mac/drawingml/2011/main" xmlns:a14="http://schemas.microsoft.com/office/drawing/2010/main" xmlns:m="http://schemas.openxmlformats.org/officeDocument/2006/math" xmlns="" val="1"/>
             </a:ext>
           </a:extLst>
         </p:spPr>
@@ -4709,11 +4752,10 @@
           </a:bodyPr>
           <a:lstStyle>
             <a:lvl1pPr>
-              <a:defRPr b="1" sz="900"/>
+              <a:defRPr sz="900" b="1"/>
             </a:lvl1pPr>
           </a:lstStyle>
           <a:p>
-            <a:pPr/>
             <a:r>
               <a:t>ALTERNATE SERVICE ICON</a:t>
             </a:r>
@@ -4739,7 +4781,7 @@
           </a:ln>
           <a:extLst>
             <a:ext uri="{C572A759-6A51-4108-AA02-DFA0A04FC94B}">
-              <ma14:wrappingTextBoxFlag xmlns:ma14="http://schemas.microsoft.com/office/mac/drawingml/2011/main" val="1"/>
+              <ma14:wrappingTextBoxFlag xmlns:ma14="http://schemas.microsoft.com/office/mac/drawingml/2011/main" xmlns:a14="http://schemas.microsoft.com/office/drawing/2010/main" xmlns:m="http://schemas.openxmlformats.org/officeDocument/2006/math" xmlns="" val="1"/>
             </a:ext>
           </a:extLst>
         </p:spPr>
@@ -4749,11 +4791,10 @@
           </a:bodyPr>
           <a:lstStyle>
             <a:lvl1pPr>
-              <a:defRPr b="1" sz="900"/>
+              <a:defRPr sz="900" b="1"/>
             </a:lvl1pPr>
           </a:lstStyle>
           <a:p>
-            <a:pPr/>
             <a:r>
               <a:t>RESOURCES</a:t>
             </a:r>
@@ -4786,7 +4827,7 @@
           <a:bodyPr lIns="45719" rIns="45719"/>
           <a:lstStyle/>
           <a:p>
-            <a:pPr/>
+            <a:endParaRPr/>
           </a:p>
         </p:txBody>
       </p:sp>
@@ -4829,13 +4870,16 @@
                 </a:solidFill>
               </a:defRPr>
             </a:pPr>
+            <a:endParaRPr/>
           </a:p>
         </p:txBody>
       </p:sp>
       <p:sp>
         <p:nvSpPr>
           <p:cNvPr id="255" name="Slide Number"/>
-          <p:cNvSpPr txBox="1"/>
+          <p:cNvSpPr txBox="1">
+            <a:spLocks noGrp="1"/>
+          </p:cNvSpPr>
           <p:nvPr>
             <p:ph type="sldNum" sz="quarter" idx="2"/>
           </p:nvPr>
@@ -4849,8 +4893,10 @@
           <a:bodyPr/>
           <a:lstStyle/>
           <a:p>
-            <a:pPr/>
-            <a:fld id="{86CB4B4D-7CA3-9044-876B-883B54F8677D}" type="slidenum"/>
+            <a:fld id="{86CB4B4D-7CA3-9044-876B-883B54F8677D}" type="slidenum">
+              <a:t>‹#›</a:t>
+            </a:fld>
+            <a:endParaRPr/>
           </a:p>
         </p:txBody>
       </p:sp>
@@ -4859,12 +4905,12 @@
   <p:clrMapOvr>
     <a:masterClrMapping/>
   </p:clrMapOvr>
-  <p:transition xmlns:p14="http://schemas.microsoft.com/office/powerpoint/2010/main" spd="med" advClick="1"/>
+  <p:transition spd="med"/>
 </p:sldLayout>
 </file>
 
 <file path=ppt/slideLayouts/slideLayout22.xml><?xml version="1.0" encoding="utf-8"?>
-<p:sldLayout xmlns:a="http://schemas.openxmlformats.org/drawingml/2006/main" xmlns:r="http://schemas.openxmlformats.org/officeDocument/2006/relationships" xmlns:p="http://schemas.openxmlformats.org/presentationml/2006/main" xmlns:m="http://schemas.openxmlformats.org/officeDocument/2006/math" xmlns:a14="http://schemas.microsoft.com/office/drawing/2010/main" type="tx" showMasterSp="1" showMasterPhAnim="1">
+<p:sldLayout xmlns:a="http://schemas.openxmlformats.org/drawingml/2006/main" xmlns:r="http://schemas.openxmlformats.org/officeDocument/2006/relationships" xmlns:p="http://schemas.openxmlformats.org/presentationml/2006/main" type="tx">
   <p:cSld name="instances_orange">
     <p:spTree>
       <p:nvGrpSpPr>
@@ -4883,7 +4929,9 @@
       <p:sp>
         <p:nvSpPr>
           <p:cNvPr id="262" name="Title Text"/>
-          <p:cNvSpPr txBox="1"/>
+          <p:cNvSpPr txBox="1">
+            <a:spLocks noGrp="1"/>
+          </p:cNvSpPr>
           <p:nvPr>
             <p:ph type="title"/>
           </p:nvPr>
@@ -4901,7 +4949,7 @@
           <a:bodyPr/>
           <a:lstStyle>
             <a:lvl1pPr>
-              <a:defRPr b="1" sz="2100">
+              <a:defRPr sz="2100" b="1">
                 <a:solidFill>
                   <a:srgbClr val="141B23"/>
                 </a:solidFill>
@@ -4909,7 +4957,6 @@
             </a:lvl1pPr>
           </a:lstStyle>
           <a:p>
-            <a:pPr/>
             <a:r>
               <a:t>Title Text</a:t>
             </a:r>
@@ -4919,7 +4966,9 @@
       <p:sp>
         <p:nvSpPr>
           <p:cNvPr id="263" name="Body Level One…"/>
-          <p:cNvSpPr txBox="1"/>
+          <p:cNvSpPr txBox="1">
+            <a:spLocks noGrp="1"/>
+          </p:cNvSpPr>
           <p:nvPr>
             <p:ph type="body" sz="quarter" idx="1" hasCustomPrompt="1"/>
           </p:nvPr>
@@ -4989,34 +5038,25 @@
             </a:lvl5pPr>
           </a:lstStyle>
           <a:p>
-            <a:pPr/>
             <a:r>
               <a:t>#/#</a:t>
             </a:r>
           </a:p>
           <a:p>
             <a:pPr lvl="1"/>
-            <a:r>
-              <a:t/>
-            </a:r>
+            <a:endParaRPr/>
           </a:p>
           <a:p>
             <a:pPr lvl="2"/>
-            <a:r>
-              <a:t/>
-            </a:r>
+            <a:endParaRPr/>
           </a:p>
           <a:p>
             <a:pPr lvl="3"/>
-            <a:r>
-              <a:t/>
-            </a:r>
+            <a:endParaRPr/>
           </a:p>
           <a:p>
             <a:pPr lvl="4"/>
-            <a:r>
-              <a:t/>
-            </a:r>
+            <a:endParaRPr/>
           </a:p>
         </p:txBody>
       </p:sp>
@@ -5059,6 +5099,7 @@
                 </a:solidFill>
               </a:defRPr>
             </a:pPr>
+            <a:endParaRPr/>
           </a:p>
         </p:txBody>
       </p:sp>
@@ -5094,6 +5135,7 @@
                 </a:solidFill>
               </a:defRPr>
             </a:pPr>
+            <a:endParaRPr/>
           </a:p>
         </p:txBody>
       </p:sp>
@@ -5116,7 +5158,7 @@
           </a:ln>
           <a:extLst>
             <a:ext uri="{C572A759-6A51-4108-AA02-DFA0A04FC94B}">
-              <ma14:wrappingTextBoxFlag xmlns:ma14="http://schemas.microsoft.com/office/mac/drawingml/2011/main" val="1"/>
+              <ma14:wrappingTextBoxFlag xmlns:ma14="http://schemas.microsoft.com/office/mac/drawingml/2011/main" xmlns:a14="http://schemas.microsoft.com/office/drawing/2010/main" xmlns:m="http://schemas.openxmlformats.org/officeDocument/2006/math" xmlns="" val="1"/>
             </a:ext>
           </a:extLst>
         </p:spPr>
@@ -5126,11 +5168,10 @@
           </a:bodyPr>
           <a:lstStyle>
             <a:lvl1pPr>
-              <a:defRPr b="1" sz="900"/>
+              <a:defRPr sz="900" b="1"/>
             </a:lvl1pPr>
           </a:lstStyle>
           <a:p>
-            <a:pPr/>
             <a:r>
               <a:t>STANDARD SERVICE ICON</a:t>
             </a:r>
@@ -5156,7 +5197,7 @@
           </a:ln>
           <a:extLst>
             <a:ext uri="{C572A759-6A51-4108-AA02-DFA0A04FC94B}">
-              <ma14:wrappingTextBoxFlag xmlns:ma14="http://schemas.microsoft.com/office/mac/drawingml/2011/main" val="1"/>
+              <ma14:wrappingTextBoxFlag xmlns:ma14="http://schemas.microsoft.com/office/mac/drawingml/2011/main" xmlns:a14="http://schemas.microsoft.com/office/drawing/2010/main" xmlns:m="http://schemas.openxmlformats.org/officeDocument/2006/math" xmlns="" val="1"/>
             </a:ext>
           </a:extLst>
         </p:spPr>
@@ -5166,11 +5207,10 @@
           </a:bodyPr>
           <a:lstStyle>
             <a:lvl1pPr>
-              <a:defRPr b="1" sz="900"/>
+              <a:defRPr sz="900" b="1"/>
             </a:lvl1pPr>
           </a:lstStyle>
           <a:p>
-            <a:pPr/>
             <a:r>
               <a:t>ALTERNATE SERVICE ICON</a:t>
             </a:r>
@@ -5196,7 +5236,7 @@
           </a:ln>
           <a:extLst>
             <a:ext uri="{C572A759-6A51-4108-AA02-DFA0A04FC94B}">
-              <ma14:wrappingTextBoxFlag xmlns:ma14="http://schemas.microsoft.com/office/mac/drawingml/2011/main" val="1"/>
+              <ma14:wrappingTextBoxFlag xmlns:ma14="http://schemas.microsoft.com/office/mac/drawingml/2011/main" xmlns:a14="http://schemas.microsoft.com/office/drawing/2010/main" xmlns:m="http://schemas.openxmlformats.org/officeDocument/2006/math" xmlns="" val="1"/>
             </a:ext>
           </a:extLst>
         </p:spPr>
@@ -5206,11 +5246,10 @@
           </a:bodyPr>
           <a:lstStyle>
             <a:lvl1pPr>
-              <a:defRPr b="1" sz="900"/>
+              <a:defRPr sz="900" b="1"/>
             </a:lvl1pPr>
           </a:lstStyle>
           <a:p>
-            <a:pPr/>
             <a:r>
               <a:t>RESOURCES</a:t>
             </a:r>
@@ -5243,7 +5282,7 @@
           <a:bodyPr lIns="45719" rIns="45719"/>
           <a:lstStyle/>
           <a:p>
-            <a:pPr/>
+            <a:endParaRPr/>
           </a:p>
         </p:txBody>
       </p:sp>
@@ -5273,7 +5312,7 @@
           <a:bodyPr lIns="45719" rIns="45719"/>
           <a:lstStyle/>
           <a:p>
-            <a:pPr/>
+            <a:endParaRPr/>
           </a:p>
         </p:txBody>
       </p:sp>
@@ -5303,7 +5342,7 @@
           <a:bodyPr lIns="45719" rIns="45719"/>
           <a:lstStyle/>
           <a:p>
-            <a:pPr/>
+            <a:endParaRPr/>
           </a:p>
         </p:txBody>
       </p:sp>
@@ -5326,7 +5365,7 @@
           </a:ln>
           <a:extLst>
             <a:ext uri="{C572A759-6A51-4108-AA02-DFA0A04FC94B}">
-              <ma14:wrappingTextBoxFlag xmlns:ma14="http://schemas.microsoft.com/office/mac/drawingml/2011/main" val="1"/>
+              <ma14:wrappingTextBoxFlag xmlns:ma14="http://schemas.microsoft.com/office/mac/drawingml/2011/main" xmlns:a14="http://schemas.microsoft.com/office/drawing/2010/main" xmlns:m="http://schemas.openxmlformats.org/officeDocument/2006/math" xmlns="" val="1"/>
             </a:ext>
           </a:extLst>
         </p:spPr>
@@ -5336,11 +5375,10 @@
           </a:bodyPr>
           <a:lstStyle>
             <a:lvl1pPr>
-              <a:defRPr b="1" sz="900"/>
+              <a:defRPr sz="900" b="1"/>
             </a:lvl1pPr>
           </a:lstStyle>
           <a:p>
-            <a:pPr/>
             <a:r>
               <a:t>INSTANCES</a:t>
             </a:r>
@@ -5350,7 +5388,9 @@
       <p:sp>
         <p:nvSpPr>
           <p:cNvPr id="273" name="Slide Number"/>
-          <p:cNvSpPr txBox="1"/>
+          <p:cNvSpPr txBox="1">
+            <a:spLocks noGrp="1"/>
+          </p:cNvSpPr>
           <p:nvPr>
             <p:ph type="sldNum" sz="quarter" idx="2"/>
           </p:nvPr>
@@ -5364,8 +5404,10 @@
           <a:bodyPr/>
           <a:lstStyle/>
           <a:p>
-            <a:pPr/>
-            <a:fld id="{86CB4B4D-7CA3-9044-876B-883B54F8677D}" type="slidenum"/>
+            <a:fld id="{86CB4B4D-7CA3-9044-876B-883B54F8677D}" type="slidenum">
+              <a:t>‹#›</a:t>
+            </a:fld>
+            <a:endParaRPr/>
           </a:p>
         </p:txBody>
       </p:sp>
@@ -5374,12 +5416,12 @@
   <p:clrMapOvr>
     <a:masterClrMapping/>
   </p:clrMapOvr>
-  <p:transition xmlns:p14="http://schemas.microsoft.com/office/powerpoint/2010/main" spd="med" advClick="1"/>
+  <p:transition spd="med"/>
 </p:sldLayout>
 </file>
 
 <file path=ppt/slideLayouts/slideLayout23.xml><?xml version="1.0" encoding="utf-8"?>
-<p:sldLayout xmlns:a="http://schemas.openxmlformats.org/drawingml/2006/main" xmlns:r="http://schemas.openxmlformats.org/officeDocument/2006/relationships" xmlns:p="http://schemas.openxmlformats.org/presentationml/2006/main" xmlns:m="http://schemas.openxmlformats.org/officeDocument/2006/math" xmlns:a14="http://schemas.microsoft.com/office/drawing/2010/main" type="tx" showMasterSp="1" showMasterPhAnim="1">
+<p:sldLayout xmlns:a="http://schemas.openxmlformats.org/drawingml/2006/main" xmlns:r="http://schemas.openxmlformats.org/officeDocument/2006/relationships" xmlns:p="http://schemas.openxmlformats.org/presentationml/2006/main" type="tx">
   <p:cSld name="category_blue">
     <p:spTree>
       <p:nvGrpSpPr>
@@ -5398,7 +5440,9 @@
       <p:sp>
         <p:nvSpPr>
           <p:cNvPr id="280" name="Title Text"/>
-          <p:cNvSpPr txBox="1"/>
+          <p:cNvSpPr txBox="1">
+            <a:spLocks noGrp="1"/>
+          </p:cNvSpPr>
           <p:nvPr>
             <p:ph type="title"/>
           </p:nvPr>
@@ -5416,11 +5460,10 @@
           <a:bodyPr/>
           <a:lstStyle>
             <a:lvl1pPr>
-              <a:defRPr b="1" sz="3600"/>
+              <a:defRPr sz="3600" b="1"/>
             </a:lvl1pPr>
           </a:lstStyle>
           <a:p>
-            <a:pPr/>
             <a:r>
               <a:t>Title Text</a:t>
             </a:r>
@@ -5466,6 +5509,7 @@
                 </a:solidFill>
               </a:defRPr>
             </a:pPr>
+            <a:endParaRPr/>
           </a:p>
         </p:txBody>
       </p:sp>
@@ -5519,6 +5563,7 @@
                   </a:solidFill>
                 </a:defRPr>
               </a:pPr>
+              <a:endParaRPr/>
             </a:p>
           </p:txBody>
         </p:sp>
@@ -5544,7 +5589,7 @@
             <a:effectLst/>
             <a:extLst>
               <a:ext uri="{C572A759-6A51-4108-AA02-DFA0A04FC94B}">
-                <ma14:wrappingTextBoxFlag xmlns:ma14="http://schemas.microsoft.com/office/mac/drawingml/2011/main" val="1"/>
+                <ma14:wrappingTextBoxFlag xmlns:ma14="http://schemas.microsoft.com/office/mac/drawingml/2011/main" xmlns:a14="http://schemas.microsoft.com/office/drawing/2010/main" xmlns:m="http://schemas.openxmlformats.org/officeDocument/2006/math" xmlns="" val="1"/>
               </a:ext>
             </a:extLst>
           </p:spPr>
@@ -5554,11 +5599,10 @@
             </a:bodyPr>
             <a:lstStyle>
               <a:lvl1pPr>
-                <a:defRPr b="1" sz="900"/>
+                <a:defRPr sz="900" b="1"/>
               </a:lvl1pPr>
             </a:lstStyle>
             <a:p>
-              <a:pPr/>
               <a:r>
                 <a:t>STANDARD CATEGORY ICON</a:t>
               </a:r>
@@ -5597,7 +5641,7 @@
             </a:bodyPr>
             <a:lstStyle/>
             <a:p>
-              <a:pPr/>
+              <a:endParaRPr/>
             </a:p>
           </p:txBody>
         </p:sp>
@@ -5640,6 +5684,7 @@
                   </a:solidFill>
                 </a:defRPr>
               </a:pPr>
+              <a:endParaRPr/>
             </a:p>
           </p:txBody>
         </p:sp>
@@ -5665,7 +5710,7 @@
             <a:effectLst/>
             <a:extLst>
               <a:ext uri="{C572A759-6A51-4108-AA02-DFA0A04FC94B}">
-                <ma14:wrappingTextBoxFlag xmlns:ma14="http://schemas.microsoft.com/office/mac/drawingml/2011/main" val="1"/>
+                <ma14:wrappingTextBoxFlag xmlns:ma14="http://schemas.microsoft.com/office/mac/drawingml/2011/main" xmlns:a14="http://schemas.microsoft.com/office/drawing/2010/main" xmlns:m="http://schemas.openxmlformats.org/officeDocument/2006/math" xmlns="" val="1"/>
               </a:ext>
             </a:extLst>
           </p:spPr>
@@ -5675,11 +5720,10 @@
             </a:bodyPr>
             <a:lstStyle>
               <a:lvl1pPr>
-                <a:defRPr b="1" sz="900"/>
+                <a:defRPr sz="900" b="1"/>
               </a:lvl1pPr>
             </a:lstStyle>
             <a:p>
-              <a:pPr/>
               <a:r>
                 <a:t>ALTERNATE CATEGORY ICON</a:t>
               </a:r>
@@ -5690,7 +5734,9 @@
       <p:sp>
         <p:nvSpPr>
           <p:cNvPr id="288" name="Slide Number"/>
-          <p:cNvSpPr txBox="1"/>
+          <p:cNvSpPr txBox="1">
+            <a:spLocks noGrp="1"/>
+          </p:cNvSpPr>
           <p:nvPr>
             <p:ph type="sldNum" sz="quarter" idx="2"/>
           </p:nvPr>
@@ -5704,8 +5750,10 @@
           <a:bodyPr/>
           <a:lstStyle/>
           <a:p>
-            <a:pPr/>
-            <a:fld id="{86CB4B4D-7CA3-9044-876B-883B54F8677D}" type="slidenum"/>
+            <a:fld id="{86CB4B4D-7CA3-9044-876B-883B54F8677D}" type="slidenum">
+              <a:t>‹#›</a:t>
+            </a:fld>
+            <a:endParaRPr/>
           </a:p>
         </p:txBody>
       </p:sp>
@@ -5714,12 +5762,12 @@
   <p:clrMapOvr>
     <a:masterClrMapping/>
   </p:clrMapOvr>
-  <p:transition xmlns:p14="http://schemas.microsoft.com/office/powerpoint/2010/main" spd="med" advClick="1"/>
+  <p:transition spd="med"/>
 </p:sldLayout>
 </file>
 
 <file path=ppt/slideLayouts/slideLayout24.xml><?xml version="1.0" encoding="utf-8"?>
-<p:sldLayout xmlns:a="http://schemas.openxmlformats.org/drawingml/2006/main" xmlns:r="http://schemas.openxmlformats.org/officeDocument/2006/relationships" xmlns:p="http://schemas.openxmlformats.org/presentationml/2006/main" xmlns:m="http://schemas.openxmlformats.org/officeDocument/2006/math" xmlns:a14="http://schemas.microsoft.com/office/drawing/2010/main" type="tx" showMasterSp="1" showMasterPhAnim="1">
+<p:sldLayout xmlns:a="http://schemas.openxmlformats.org/drawingml/2006/main" xmlns:r="http://schemas.openxmlformats.org/officeDocument/2006/relationships" xmlns:p="http://schemas.openxmlformats.org/presentationml/2006/main" type="tx">
   <p:cSld name="icons_blue">
     <p:spTree>
       <p:nvGrpSpPr>
@@ -5738,7 +5786,9 @@
       <p:sp>
         <p:nvSpPr>
           <p:cNvPr id="295" name="Title Text"/>
-          <p:cNvSpPr txBox="1"/>
+          <p:cNvSpPr txBox="1">
+            <a:spLocks noGrp="1"/>
+          </p:cNvSpPr>
           <p:nvPr>
             <p:ph type="title"/>
           </p:nvPr>
@@ -5756,7 +5806,7 @@
           <a:bodyPr/>
           <a:lstStyle>
             <a:lvl1pPr>
-              <a:defRPr b="1" sz="2100">
+              <a:defRPr sz="2100" b="1">
                 <a:solidFill>
                   <a:srgbClr val="141B23"/>
                 </a:solidFill>
@@ -5764,7 +5814,6 @@
             </a:lvl1pPr>
           </a:lstStyle>
           <a:p>
-            <a:pPr/>
             <a:r>
               <a:t>Title Text</a:t>
             </a:r>
@@ -5774,7 +5823,9 @@
       <p:sp>
         <p:nvSpPr>
           <p:cNvPr id="296" name="Body Level One…"/>
-          <p:cNvSpPr txBox="1"/>
+          <p:cNvSpPr txBox="1">
+            <a:spLocks noGrp="1"/>
+          </p:cNvSpPr>
           <p:nvPr>
             <p:ph type="body" sz="quarter" idx="1" hasCustomPrompt="1"/>
           </p:nvPr>
@@ -5844,34 +5895,25 @@
             </a:lvl5pPr>
           </a:lstStyle>
           <a:p>
-            <a:pPr/>
             <a:r>
               <a:t>#/#</a:t>
             </a:r>
           </a:p>
           <a:p>
             <a:pPr lvl="1"/>
-            <a:r>
-              <a:t/>
-            </a:r>
+            <a:endParaRPr/>
           </a:p>
           <a:p>
             <a:pPr lvl="2"/>
-            <a:r>
-              <a:t/>
-            </a:r>
+            <a:endParaRPr/>
           </a:p>
           <a:p>
             <a:pPr lvl="3"/>
-            <a:r>
-              <a:t/>
-            </a:r>
+            <a:endParaRPr/>
           </a:p>
           <a:p>
             <a:pPr lvl="4"/>
-            <a:r>
-              <a:t/>
-            </a:r>
+            <a:endParaRPr/>
           </a:p>
         </p:txBody>
       </p:sp>
@@ -5907,6 +5949,7 @@
                 </a:solidFill>
               </a:defRPr>
             </a:pPr>
+            <a:endParaRPr/>
           </a:p>
         </p:txBody>
       </p:sp>
@@ -5942,6 +5985,7 @@
                 </a:solidFill>
               </a:defRPr>
             </a:pPr>
+            <a:endParaRPr/>
           </a:p>
         </p:txBody>
       </p:sp>
@@ -5964,7 +6008,7 @@
           </a:ln>
           <a:extLst>
             <a:ext uri="{C572A759-6A51-4108-AA02-DFA0A04FC94B}">
-              <ma14:wrappingTextBoxFlag xmlns:ma14="http://schemas.microsoft.com/office/mac/drawingml/2011/main" val="1"/>
+              <ma14:wrappingTextBoxFlag xmlns:ma14="http://schemas.microsoft.com/office/mac/drawingml/2011/main" xmlns:a14="http://schemas.microsoft.com/office/drawing/2010/main" xmlns:m="http://schemas.openxmlformats.org/officeDocument/2006/math" xmlns="" val="1"/>
             </a:ext>
           </a:extLst>
         </p:spPr>
@@ -5974,11 +6018,10 @@
           </a:bodyPr>
           <a:lstStyle>
             <a:lvl1pPr>
-              <a:defRPr b="1" sz="900"/>
+              <a:defRPr sz="900" b="1"/>
             </a:lvl1pPr>
           </a:lstStyle>
           <a:p>
-            <a:pPr/>
             <a:r>
               <a:t>STANDARD SERVICE ICON</a:t>
             </a:r>
@@ -6004,7 +6047,7 @@
           </a:ln>
           <a:extLst>
             <a:ext uri="{C572A759-6A51-4108-AA02-DFA0A04FC94B}">
-              <ma14:wrappingTextBoxFlag xmlns:ma14="http://schemas.microsoft.com/office/mac/drawingml/2011/main" val="1"/>
+              <ma14:wrappingTextBoxFlag xmlns:ma14="http://schemas.microsoft.com/office/mac/drawingml/2011/main" xmlns:a14="http://schemas.microsoft.com/office/drawing/2010/main" xmlns:m="http://schemas.openxmlformats.org/officeDocument/2006/math" xmlns="" val="1"/>
             </a:ext>
           </a:extLst>
         </p:spPr>
@@ -6014,11 +6057,10 @@
           </a:bodyPr>
           <a:lstStyle>
             <a:lvl1pPr>
-              <a:defRPr b="1" sz="900"/>
+              <a:defRPr sz="900" b="1"/>
             </a:lvl1pPr>
           </a:lstStyle>
           <a:p>
-            <a:pPr/>
             <a:r>
               <a:t>ALTERNATE SERVICE ICON</a:t>
             </a:r>
@@ -6044,7 +6086,7 @@
           </a:ln>
           <a:extLst>
             <a:ext uri="{C572A759-6A51-4108-AA02-DFA0A04FC94B}">
-              <ma14:wrappingTextBoxFlag xmlns:ma14="http://schemas.microsoft.com/office/mac/drawingml/2011/main" val="1"/>
+              <ma14:wrappingTextBoxFlag xmlns:ma14="http://schemas.microsoft.com/office/mac/drawingml/2011/main" xmlns:a14="http://schemas.microsoft.com/office/drawing/2010/main" xmlns:m="http://schemas.openxmlformats.org/officeDocument/2006/math" xmlns="" val="1"/>
             </a:ext>
           </a:extLst>
         </p:spPr>
@@ -6054,11 +6096,10 @@
           </a:bodyPr>
           <a:lstStyle>
             <a:lvl1pPr>
-              <a:defRPr b="1" sz="900"/>
+              <a:defRPr sz="900" b="1"/>
             </a:lvl1pPr>
           </a:lstStyle>
           <a:p>
-            <a:pPr/>
             <a:r>
               <a:t>RESOURCES</a:t>
             </a:r>
@@ -6091,7 +6132,7 @@
           <a:bodyPr lIns="45719" rIns="45719"/>
           <a:lstStyle/>
           <a:p>
-            <a:pPr/>
+            <a:endParaRPr/>
           </a:p>
         </p:txBody>
       </p:sp>
@@ -6134,13 +6175,16 @@
                 </a:solidFill>
               </a:defRPr>
             </a:pPr>
+            <a:endParaRPr/>
           </a:p>
         </p:txBody>
       </p:sp>
       <p:sp>
         <p:nvSpPr>
           <p:cNvPr id="304" name="Slide Number"/>
-          <p:cNvSpPr txBox="1"/>
+          <p:cNvSpPr txBox="1">
+            <a:spLocks noGrp="1"/>
+          </p:cNvSpPr>
           <p:nvPr>
             <p:ph type="sldNum" sz="quarter" idx="2"/>
           </p:nvPr>
@@ -6154,8 +6198,10 @@
           <a:bodyPr/>
           <a:lstStyle/>
           <a:p>
-            <a:pPr/>
-            <a:fld id="{86CB4B4D-7CA3-9044-876B-883B54F8677D}" type="slidenum"/>
+            <a:fld id="{86CB4B4D-7CA3-9044-876B-883B54F8677D}" type="slidenum">
+              <a:t>‹#›</a:t>
+            </a:fld>
+            <a:endParaRPr/>
           </a:p>
         </p:txBody>
       </p:sp>
@@ -6164,12 +6210,12 @@
   <p:clrMapOvr>
     <a:masterClrMapping/>
   </p:clrMapOvr>
-  <p:transition xmlns:p14="http://schemas.microsoft.com/office/powerpoint/2010/main" spd="med" advClick="1"/>
+  <p:transition spd="med"/>
 </p:sldLayout>
 </file>
 
 <file path=ppt/slideLayouts/slideLayout25.xml><?xml version="1.0" encoding="utf-8"?>
-<p:sldLayout xmlns:a="http://schemas.openxmlformats.org/drawingml/2006/main" xmlns:r="http://schemas.openxmlformats.org/officeDocument/2006/relationships" xmlns:p="http://schemas.openxmlformats.org/presentationml/2006/main" xmlns:m="http://schemas.openxmlformats.org/officeDocument/2006/math" xmlns:a14="http://schemas.microsoft.com/office/drawing/2010/main" type="tx" showMasterSp="1" showMasterPhAnim="1">
+<p:sldLayout xmlns:a="http://schemas.openxmlformats.org/drawingml/2006/main" xmlns:r="http://schemas.openxmlformats.org/officeDocument/2006/relationships" xmlns:p="http://schemas.openxmlformats.org/presentationml/2006/main" type="tx">
   <p:cSld name="icons_blue_resource">
     <p:spTree>
       <p:nvGrpSpPr>
@@ -6217,13 +6263,16 @@
                 </a:solidFill>
               </a:defRPr>
             </a:pPr>
+            <a:endParaRPr/>
           </a:p>
         </p:txBody>
       </p:sp>
       <p:sp>
         <p:nvSpPr>
           <p:cNvPr id="312" name="Title Text"/>
-          <p:cNvSpPr txBox="1"/>
+          <p:cNvSpPr txBox="1">
+            <a:spLocks noGrp="1"/>
+          </p:cNvSpPr>
           <p:nvPr>
             <p:ph type="title"/>
           </p:nvPr>
@@ -6241,7 +6290,7 @@
           <a:bodyPr/>
           <a:lstStyle>
             <a:lvl1pPr>
-              <a:defRPr b="1" sz="2100">
+              <a:defRPr sz="2100" b="1">
                 <a:solidFill>
                   <a:srgbClr val="141B23"/>
                 </a:solidFill>
@@ -6249,7 +6298,6 @@
             </a:lvl1pPr>
           </a:lstStyle>
           <a:p>
-            <a:pPr/>
             <a:r>
               <a:t>Title Text</a:t>
             </a:r>
@@ -6259,7 +6307,9 @@
       <p:sp>
         <p:nvSpPr>
           <p:cNvPr id="313" name="Body Level One…"/>
-          <p:cNvSpPr txBox="1"/>
+          <p:cNvSpPr txBox="1">
+            <a:spLocks noGrp="1"/>
+          </p:cNvSpPr>
           <p:nvPr>
             <p:ph type="body" sz="quarter" idx="1" hasCustomPrompt="1"/>
           </p:nvPr>
@@ -6329,34 +6379,25 @@
             </a:lvl5pPr>
           </a:lstStyle>
           <a:p>
-            <a:pPr/>
             <a:r>
               <a:t>#/#</a:t>
             </a:r>
           </a:p>
           <a:p>
             <a:pPr lvl="1"/>
-            <a:r>
-              <a:t/>
-            </a:r>
+            <a:endParaRPr/>
           </a:p>
           <a:p>
             <a:pPr lvl="2"/>
-            <a:r>
-              <a:t/>
-            </a:r>
+            <a:endParaRPr/>
           </a:p>
           <a:p>
             <a:pPr lvl="3"/>
-            <a:r>
-              <a:t/>
-            </a:r>
+            <a:endParaRPr/>
           </a:p>
           <a:p>
             <a:pPr lvl="4"/>
-            <a:r>
-              <a:t/>
-            </a:r>
+            <a:endParaRPr/>
           </a:p>
         </p:txBody>
       </p:sp>
@@ -6386,7 +6427,7 @@
           <a:bodyPr lIns="45719" rIns="45719"/>
           <a:lstStyle/>
           <a:p>
-            <a:pPr/>
+            <a:endParaRPr/>
           </a:p>
         </p:txBody>
       </p:sp>
@@ -6429,6 +6470,7 @@
                 </a:solidFill>
               </a:defRPr>
             </a:pPr>
+            <a:endParaRPr/>
           </a:p>
         </p:txBody>
       </p:sp>
@@ -6451,7 +6493,7 @@
           </a:ln>
           <a:extLst>
             <a:ext uri="{C572A759-6A51-4108-AA02-DFA0A04FC94B}">
-              <ma14:wrappingTextBoxFlag xmlns:ma14="http://schemas.microsoft.com/office/mac/drawingml/2011/main" val="1"/>
+              <ma14:wrappingTextBoxFlag xmlns:ma14="http://schemas.microsoft.com/office/mac/drawingml/2011/main" xmlns:a14="http://schemas.microsoft.com/office/drawing/2010/main" xmlns:m="http://schemas.openxmlformats.org/officeDocument/2006/math" xmlns="" val="1"/>
             </a:ext>
           </a:extLst>
         </p:spPr>
@@ -6461,11 +6503,10 @@
           </a:bodyPr>
           <a:lstStyle>
             <a:lvl1pPr>
-              <a:defRPr b="1" sz="900"/>
+              <a:defRPr sz="900" b="1"/>
             </a:lvl1pPr>
           </a:lstStyle>
           <a:p>
-            <a:pPr/>
             <a:r>
               <a:t>RESOURCE ICONS</a:t>
             </a:r>
@@ -6475,7 +6516,9 @@
       <p:sp>
         <p:nvSpPr>
           <p:cNvPr id="317" name="Slide Number"/>
-          <p:cNvSpPr txBox="1"/>
+          <p:cNvSpPr txBox="1">
+            <a:spLocks noGrp="1"/>
+          </p:cNvSpPr>
           <p:nvPr>
             <p:ph type="sldNum" sz="quarter" idx="2"/>
           </p:nvPr>
@@ -6489,8 +6532,10 @@
           <a:bodyPr/>
           <a:lstStyle/>
           <a:p>
-            <a:pPr/>
-            <a:fld id="{86CB4B4D-7CA3-9044-876B-883B54F8677D}" type="slidenum"/>
+            <a:fld id="{86CB4B4D-7CA3-9044-876B-883B54F8677D}" type="slidenum">
+              <a:t>‹#›</a:t>
+            </a:fld>
+            <a:endParaRPr/>
           </a:p>
         </p:txBody>
       </p:sp>
@@ -6499,12 +6544,12 @@
   <p:clrMapOvr>
     <a:masterClrMapping/>
   </p:clrMapOvr>
-  <p:transition xmlns:p14="http://schemas.microsoft.com/office/powerpoint/2010/main" spd="med" advClick="1"/>
+  <p:transition spd="med"/>
 </p:sldLayout>
 </file>
 
 <file path=ppt/slideLayouts/slideLayout26.xml><?xml version="1.0" encoding="utf-8"?>
-<p:sldLayout xmlns:a="http://schemas.openxmlformats.org/drawingml/2006/main" xmlns:r="http://schemas.openxmlformats.org/officeDocument/2006/relationships" xmlns:p="http://schemas.openxmlformats.org/presentationml/2006/main" xmlns:m="http://schemas.openxmlformats.org/officeDocument/2006/math" xmlns:a14="http://schemas.microsoft.com/office/drawing/2010/main" type="tx" showMasterSp="1" showMasterPhAnim="1">
+<p:sldLayout xmlns:a="http://schemas.openxmlformats.org/drawingml/2006/main" xmlns:r="http://schemas.openxmlformats.org/officeDocument/2006/relationships" xmlns:p="http://schemas.openxmlformats.org/presentationml/2006/main" type="tx">
   <p:cSld name="category_turquoise">
     <p:spTree>
       <p:nvGrpSpPr>
@@ -6523,7 +6568,9 @@
       <p:sp>
         <p:nvSpPr>
           <p:cNvPr id="324" name="Title Text"/>
-          <p:cNvSpPr txBox="1"/>
+          <p:cNvSpPr txBox="1">
+            <a:spLocks noGrp="1"/>
+          </p:cNvSpPr>
           <p:nvPr>
             <p:ph type="title"/>
           </p:nvPr>
@@ -6541,11 +6588,10 @@
           <a:bodyPr/>
           <a:lstStyle>
             <a:lvl1pPr>
-              <a:defRPr b="1" sz="3600"/>
+              <a:defRPr sz="3600" b="1"/>
             </a:lvl1pPr>
           </a:lstStyle>
           <a:p>
-            <a:pPr/>
             <a:r>
               <a:t>Title Text</a:t>
             </a:r>
@@ -6591,6 +6637,7 @@
                 </a:solidFill>
               </a:defRPr>
             </a:pPr>
+            <a:endParaRPr/>
           </a:p>
         </p:txBody>
       </p:sp>
@@ -6644,6 +6691,7 @@
                   </a:solidFill>
                 </a:defRPr>
               </a:pPr>
+              <a:endParaRPr/>
             </a:p>
           </p:txBody>
         </p:sp>
@@ -6669,7 +6717,7 @@
             <a:effectLst/>
             <a:extLst>
               <a:ext uri="{C572A759-6A51-4108-AA02-DFA0A04FC94B}">
-                <ma14:wrappingTextBoxFlag xmlns:ma14="http://schemas.microsoft.com/office/mac/drawingml/2011/main" val="1"/>
+                <ma14:wrappingTextBoxFlag xmlns:ma14="http://schemas.microsoft.com/office/mac/drawingml/2011/main" xmlns:a14="http://schemas.microsoft.com/office/drawing/2010/main" xmlns:m="http://schemas.openxmlformats.org/officeDocument/2006/math" xmlns="" val="1"/>
               </a:ext>
             </a:extLst>
           </p:spPr>
@@ -6679,11 +6727,10 @@
             </a:bodyPr>
             <a:lstStyle>
               <a:lvl1pPr>
-                <a:defRPr b="1" sz="900"/>
+                <a:defRPr sz="900" b="1"/>
               </a:lvl1pPr>
             </a:lstStyle>
             <a:p>
-              <a:pPr/>
               <a:r>
                 <a:t>STANDARD CATEGORY ICON</a:t>
               </a:r>
@@ -6722,7 +6769,7 @@
             </a:bodyPr>
             <a:lstStyle/>
             <a:p>
-              <a:pPr/>
+              <a:endParaRPr/>
             </a:p>
           </p:txBody>
         </p:sp>
@@ -6765,6 +6812,7 @@
                   </a:solidFill>
                 </a:defRPr>
               </a:pPr>
+              <a:endParaRPr/>
             </a:p>
           </p:txBody>
         </p:sp>
@@ -6790,7 +6838,7 @@
             <a:effectLst/>
             <a:extLst>
               <a:ext uri="{C572A759-6A51-4108-AA02-DFA0A04FC94B}">
-                <ma14:wrappingTextBoxFlag xmlns:ma14="http://schemas.microsoft.com/office/mac/drawingml/2011/main" val="1"/>
+                <ma14:wrappingTextBoxFlag xmlns:ma14="http://schemas.microsoft.com/office/mac/drawingml/2011/main" xmlns:a14="http://schemas.microsoft.com/office/drawing/2010/main" xmlns:m="http://schemas.openxmlformats.org/officeDocument/2006/math" xmlns="" val="1"/>
               </a:ext>
             </a:extLst>
           </p:spPr>
@@ -6800,11 +6848,10 @@
             </a:bodyPr>
             <a:lstStyle>
               <a:lvl1pPr>
-                <a:defRPr b="1" sz="900"/>
+                <a:defRPr sz="900" b="1"/>
               </a:lvl1pPr>
             </a:lstStyle>
             <a:p>
-              <a:pPr/>
               <a:r>
                 <a:t>ALTERNATE CATEGORY ICON</a:t>
               </a:r>
@@ -6815,7 +6862,9 @@
       <p:sp>
         <p:nvSpPr>
           <p:cNvPr id="332" name="Slide Number"/>
-          <p:cNvSpPr txBox="1"/>
+          <p:cNvSpPr txBox="1">
+            <a:spLocks noGrp="1"/>
+          </p:cNvSpPr>
           <p:nvPr>
             <p:ph type="sldNum" sz="quarter" idx="2"/>
           </p:nvPr>
@@ -6829,8 +6878,10 @@
           <a:bodyPr/>
           <a:lstStyle/>
           <a:p>
-            <a:pPr/>
-            <a:fld id="{86CB4B4D-7CA3-9044-876B-883B54F8677D}" type="slidenum"/>
+            <a:fld id="{86CB4B4D-7CA3-9044-876B-883B54F8677D}" type="slidenum">
+              <a:t>‹#›</a:t>
+            </a:fld>
+            <a:endParaRPr/>
           </a:p>
         </p:txBody>
       </p:sp>
@@ -6839,12 +6890,12 @@
   <p:clrMapOvr>
     <a:masterClrMapping/>
   </p:clrMapOvr>
-  <p:transition xmlns:p14="http://schemas.microsoft.com/office/powerpoint/2010/main" spd="med" advClick="1"/>
+  <p:transition spd="med"/>
 </p:sldLayout>
 </file>
 
 <file path=ppt/slideLayouts/slideLayout27.xml><?xml version="1.0" encoding="utf-8"?>
-<p:sldLayout xmlns:a="http://schemas.openxmlformats.org/drawingml/2006/main" xmlns:r="http://schemas.openxmlformats.org/officeDocument/2006/relationships" xmlns:p="http://schemas.openxmlformats.org/presentationml/2006/main" xmlns:m="http://schemas.openxmlformats.org/officeDocument/2006/math" xmlns:a14="http://schemas.microsoft.com/office/drawing/2010/main" type="tx" showMasterSp="1" showMasterPhAnim="1">
+<p:sldLayout xmlns:a="http://schemas.openxmlformats.org/drawingml/2006/main" xmlns:r="http://schemas.openxmlformats.org/officeDocument/2006/relationships" xmlns:p="http://schemas.openxmlformats.org/presentationml/2006/main" type="tx">
   <p:cSld name="icons_turquoise">
     <p:spTree>
       <p:nvGrpSpPr>
@@ -6863,7 +6914,9 @@
       <p:sp>
         <p:nvSpPr>
           <p:cNvPr id="339" name="Title Text"/>
-          <p:cNvSpPr txBox="1"/>
+          <p:cNvSpPr txBox="1">
+            <a:spLocks noGrp="1"/>
+          </p:cNvSpPr>
           <p:nvPr>
             <p:ph type="title"/>
           </p:nvPr>
@@ -6881,7 +6934,7 @@
           <a:bodyPr/>
           <a:lstStyle>
             <a:lvl1pPr>
-              <a:defRPr b="1" sz="2100">
+              <a:defRPr sz="2100" b="1">
                 <a:solidFill>
                   <a:srgbClr val="141B23"/>
                 </a:solidFill>
@@ -6889,7 +6942,6 @@
             </a:lvl1pPr>
           </a:lstStyle>
           <a:p>
-            <a:pPr/>
             <a:r>
               <a:t>Title Text</a:t>
             </a:r>
@@ -6899,7 +6951,9 @@
       <p:sp>
         <p:nvSpPr>
           <p:cNvPr id="340" name="Body Level One…"/>
-          <p:cNvSpPr txBox="1"/>
+          <p:cNvSpPr txBox="1">
+            <a:spLocks noGrp="1"/>
+          </p:cNvSpPr>
           <p:nvPr>
             <p:ph type="body" sz="quarter" idx="1" hasCustomPrompt="1"/>
           </p:nvPr>
@@ -6969,34 +7023,25 @@
             </a:lvl5pPr>
           </a:lstStyle>
           <a:p>
-            <a:pPr/>
             <a:r>
               <a:t>#/#</a:t>
             </a:r>
           </a:p>
           <a:p>
             <a:pPr lvl="1"/>
-            <a:r>
-              <a:t/>
-            </a:r>
+            <a:endParaRPr/>
           </a:p>
           <a:p>
             <a:pPr lvl="2"/>
-            <a:r>
-              <a:t/>
-            </a:r>
+            <a:endParaRPr/>
           </a:p>
           <a:p>
             <a:pPr lvl="3"/>
-            <a:r>
-              <a:t/>
-            </a:r>
+            <a:endParaRPr/>
           </a:p>
           <a:p>
             <a:pPr lvl="4"/>
-            <a:r>
-              <a:t/>
-            </a:r>
+            <a:endParaRPr/>
           </a:p>
         </p:txBody>
       </p:sp>
@@ -7032,6 +7077,7 @@
                 </a:solidFill>
               </a:defRPr>
             </a:pPr>
+            <a:endParaRPr/>
           </a:p>
         </p:txBody>
       </p:sp>
@@ -7067,6 +7113,7 @@
                 </a:solidFill>
               </a:defRPr>
             </a:pPr>
+            <a:endParaRPr/>
           </a:p>
         </p:txBody>
       </p:sp>
@@ -7089,7 +7136,7 @@
           </a:ln>
           <a:extLst>
             <a:ext uri="{C572A759-6A51-4108-AA02-DFA0A04FC94B}">
-              <ma14:wrappingTextBoxFlag xmlns:ma14="http://schemas.microsoft.com/office/mac/drawingml/2011/main" val="1"/>
+              <ma14:wrappingTextBoxFlag xmlns:ma14="http://schemas.microsoft.com/office/mac/drawingml/2011/main" xmlns:a14="http://schemas.microsoft.com/office/drawing/2010/main" xmlns:m="http://schemas.openxmlformats.org/officeDocument/2006/math" xmlns="" val="1"/>
             </a:ext>
           </a:extLst>
         </p:spPr>
@@ -7099,11 +7146,10 @@
           </a:bodyPr>
           <a:lstStyle>
             <a:lvl1pPr>
-              <a:defRPr b="1" sz="900"/>
+              <a:defRPr sz="900" b="1"/>
             </a:lvl1pPr>
           </a:lstStyle>
           <a:p>
-            <a:pPr/>
             <a:r>
               <a:t>STANDARD SERVICE ICON</a:t>
             </a:r>
@@ -7129,7 +7175,7 @@
           </a:ln>
           <a:extLst>
             <a:ext uri="{C572A759-6A51-4108-AA02-DFA0A04FC94B}">
-              <ma14:wrappingTextBoxFlag xmlns:ma14="http://schemas.microsoft.com/office/mac/drawingml/2011/main" val="1"/>
+              <ma14:wrappingTextBoxFlag xmlns:ma14="http://schemas.microsoft.com/office/mac/drawingml/2011/main" xmlns:a14="http://schemas.microsoft.com/office/drawing/2010/main" xmlns:m="http://schemas.openxmlformats.org/officeDocument/2006/math" xmlns="" val="1"/>
             </a:ext>
           </a:extLst>
         </p:spPr>
@@ -7139,11 +7185,10 @@
           </a:bodyPr>
           <a:lstStyle>
             <a:lvl1pPr>
-              <a:defRPr b="1" sz="900"/>
+              <a:defRPr sz="900" b="1"/>
             </a:lvl1pPr>
           </a:lstStyle>
           <a:p>
-            <a:pPr/>
             <a:r>
               <a:t>ALTERNATE SERVICE ICON</a:t>
             </a:r>
@@ -7169,7 +7214,7 @@
           </a:ln>
           <a:extLst>
             <a:ext uri="{C572A759-6A51-4108-AA02-DFA0A04FC94B}">
-              <ma14:wrappingTextBoxFlag xmlns:ma14="http://schemas.microsoft.com/office/mac/drawingml/2011/main" val="1"/>
+              <ma14:wrappingTextBoxFlag xmlns:ma14="http://schemas.microsoft.com/office/mac/drawingml/2011/main" xmlns:a14="http://schemas.microsoft.com/office/drawing/2010/main" xmlns:m="http://schemas.openxmlformats.org/officeDocument/2006/math" xmlns="" val="1"/>
             </a:ext>
           </a:extLst>
         </p:spPr>
@@ -7179,11 +7224,10 @@
           </a:bodyPr>
           <a:lstStyle>
             <a:lvl1pPr>
-              <a:defRPr b="1" sz="900"/>
+              <a:defRPr sz="900" b="1"/>
             </a:lvl1pPr>
           </a:lstStyle>
           <a:p>
-            <a:pPr/>
             <a:r>
               <a:t>RESOURCES</a:t>
             </a:r>
@@ -7216,7 +7260,7 @@
           <a:bodyPr lIns="45719" rIns="45719"/>
           <a:lstStyle/>
           <a:p>
-            <a:pPr/>
+            <a:endParaRPr/>
           </a:p>
         </p:txBody>
       </p:sp>
@@ -7259,13 +7303,16 @@
                 </a:solidFill>
               </a:defRPr>
             </a:pPr>
+            <a:endParaRPr/>
           </a:p>
         </p:txBody>
       </p:sp>
       <p:sp>
         <p:nvSpPr>
           <p:cNvPr id="348" name="Slide Number"/>
-          <p:cNvSpPr txBox="1"/>
+          <p:cNvSpPr txBox="1">
+            <a:spLocks noGrp="1"/>
+          </p:cNvSpPr>
           <p:nvPr>
             <p:ph type="sldNum" sz="quarter" idx="2"/>
           </p:nvPr>
@@ -7279,8 +7326,10 @@
           <a:bodyPr/>
           <a:lstStyle/>
           <a:p>
-            <a:pPr/>
-            <a:fld id="{86CB4B4D-7CA3-9044-876B-883B54F8677D}" type="slidenum"/>
+            <a:fld id="{86CB4B4D-7CA3-9044-876B-883B54F8677D}" type="slidenum">
+              <a:t>‹#›</a:t>
+            </a:fld>
+            <a:endParaRPr/>
           </a:p>
         </p:txBody>
       </p:sp>
@@ -7289,12 +7338,12 @@
   <p:clrMapOvr>
     <a:masterClrMapping/>
   </p:clrMapOvr>
-  <p:transition xmlns:p14="http://schemas.microsoft.com/office/powerpoint/2010/main" spd="med" advClick="1"/>
+  <p:transition spd="med"/>
 </p:sldLayout>
 </file>
 
 <file path=ppt/slideLayouts/slideLayout28.xml><?xml version="1.0" encoding="utf-8"?>
-<p:sldLayout xmlns:a="http://schemas.openxmlformats.org/drawingml/2006/main" xmlns:r="http://schemas.openxmlformats.org/officeDocument/2006/relationships" xmlns:p="http://schemas.openxmlformats.org/presentationml/2006/main" xmlns:m="http://schemas.openxmlformats.org/officeDocument/2006/math" xmlns:a14="http://schemas.microsoft.com/office/drawing/2010/main" type="tx" showMasterSp="1" showMasterPhAnim="1">
+<p:sldLayout xmlns:a="http://schemas.openxmlformats.org/drawingml/2006/main" xmlns:r="http://schemas.openxmlformats.org/officeDocument/2006/relationships" xmlns:p="http://schemas.openxmlformats.org/presentationml/2006/main" type="tx">
   <p:cSld name="resources_green">
     <p:spTree>
       <p:nvGrpSpPr>
@@ -7313,7 +7362,9 @@
       <p:sp>
         <p:nvSpPr>
           <p:cNvPr id="355" name="Title Text"/>
-          <p:cNvSpPr txBox="1"/>
+          <p:cNvSpPr txBox="1">
+            <a:spLocks noGrp="1"/>
+          </p:cNvSpPr>
           <p:nvPr>
             <p:ph type="title"/>
           </p:nvPr>
@@ -7331,7 +7382,7 @@
           <a:bodyPr/>
           <a:lstStyle>
             <a:lvl1pPr>
-              <a:defRPr b="1" sz="2100">
+              <a:defRPr sz="2100" b="1">
                 <a:solidFill>
                   <a:srgbClr val="141B23"/>
                 </a:solidFill>
@@ -7339,7 +7390,6 @@
             </a:lvl1pPr>
           </a:lstStyle>
           <a:p>
-            <a:pPr/>
             <a:r>
               <a:t>Title Text</a:t>
             </a:r>
@@ -7349,7 +7399,9 @@
       <p:sp>
         <p:nvSpPr>
           <p:cNvPr id="356" name="Body Level One…"/>
-          <p:cNvSpPr txBox="1"/>
+          <p:cNvSpPr txBox="1">
+            <a:spLocks noGrp="1"/>
+          </p:cNvSpPr>
           <p:nvPr>
             <p:ph type="body" sz="quarter" idx="1" hasCustomPrompt="1"/>
           </p:nvPr>
@@ -7419,34 +7471,25 @@
             </a:lvl5pPr>
           </a:lstStyle>
           <a:p>
-            <a:pPr/>
             <a:r>
               <a:t>#/#</a:t>
             </a:r>
           </a:p>
           <a:p>
             <a:pPr lvl="1"/>
-            <a:r>
-              <a:t/>
-            </a:r>
+            <a:endParaRPr/>
           </a:p>
           <a:p>
             <a:pPr lvl="2"/>
-            <a:r>
-              <a:t/>
-            </a:r>
+            <a:endParaRPr/>
           </a:p>
           <a:p>
             <a:pPr lvl="3"/>
-            <a:r>
-              <a:t/>
-            </a:r>
+            <a:endParaRPr/>
           </a:p>
           <a:p>
             <a:pPr lvl="4"/>
-            <a:r>
-              <a:t/>
-            </a:r>
+            <a:endParaRPr/>
           </a:p>
         </p:txBody>
       </p:sp>
@@ -7482,6 +7525,7 @@
                 </a:solidFill>
               </a:defRPr>
             </a:pPr>
+            <a:endParaRPr/>
           </a:p>
         </p:txBody>
       </p:sp>
@@ -7511,7 +7555,7 @@
           <a:bodyPr lIns="45719" rIns="45719"/>
           <a:lstStyle/>
           <a:p>
-            <a:pPr/>
+            <a:endParaRPr/>
           </a:p>
         </p:txBody>
       </p:sp>
@@ -7554,13 +7598,16 @@
                 </a:solidFill>
               </a:defRPr>
             </a:pPr>
+            <a:endParaRPr/>
           </a:p>
         </p:txBody>
       </p:sp>
       <p:sp>
         <p:nvSpPr>
           <p:cNvPr id="360" name="Slide Number"/>
-          <p:cNvSpPr txBox="1"/>
+          <p:cNvSpPr txBox="1">
+            <a:spLocks noGrp="1"/>
+          </p:cNvSpPr>
           <p:nvPr>
             <p:ph type="sldNum" sz="quarter" idx="2"/>
           </p:nvPr>
@@ -7574,8 +7621,10 @@
           <a:bodyPr/>
           <a:lstStyle/>
           <a:p>
-            <a:pPr/>
-            <a:fld id="{86CB4B4D-7CA3-9044-876B-883B54F8677D}" type="slidenum"/>
+            <a:fld id="{86CB4B4D-7CA3-9044-876B-883B54F8677D}" type="slidenum">
+              <a:t>‹#›</a:t>
+            </a:fld>
+            <a:endParaRPr/>
           </a:p>
         </p:txBody>
       </p:sp>
@@ -7584,12 +7633,12 @@
   <p:clrMapOvr>
     <a:masterClrMapping/>
   </p:clrMapOvr>
-  <p:transition xmlns:p14="http://schemas.microsoft.com/office/powerpoint/2010/main" spd="med" advClick="1"/>
+  <p:transition spd="med"/>
 </p:sldLayout>
 </file>
 
 <file path=ppt/slideLayouts/slideLayout3.xml><?xml version="1.0" encoding="utf-8"?>
-<p:sldLayout xmlns:a="http://schemas.openxmlformats.org/drawingml/2006/main" xmlns:r="http://schemas.openxmlformats.org/officeDocument/2006/relationships" xmlns:p="http://schemas.openxmlformats.org/presentationml/2006/main" xmlns:m="http://schemas.openxmlformats.org/officeDocument/2006/math" xmlns:a14="http://schemas.microsoft.com/office/drawing/2010/main" type="tx" showMasterSp="1" showMasterPhAnim="1">
+<p:sldLayout xmlns:a="http://schemas.openxmlformats.org/drawingml/2006/main" xmlns:r="http://schemas.openxmlformats.org/officeDocument/2006/relationships" xmlns:p="http://schemas.openxmlformats.org/presentationml/2006/main" type="tx">
   <p:cSld name="TITLE_AND_BODY">
     <p:spTree>
       <p:nvGrpSpPr>
@@ -7608,7 +7657,9 @@
       <p:sp>
         <p:nvSpPr>
           <p:cNvPr id="28" name="Title Text"/>
-          <p:cNvSpPr txBox="1"/>
+          <p:cNvSpPr txBox="1">
+            <a:spLocks noGrp="1"/>
+          </p:cNvSpPr>
           <p:nvPr>
             <p:ph type="title"/>
           </p:nvPr>
@@ -7622,7 +7673,6 @@
           <a:bodyPr/>
           <a:lstStyle/>
           <a:p>
-            <a:pPr/>
             <a:r>
               <a:t>Title Text</a:t>
             </a:r>
@@ -7632,7 +7682,9 @@
       <p:sp>
         <p:nvSpPr>
           <p:cNvPr id="29" name="Body Level One…"/>
-          <p:cNvSpPr txBox="1"/>
+          <p:cNvSpPr txBox="1">
+            <a:spLocks noGrp="1"/>
+          </p:cNvSpPr>
           <p:nvPr>
             <p:ph type="body" idx="1"/>
           </p:nvPr>
@@ -7646,7 +7698,6 @@
           <a:bodyPr/>
           <a:lstStyle/>
           <a:p>
-            <a:pPr/>
             <a:r>
               <a:t>Body Level One</a:t>
             </a:r>
@@ -7680,7 +7731,9 @@
       <p:sp>
         <p:nvSpPr>
           <p:cNvPr id="30" name="Slide Number"/>
-          <p:cNvSpPr txBox="1"/>
+          <p:cNvSpPr txBox="1">
+            <a:spLocks noGrp="1"/>
+          </p:cNvSpPr>
           <p:nvPr>
             <p:ph type="sldNum" sz="quarter" idx="2"/>
           </p:nvPr>
@@ -7694,8 +7747,10 @@
           <a:bodyPr/>
           <a:lstStyle/>
           <a:p>
-            <a:pPr/>
-            <a:fld id="{86CB4B4D-7CA3-9044-876B-883B54F8677D}" type="slidenum"/>
+            <a:fld id="{86CB4B4D-7CA3-9044-876B-883B54F8677D}" type="slidenum">
+              <a:t>‹#›</a:t>
+            </a:fld>
+            <a:endParaRPr/>
           </a:p>
         </p:txBody>
       </p:sp>
@@ -7704,12 +7759,12 @@
   <p:clrMapOvr>
     <a:masterClrMapping/>
   </p:clrMapOvr>
-  <p:transition xmlns:p14="http://schemas.microsoft.com/office/powerpoint/2010/main" spd="med" advClick="1"/>
+  <p:transition spd="med"/>
 </p:sldLayout>
 </file>
 
 <file path=ppt/slideLayouts/slideLayout4.xml><?xml version="1.0" encoding="utf-8"?>
-<p:sldLayout xmlns:a="http://schemas.openxmlformats.org/drawingml/2006/main" xmlns:r="http://schemas.openxmlformats.org/officeDocument/2006/relationships" xmlns:p="http://schemas.openxmlformats.org/presentationml/2006/main" xmlns:m="http://schemas.openxmlformats.org/officeDocument/2006/math" xmlns:a14="http://schemas.microsoft.com/office/drawing/2010/main" type="tx" showMasterSp="1" showMasterPhAnim="1">
+<p:sldLayout xmlns:a="http://schemas.openxmlformats.org/drawingml/2006/main" xmlns:r="http://schemas.openxmlformats.org/officeDocument/2006/relationships" xmlns:p="http://schemas.openxmlformats.org/presentationml/2006/main" type="tx">
   <p:cSld name="TITLE_AND_TWO_COLUMNS">
     <p:spTree>
       <p:nvGrpSpPr>
@@ -7728,7 +7783,9 @@
       <p:sp>
         <p:nvSpPr>
           <p:cNvPr id="37" name="Title Text"/>
-          <p:cNvSpPr txBox="1"/>
+          <p:cNvSpPr txBox="1">
+            <a:spLocks noGrp="1"/>
+          </p:cNvSpPr>
           <p:nvPr>
             <p:ph type="title"/>
           </p:nvPr>
@@ -7742,7 +7799,6 @@
           <a:bodyPr/>
           <a:lstStyle/>
           <a:p>
-            <a:pPr/>
             <a:r>
               <a:t>Title Text</a:t>
             </a:r>
@@ -7752,7 +7808,9 @@
       <p:sp>
         <p:nvSpPr>
           <p:cNvPr id="38" name="Body Level One…"/>
-          <p:cNvSpPr txBox="1"/>
+          <p:cNvSpPr txBox="1">
+            <a:spLocks noGrp="1"/>
+          </p:cNvSpPr>
           <p:nvPr>
             <p:ph type="body" sz="half" idx="1"/>
           </p:nvPr>
@@ -7791,7 +7849,6 @@
             </a:lvl5pPr>
           </a:lstStyle>
           <a:p>
-            <a:pPr/>
             <a:r>
               <a:t>Body Level One</a:t>
             </a:r>
@@ -7825,7 +7882,9 @@
       <p:sp>
         <p:nvSpPr>
           <p:cNvPr id="39" name="Google Shape;23;p5"/>
-          <p:cNvSpPr txBox="1"/>
+          <p:cNvSpPr txBox="1">
+            <a:spLocks noGrp="1"/>
+          </p:cNvSpPr>
           <p:nvPr>
             <p:ph type="body" sz="half" idx="13"/>
           </p:nvPr>
@@ -7847,13 +7906,16 @@
               <a:buSzPts val="1400"/>
               <a:defRPr sz="1400"/>
             </a:pPr>
+            <a:endParaRPr/>
           </a:p>
         </p:txBody>
       </p:sp>
       <p:sp>
         <p:nvSpPr>
           <p:cNvPr id="40" name="Slide Number"/>
-          <p:cNvSpPr txBox="1"/>
+          <p:cNvSpPr txBox="1">
+            <a:spLocks noGrp="1"/>
+          </p:cNvSpPr>
           <p:nvPr>
             <p:ph type="sldNum" sz="quarter" idx="2"/>
           </p:nvPr>
@@ -7867,8 +7929,10 @@
           <a:bodyPr/>
           <a:lstStyle/>
           <a:p>
-            <a:pPr/>
-            <a:fld id="{86CB4B4D-7CA3-9044-876B-883B54F8677D}" type="slidenum"/>
+            <a:fld id="{86CB4B4D-7CA3-9044-876B-883B54F8677D}" type="slidenum">
+              <a:t>‹#›</a:t>
+            </a:fld>
+            <a:endParaRPr/>
           </a:p>
         </p:txBody>
       </p:sp>
@@ -7877,12 +7941,12 @@
   <p:clrMapOvr>
     <a:masterClrMapping/>
   </p:clrMapOvr>
-  <p:transition xmlns:p14="http://schemas.microsoft.com/office/powerpoint/2010/main" spd="med" advClick="1"/>
+  <p:transition spd="med"/>
 </p:sldLayout>
 </file>
 
 <file path=ppt/slideLayouts/slideLayout5.xml><?xml version="1.0" encoding="utf-8"?>
-<p:sldLayout xmlns:a="http://schemas.openxmlformats.org/drawingml/2006/main" xmlns:r="http://schemas.openxmlformats.org/officeDocument/2006/relationships" xmlns:p="http://schemas.openxmlformats.org/presentationml/2006/main" xmlns:m="http://schemas.openxmlformats.org/officeDocument/2006/math" xmlns:a14="http://schemas.microsoft.com/office/drawing/2010/main" type="tx" showMasterSp="1" showMasterPhAnim="1">
+<p:sldLayout xmlns:a="http://schemas.openxmlformats.org/drawingml/2006/main" xmlns:r="http://schemas.openxmlformats.org/officeDocument/2006/relationships" xmlns:p="http://schemas.openxmlformats.org/presentationml/2006/main" type="tx">
   <p:cSld name="TITLE_ONLY">
     <p:spTree>
       <p:nvGrpSpPr>
@@ -7901,7 +7965,9 @@
       <p:sp>
         <p:nvSpPr>
           <p:cNvPr id="47" name="Title Text"/>
-          <p:cNvSpPr txBox="1"/>
+          <p:cNvSpPr txBox="1">
+            <a:spLocks noGrp="1"/>
+          </p:cNvSpPr>
           <p:nvPr>
             <p:ph type="title"/>
           </p:nvPr>
@@ -7915,7 +7981,6 @@
           <a:bodyPr/>
           <a:lstStyle/>
           <a:p>
-            <a:pPr/>
             <a:r>
               <a:t>Title Text</a:t>
             </a:r>
@@ -7925,7 +7990,9 @@
       <p:sp>
         <p:nvSpPr>
           <p:cNvPr id="48" name="Slide Number"/>
-          <p:cNvSpPr txBox="1"/>
+          <p:cNvSpPr txBox="1">
+            <a:spLocks noGrp="1"/>
+          </p:cNvSpPr>
           <p:nvPr>
             <p:ph type="sldNum" sz="quarter" idx="2"/>
           </p:nvPr>
@@ -7939,8 +8006,10 @@
           <a:bodyPr/>
           <a:lstStyle/>
           <a:p>
-            <a:pPr/>
-            <a:fld id="{86CB4B4D-7CA3-9044-876B-883B54F8677D}" type="slidenum"/>
+            <a:fld id="{86CB4B4D-7CA3-9044-876B-883B54F8677D}" type="slidenum">
+              <a:t>‹#›</a:t>
+            </a:fld>
+            <a:endParaRPr/>
           </a:p>
         </p:txBody>
       </p:sp>
@@ -7949,12 +8018,12 @@
   <p:clrMapOvr>
     <a:masterClrMapping/>
   </p:clrMapOvr>
-  <p:transition xmlns:p14="http://schemas.microsoft.com/office/powerpoint/2010/main" spd="med" advClick="1"/>
+  <p:transition spd="med"/>
 </p:sldLayout>
 </file>
 
 <file path=ppt/slideLayouts/slideLayout6.xml><?xml version="1.0" encoding="utf-8"?>
-<p:sldLayout xmlns:a="http://schemas.openxmlformats.org/drawingml/2006/main" xmlns:r="http://schemas.openxmlformats.org/officeDocument/2006/relationships" xmlns:p="http://schemas.openxmlformats.org/presentationml/2006/main" xmlns:m="http://schemas.openxmlformats.org/officeDocument/2006/math" xmlns:a14="http://schemas.microsoft.com/office/drawing/2010/main" type="tx" showMasterSp="1" showMasterPhAnim="1">
+<p:sldLayout xmlns:a="http://schemas.openxmlformats.org/drawingml/2006/main" xmlns:r="http://schemas.openxmlformats.org/officeDocument/2006/relationships" xmlns:p="http://schemas.openxmlformats.org/presentationml/2006/main" type="tx">
   <p:cSld name="ONE_COLUMN_TEXT">
     <p:spTree>
       <p:nvGrpSpPr>
@@ -7973,7 +8042,9 @@
       <p:sp>
         <p:nvSpPr>
           <p:cNvPr id="55" name="Title Text"/>
-          <p:cNvSpPr txBox="1"/>
+          <p:cNvSpPr txBox="1">
+            <a:spLocks noGrp="1"/>
+          </p:cNvSpPr>
           <p:nvPr>
             <p:ph type="title"/>
           </p:nvPr>
@@ -7995,7 +8066,6 @@
             </a:lvl1pPr>
           </a:lstStyle>
           <a:p>
-            <a:pPr/>
             <a:r>
               <a:t>Title Text</a:t>
             </a:r>
@@ -8005,7 +8075,9 @@
       <p:sp>
         <p:nvSpPr>
           <p:cNvPr id="56" name="Body Level One…"/>
-          <p:cNvSpPr txBox="1"/>
+          <p:cNvSpPr txBox="1">
+            <a:spLocks noGrp="1"/>
+          </p:cNvSpPr>
           <p:nvPr>
             <p:ph type="body" sz="quarter" idx="1"/>
           </p:nvPr>
@@ -8044,7 +8116,6 @@
             </a:lvl5pPr>
           </a:lstStyle>
           <a:p>
-            <a:pPr/>
             <a:r>
               <a:t>Body Level One</a:t>
             </a:r>
@@ -8078,7 +8149,9 @@
       <p:sp>
         <p:nvSpPr>
           <p:cNvPr id="57" name="Slide Number"/>
-          <p:cNvSpPr txBox="1"/>
+          <p:cNvSpPr txBox="1">
+            <a:spLocks noGrp="1"/>
+          </p:cNvSpPr>
           <p:nvPr>
             <p:ph type="sldNum" sz="quarter" idx="2"/>
           </p:nvPr>
@@ -8092,8 +8165,10 @@
           <a:bodyPr/>
           <a:lstStyle/>
           <a:p>
-            <a:pPr/>
-            <a:fld id="{86CB4B4D-7CA3-9044-876B-883B54F8677D}" type="slidenum"/>
+            <a:fld id="{86CB4B4D-7CA3-9044-876B-883B54F8677D}" type="slidenum">
+              <a:t>‹#›</a:t>
+            </a:fld>
+            <a:endParaRPr/>
           </a:p>
         </p:txBody>
       </p:sp>
@@ -8102,12 +8177,12 @@
   <p:clrMapOvr>
     <a:masterClrMapping/>
   </p:clrMapOvr>
-  <p:transition xmlns:p14="http://schemas.microsoft.com/office/powerpoint/2010/main" spd="med" advClick="1"/>
+  <p:transition spd="med"/>
 </p:sldLayout>
 </file>
 
 <file path=ppt/slideLayouts/slideLayout7.xml><?xml version="1.0" encoding="utf-8"?>
-<p:sldLayout xmlns:a="http://schemas.openxmlformats.org/drawingml/2006/main" xmlns:r="http://schemas.openxmlformats.org/officeDocument/2006/relationships" xmlns:p="http://schemas.openxmlformats.org/presentationml/2006/main" xmlns:m="http://schemas.openxmlformats.org/officeDocument/2006/math" xmlns:a14="http://schemas.microsoft.com/office/drawing/2010/main" type="tx" showMasterSp="1" showMasterPhAnim="1">
+<p:sldLayout xmlns:a="http://schemas.openxmlformats.org/drawingml/2006/main" xmlns:r="http://schemas.openxmlformats.org/officeDocument/2006/relationships" xmlns:p="http://schemas.openxmlformats.org/presentationml/2006/main" type="tx">
   <p:cSld name="MAIN_POINT">
     <p:spTree>
       <p:nvGrpSpPr>
@@ -8126,7 +8201,9 @@
       <p:sp>
         <p:nvSpPr>
           <p:cNvPr id="64" name="Title Text"/>
-          <p:cNvSpPr txBox="1"/>
+          <p:cNvSpPr txBox="1">
+            <a:spLocks noGrp="1"/>
+          </p:cNvSpPr>
           <p:nvPr>
             <p:ph type="title"/>
           </p:nvPr>
@@ -8148,7 +8225,6 @@
             </a:lvl1pPr>
           </a:lstStyle>
           <a:p>
-            <a:pPr/>
             <a:r>
               <a:t>Title Text</a:t>
             </a:r>
@@ -8158,7 +8234,9 @@
       <p:sp>
         <p:nvSpPr>
           <p:cNvPr id="65" name="Slide Number"/>
-          <p:cNvSpPr txBox="1"/>
+          <p:cNvSpPr txBox="1">
+            <a:spLocks noGrp="1"/>
+          </p:cNvSpPr>
           <p:nvPr>
             <p:ph type="sldNum" sz="quarter" idx="2"/>
           </p:nvPr>
@@ -8172,8 +8250,10 @@
           <a:bodyPr/>
           <a:lstStyle/>
           <a:p>
-            <a:pPr/>
-            <a:fld id="{86CB4B4D-7CA3-9044-876B-883B54F8677D}" type="slidenum"/>
+            <a:fld id="{86CB4B4D-7CA3-9044-876B-883B54F8677D}" type="slidenum">
+              <a:t>‹#›</a:t>
+            </a:fld>
+            <a:endParaRPr/>
           </a:p>
         </p:txBody>
       </p:sp>
@@ -8182,12 +8262,12 @@
   <p:clrMapOvr>
     <a:masterClrMapping/>
   </p:clrMapOvr>
-  <p:transition xmlns:p14="http://schemas.microsoft.com/office/powerpoint/2010/main" spd="med" advClick="1"/>
+  <p:transition spd="med"/>
 </p:sldLayout>
 </file>
 
 <file path=ppt/slideLayouts/slideLayout8.xml><?xml version="1.0" encoding="utf-8"?>
-<p:sldLayout xmlns:a="http://schemas.openxmlformats.org/drawingml/2006/main" xmlns:r="http://schemas.openxmlformats.org/officeDocument/2006/relationships" xmlns:p="http://schemas.openxmlformats.org/presentationml/2006/main" xmlns:m="http://schemas.openxmlformats.org/officeDocument/2006/math" xmlns:a14="http://schemas.microsoft.com/office/drawing/2010/main" type="tx" showMasterSp="1" showMasterPhAnim="1">
+<p:sldLayout xmlns:a="http://schemas.openxmlformats.org/drawingml/2006/main" xmlns:r="http://schemas.openxmlformats.org/officeDocument/2006/relationships" xmlns:p="http://schemas.openxmlformats.org/presentationml/2006/main" type="tx">
   <p:cSld name="SECTION_TITLE_AND_DESCRIPTION">
     <p:spTree>
       <p:nvGrpSpPr>
@@ -8228,14 +8308,16 @@
           <a:bodyPr lIns="45719" rIns="45719" anchor="ctr"/>
           <a:lstStyle/>
           <a:p>
-            <a:pPr/>
+            <a:endParaRPr/>
           </a:p>
         </p:txBody>
       </p:sp>
       <p:sp>
         <p:nvSpPr>
           <p:cNvPr id="73" name="Title Text"/>
-          <p:cNvSpPr txBox="1"/>
+          <p:cNvSpPr txBox="1">
+            <a:spLocks noGrp="1"/>
+          </p:cNvSpPr>
           <p:nvPr>
             <p:ph type="title"/>
           </p:nvPr>
@@ -8257,7 +8339,6 @@
             </a:lvl1pPr>
           </a:lstStyle>
           <a:p>
-            <a:pPr/>
             <a:r>
               <a:t>Title Text</a:t>
             </a:r>
@@ -8267,7 +8348,9 @@
       <p:sp>
         <p:nvSpPr>
           <p:cNvPr id="74" name="Body Level One…"/>
-          <p:cNvSpPr txBox="1"/>
+          <p:cNvSpPr txBox="1">
+            <a:spLocks noGrp="1"/>
+          </p:cNvSpPr>
           <p:nvPr>
             <p:ph type="body" sz="quarter" idx="1"/>
           </p:nvPr>
@@ -8336,7 +8419,6 @@
             </a:lvl5pPr>
           </a:lstStyle>
           <a:p>
-            <a:pPr/>
             <a:r>
               <a:t>Body Level One</a:t>
             </a:r>
@@ -8370,7 +8452,9 @@
       <p:sp>
         <p:nvSpPr>
           <p:cNvPr id="75" name="Google Shape;39;p9"/>
-          <p:cNvSpPr txBox="1"/>
+          <p:cNvSpPr txBox="1">
+            <a:spLocks noGrp="1"/>
+          </p:cNvSpPr>
           <p:nvPr>
             <p:ph type="body" sz="half" idx="13"/>
           </p:nvPr>
@@ -8388,14 +8472,16 @@
           <a:bodyPr anchor="ctr"/>
           <a:lstStyle/>
           <a:p>
-            <a:pPr/>
+            <a:endParaRPr/>
           </a:p>
         </p:txBody>
       </p:sp>
       <p:sp>
         <p:nvSpPr>
           <p:cNvPr id="76" name="Slide Number"/>
-          <p:cNvSpPr txBox="1"/>
+          <p:cNvSpPr txBox="1">
+            <a:spLocks noGrp="1"/>
+          </p:cNvSpPr>
           <p:nvPr>
             <p:ph type="sldNum" sz="quarter" idx="2"/>
           </p:nvPr>
@@ -8409,8 +8495,10 @@
           <a:bodyPr/>
           <a:lstStyle/>
           <a:p>
-            <a:pPr/>
-            <a:fld id="{86CB4B4D-7CA3-9044-876B-883B54F8677D}" type="slidenum"/>
+            <a:fld id="{86CB4B4D-7CA3-9044-876B-883B54F8677D}" type="slidenum">
+              <a:t>‹#›</a:t>
+            </a:fld>
+            <a:endParaRPr/>
           </a:p>
         </p:txBody>
       </p:sp>
@@ -8419,12 +8507,12 @@
   <p:clrMapOvr>
     <a:masterClrMapping/>
   </p:clrMapOvr>
-  <p:transition xmlns:p14="http://schemas.microsoft.com/office/powerpoint/2010/main" spd="med" advClick="1"/>
+  <p:transition spd="med"/>
 </p:sldLayout>
 </file>
 
 <file path=ppt/slideLayouts/slideLayout9.xml><?xml version="1.0" encoding="utf-8"?>
-<p:sldLayout xmlns:a="http://schemas.openxmlformats.org/drawingml/2006/main" xmlns:r="http://schemas.openxmlformats.org/officeDocument/2006/relationships" xmlns:p="http://schemas.openxmlformats.org/presentationml/2006/main" xmlns:m="http://schemas.openxmlformats.org/officeDocument/2006/math" xmlns:a14="http://schemas.microsoft.com/office/drawing/2010/main" type="tx" showMasterSp="1" showMasterPhAnim="1">
+<p:sldLayout xmlns:a="http://schemas.openxmlformats.org/drawingml/2006/main" xmlns:r="http://schemas.openxmlformats.org/officeDocument/2006/relationships" xmlns:p="http://schemas.openxmlformats.org/presentationml/2006/main" type="tx">
   <p:cSld name="CAPTION_ONLY">
     <p:spTree>
       <p:nvGrpSpPr>
@@ -8443,7 +8531,9 @@
       <p:sp>
         <p:nvSpPr>
           <p:cNvPr id="83" name="Body Level One…"/>
-          <p:cNvSpPr txBox="1"/>
+          <p:cNvSpPr txBox="1">
+            <a:spLocks noGrp="1"/>
+          </p:cNvSpPr>
           <p:nvPr>
             <p:ph type="body" sz="quarter" idx="1"/>
           </p:nvPr>
@@ -8499,7 +8589,6 @@
             </a:lvl5pPr>
           </a:lstStyle>
           <a:p>
-            <a:pPr/>
             <a:r>
               <a:t>Body Level One</a:t>
             </a:r>
@@ -8533,7 +8622,9 @@
       <p:sp>
         <p:nvSpPr>
           <p:cNvPr id="84" name="Slide Number"/>
-          <p:cNvSpPr txBox="1"/>
+          <p:cNvSpPr txBox="1">
+            <a:spLocks noGrp="1"/>
+          </p:cNvSpPr>
           <p:nvPr>
             <p:ph type="sldNum" sz="quarter" idx="2"/>
           </p:nvPr>
@@ -8547,8 +8638,10 @@
           <a:bodyPr/>
           <a:lstStyle/>
           <a:p>
-            <a:pPr/>
-            <a:fld id="{86CB4B4D-7CA3-9044-876B-883B54F8677D}" type="slidenum"/>
+            <a:fld id="{86CB4B4D-7CA3-9044-876B-883B54F8677D}" type="slidenum">
+              <a:t>‹#›</a:t>
+            </a:fld>
+            <a:endParaRPr/>
           </a:p>
         </p:txBody>
       </p:sp>
@@ -8557,18 +8650,19 @@
   <p:clrMapOvr>
     <a:masterClrMapping/>
   </p:clrMapOvr>
-  <p:transition xmlns:p14="http://schemas.microsoft.com/office/powerpoint/2010/main" spd="med" advClick="1"/>
+  <p:transition spd="med"/>
 </p:sldLayout>
 </file>
 
 <file path=ppt/slideMasters/slideMaster1.xml><?xml version="1.0" encoding="utf-8"?>
-<p:sldMaster xmlns:a="http://schemas.openxmlformats.org/drawingml/2006/main" xmlns:r="http://schemas.openxmlformats.org/officeDocument/2006/relationships" xmlns:p="http://schemas.openxmlformats.org/presentationml/2006/main" xmlns:m="http://schemas.openxmlformats.org/officeDocument/2006/math" xmlns:a14="http://schemas.microsoft.com/office/drawing/2010/main">
+<p:sldMaster xmlns:a="http://schemas.openxmlformats.org/drawingml/2006/main" xmlns:r="http://schemas.openxmlformats.org/officeDocument/2006/relationships" xmlns:p="http://schemas.openxmlformats.org/presentationml/2006/main">
   <p:cSld>
     <p:bg>
       <p:bgPr>
         <a:solidFill>
           <a:srgbClr val="FFFFFF"/>
         </a:solidFill>
+        <a:effectLst/>
       </p:bgPr>
     </p:bg>
     <p:spTree>
@@ -8588,7 +8682,9 @@
       <p:sp>
         <p:nvSpPr>
           <p:cNvPr id="2" name="Title Text"/>
-          <p:cNvSpPr txBox="1"/>
+          <p:cNvSpPr txBox="1">
+            <a:spLocks noGrp="1"/>
+          </p:cNvSpPr>
           <p:nvPr>
             <p:ph type="title"/>
           </p:nvPr>
@@ -8606,17 +8702,16 @@
           </a:ln>
           <a:extLst>
             <a:ext uri="{C572A759-6A51-4108-AA02-DFA0A04FC94B}">
-              <ma14:wrappingTextBoxFlag xmlns:ma14="http://schemas.microsoft.com/office/mac/drawingml/2011/main" val="1"/>
+              <ma14:wrappingTextBoxFlag xmlns:ma14="http://schemas.microsoft.com/office/mac/drawingml/2011/main" xmlns:a14="http://schemas.microsoft.com/office/drawing/2010/main" xmlns:m="http://schemas.openxmlformats.org/officeDocument/2006/math" xmlns="" val="1"/>
             </a:ext>
           </a:extLst>
         </p:spPr>
         <p:txBody>
           <a:bodyPr lIns="91424" tIns="91424" rIns="91424" bIns="91424">
-            <a:normAutofit fontScale="100000" lnSpcReduction="0"/>
+            <a:normAutofit/>
           </a:bodyPr>
           <a:lstStyle/>
           <a:p>
-            <a:pPr/>
             <a:r>
               <a:t>Title Text</a:t>
             </a:r>
@@ -8626,7 +8721,9 @@
       <p:sp>
         <p:nvSpPr>
           <p:cNvPr id="3" name="Body Level One…"/>
-          <p:cNvSpPr txBox="1"/>
+          <p:cNvSpPr txBox="1">
+            <a:spLocks noGrp="1"/>
+          </p:cNvSpPr>
           <p:nvPr>
             <p:ph type="body" idx="1"/>
           </p:nvPr>
@@ -8644,17 +8741,16 @@
           </a:ln>
           <a:extLst>
             <a:ext uri="{C572A759-6A51-4108-AA02-DFA0A04FC94B}">
-              <ma14:wrappingTextBoxFlag xmlns:ma14="http://schemas.microsoft.com/office/mac/drawingml/2011/main" val="1"/>
+              <ma14:wrappingTextBoxFlag xmlns:ma14="http://schemas.microsoft.com/office/mac/drawingml/2011/main" xmlns:a14="http://schemas.microsoft.com/office/drawing/2010/main" xmlns:m="http://schemas.openxmlformats.org/officeDocument/2006/math" xmlns="" val="1"/>
             </a:ext>
           </a:extLst>
         </p:spPr>
         <p:txBody>
           <a:bodyPr lIns="91424" tIns="91424" rIns="91424" bIns="91424">
-            <a:normAutofit fontScale="100000" lnSpcReduction="0"/>
+            <a:normAutofit/>
           </a:bodyPr>
           <a:lstStyle/>
           <a:p>
-            <a:pPr/>
             <a:r>
               <a:t>Body Level One</a:t>
             </a:r>
@@ -8688,7 +8784,9 @@
       <p:sp>
         <p:nvSpPr>
           <p:cNvPr id="4" name="Slide Number"/>
-          <p:cNvSpPr txBox="1"/>
+          <p:cNvSpPr txBox="1">
+            <a:spLocks noGrp="1"/>
+          </p:cNvSpPr>
           <p:nvPr>
             <p:ph type="sldNum" sz="quarter" idx="2"/>
           </p:nvPr>
@@ -8721,8 +8819,10 @@
             </a:lvl1pPr>
           </a:lstStyle>
           <a:p>
-            <a:pPr/>
-            <a:fld id="{86CB4B4D-7CA3-9044-876B-883B54F8677D}" type="slidenum"/>
+            <a:fld id="{86CB4B4D-7CA3-9044-876B-883B54F8677D}" type="slidenum">
+              <a:t>‹#›</a:t>
+            </a:fld>
+            <a:endParaRPr/>
           </a:p>
         </p:txBody>
       </p:sp>
@@ -8730,36 +8830,36 @@
   </p:cSld>
   <p:clrMap bg1="lt1" tx1="dk1" bg2="lt2" tx2="dk2" accent1="accent1" accent2="accent2" accent3="accent3" accent4="accent4" accent5="accent5" accent6="accent6" hlink="hlink" folHlink="folHlink"/>
   <p:sldLayoutIdLst>
-    <p:sldLayoutId id="2147483649" r:id="rId2"/>
-    <p:sldLayoutId id="2147483650" r:id="rId3"/>
-    <p:sldLayoutId id="2147483651" r:id="rId4"/>
-    <p:sldLayoutId id="2147483652" r:id="rId5"/>
-    <p:sldLayoutId id="2147483653" r:id="rId6"/>
-    <p:sldLayoutId id="2147483654" r:id="rId7"/>
-    <p:sldLayoutId id="2147483655" r:id="rId8"/>
-    <p:sldLayoutId id="2147483656" r:id="rId9"/>
-    <p:sldLayoutId id="2147483657" r:id="rId10"/>
-    <p:sldLayoutId id="2147483658" r:id="rId11"/>
-    <p:sldLayoutId id="2147483659" r:id="rId12"/>
-    <p:sldLayoutId id="2147483660" r:id="rId13"/>
-    <p:sldLayoutId id="2147483661" r:id="rId14"/>
-    <p:sldLayoutId id="2147483662" r:id="rId15"/>
-    <p:sldLayoutId id="2147483663" r:id="rId16"/>
-    <p:sldLayoutId id="2147483664" r:id="rId17"/>
-    <p:sldLayoutId id="2147483665" r:id="rId18"/>
-    <p:sldLayoutId id="2147483666" r:id="rId19"/>
-    <p:sldLayoutId id="2147483667" r:id="rId20"/>
-    <p:sldLayoutId id="2147483668" r:id="rId21"/>
-    <p:sldLayoutId id="2147483669" r:id="rId22"/>
-    <p:sldLayoutId id="2147483670" r:id="rId23"/>
-    <p:sldLayoutId id="2147483671" r:id="rId24"/>
-    <p:sldLayoutId id="2147483672" r:id="rId25"/>
-    <p:sldLayoutId id="2147483673" r:id="rId26"/>
-    <p:sldLayoutId id="2147483674" r:id="rId27"/>
-    <p:sldLayoutId id="2147483675" r:id="rId28"/>
-    <p:sldLayoutId id="2147483676" r:id="rId29"/>
+    <p:sldLayoutId id="2147483649" r:id="rId1"/>
+    <p:sldLayoutId id="2147483650" r:id="rId2"/>
+    <p:sldLayoutId id="2147483651" r:id="rId3"/>
+    <p:sldLayoutId id="2147483652" r:id="rId4"/>
+    <p:sldLayoutId id="2147483653" r:id="rId5"/>
+    <p:sldLayoutId id="2147483654" r:id="rId6"/>
+    <p:sldLayoutId id="2147483655" r:id="rId7"/>
+    <p:sldLayoutId id="2147483656" r:id="rId8"/>
+    <p:sldLayoutId id="2147483657" r:id="rId9"/>
+    <p:sldLayoutId id="2147483658" r:id="rId10"/>
+    <p:sldLayoutId id="2147483659" r:id="rId11"/>
+    <p:sldLayoutId id="2147483660" r:id="rId12"/>
+    <p:sldLayoutId id="2147483661" r:id="rId13"/>
+    <p:sldLayoutId id="2147483662" r:id="rId14"/>
+    <p:sldLayoutId id="2147483663" r:id="rId15"/>
+    <p:sldLayoutId id="2147483664" r:id="rId16"/>
+    <p:sldLayoutId id="2147483665" r:id="rId17"/>
+    <p:sldLayoutId id="2147483666" r:id="rId18"/>
+    <p:sldLayoutId id="2147483667" r:id="rId19"/>
+    <p:sldLayoutId id="2147483668" r:id="rId20"/>
+    <p:sldLayoutId id="2147483669" r:id="rId21"/>
+    <p:sldLayoutId id="2147483670" r:id="rId22"/>
+    <p:sldLayoutId id="2147483671" r:id="rId23"/>
+    <p:sldLayoutId id="2147483672" r:id="rId24"/>
+    <p:sldLayoutId id="2147483673" r:id="rId25"/>
+    <p:sldLayoutId id="2147483674" r:id="rId26"/>
+    <p:sldLayoutId id="2147483675" r:id="rId27"/>
+    <p:sldLayoutId id="2147483676" r:id="rId28"/>
   </p:sldLayoutIdLst>
-  <p:transition xmlns:p14="http://schemas.microsoft.com/office/powerpoint/2010/main" spd="med" advClick="1"/>
+  <p:transition spd="med"/>
   <p:txStyles>
     <p:titleStyle>
       <a:lvl1pPr marL="0" marR="0" indent="0" algn="l" defTabSz="914400" rtl="0" latinLnBrk="0">
@@ -8777,7 +8877,7 @@
         <a:buFontTx/>
         <a:buNone/>
         <a:tabLst/>
-        <a:defRPr b="0" baseline="0" cap="none" i="0" spc="0" strike="noStrike" sz="2800" u="none">
+        <a:defRPr sz="2800" b="0" i="0" u="none" strike="noStrike" cap="none" spc="0" baseline="0">
           <a:solidFill>
             <a:srgbClr val="000000"/>
           </a:solidFill>
@@ -8803,7 +8903,7 @@
         <a:buFontTx/>
         <a:buNone/>
         <a:tabLst/>
-        <a:defRPr b="0" baseline="0" cap="none" i="0" spc="0" strike="noStrike" sz="2800" u="none">
+        <a:defRPr sz="2800" b="0" i="0" u="none" strike="noStrike" cap="none" spc="0" baseline="0">
           <a:solidFill>
             <a:srgbClr val="000000"/>
           </a:solidFill>
@@ -8829,7 +8929,7 @@
         <a:buFontTx/>
         <a:buNone/>
         <a:tabLst/>
-        <a:defRPr b="0" baseline="0" cap="none" i="0" spc="0" strike="noStrike" sz="2800" u="none">
+        <a:defRPr sz="2800" b="0" i="0" u="none" strike="noStrike" cap="none" spc="0" baseline="0">
           <a:solidFill>
             <a:srgbClr val="000000"/>
           </a:solidFill>
@@ -8855,7 +8955,7 @@
         <a:buFontTx/>
         <a:buNone/>
         <a:tabLst/>
-        <a:defRPr b="0" baseline="0" cap="none" i="0" spc="0" strike="noStrike" sz="2800" u="none">
+        <a:defRPr sz="2800" b="0" i="0" u="none" strike="noStrike" cap="none" spc="0" baseline="0">
           <a:solidFill>
             <a:srgbClr val="000000"/>
           </a:solidFill>
@@ -8881,7 +8981,7 @@
         <a:buFontTx/>
         <a:buNone/>
         <a:tabLst/>
-        <a:defRPr b="0" baseline="0" cap="none" i="0" spc="0" strike="noStrike" sz="2800" u="none">
+        <a:defRPr sz="2800" b="0" i="0" u="none" strike="noStrike" cap="none" spc="0" baseline="0">
           <a:solidFill>
             <a:srgbClr val="000000"/>
           </a:solidFill>
@@ -8907,7 +9007,7 @@
         <a:buFontTx/>
         <a:buNone/>
         <a:tabLst/>
-        <a:defRPr b="0" baseline="0" cap="none" i="0" spc="0" strike="noStrike" sz="2800" u="none">
+        <a:defRPr sz="2800" b="0" i="0" u="none" strike="noStrike" cap="none" spc="0" baseline="0">
           <a:solidFill>
             <a:srgbClr val="000000"/>
           </a:solidFill>
@@ -8933,7 +9033,7 @@
         <a:buFontTx/>
         <a:buNone/>
         <a:tabLst/>
-        <a:defRPr b="0" baseline="0" cap="none" i="0" spc="0" strike="noStrike" sz="2800" u="none">
+        <a:defRPr sz="2800" b="0" i="0" u="none" strike="noStrike" cap="none" spc="0" baseline="0">
           <a:solidFill>
             <a:srgbClr val="000000"/>
           </a:solidFill>
@@ -8959,7 +9059,7 @@
         <a:buFontTx/>
         <a:buNone/>
         <a:tabLst/>
-        <a:defRPr b="0" baseline="0" cap="none" i="0" spc="0" strike="noStrike" sz="2800" u="none">
+        <a:defRPr sz="2800" b="0" i="0" u="none" strike="noStrike" cap="none" spc="0" baseline="0">
           <a:solidFill>
             <a:srgbClr val="000000"/>
           </a:solidFill>
@@ -8985,7 +9085,7 @@
         <a:buFontTx/>
         <a:buNone/>
         <a:tabLst/>
-        <a:defRPr b="0" baseline="0" cap="none" i="0" spc="0" strike="noStrike" sz="2800" u="none">
+        <a:defRPr sz="2800" b="0" i="0" u="none" strike="noStrike" cap="none" spc="0" baseline="0">
           <a:solidFill>
             <a:srgbClr val="000000"/>
           </a:solidFill>
@@ -9017,7 +9117,7 @@
         <a:buFont typeface="Arial"/>
         <a:buChar char="●"/>
         <a:tabLst/>
-        <a:defRPr b="0" baseline="0" cap="none" i="0" spc="0" strike="noStrike" sz="1800" u="none">
+        <a:defRPr sz="1800" b="0" i="0" u="none" strike="noStrike" cap="none" spc="0" baseline="0">
           <a:solidFill>
             <a:schemeClr val="accent2">
               <a:lumOff val="21764"/>
@@ -9049,7 +9149,7 @@
         <a:buFont typeface="Arial"/>
         <a:buChar char="○"/>
         <a:tabLst/>
-        <a:defRPr b="0" baseline="0" cap="none" i="0" spc="0" strike="noStrike" sz="1800" u="none">
+        <a:defRPr sz="1800" b="0" i="0" u="none" strike="noStrike" cap="none" spc="0" baseline="0">
           <a:solidFill>
             <a:schemeClr val="accent2">
               <a:lumOff val="21764"/>
@@ -9081,7 +9181,7 @@
         <a:buFont typeface="Arial"/>
         <a:buChar char="■"/>
         <a:tabLst/>
-        <a:defRPr b="0" baseline="0" cap="none" i="0" spc="0" strike="noStrike" sz="1800" u="none">
+        <a:defRPr sz="1800" b="0" i="0" u="none" strike="noStrike" cap="none" spc="0" baseline="0">
           <a:solidFill>
             <a:schemeClr val="accent2">
               <a:lumOff val="21764"/>
@@ -9113,7 +9213,7 @@
         <a:buFont typeface="Arial"/>
         <a:buChar char="●"/>
         <a:tabLst/>
-        <a:defRPr b="0" baseline="0" cap="none" i="0" spc="0" strike="noStrike" sz="1800" u="none">
+        <a:defRPr sz="1800" b="0" i="0" u="none" strike="noStrike" cap="none" spc="0" baseline="0">
           <a:solidFill>
             <a:schemeClr val="accent2">
               <a:lumOff val="21764"/>
@@ -9145,7 +9245,7 @@
         <a:buFont typeface="Arial"/>
         <a:buChar char="○"/>
         <a:tabLst/>
-        <a:defRPr b="0" baseline="0" cap="none" i="0" spc="0" strike="noStrike" sz="1800" u="none">
+        <a:defRPr sz="1800" b="0" i="0" u="none" strike="noStrike" cap="none" spc="0" baseline="0">
           <a:solidFill>
             <a:schemeClr val="accent2">
               <a:lumOff val="21764"/>
@@ -9177,7 +9277,7 @@
         <a:buFont typeface="Arial"/>
         <a:buChar char="■"/>
         <a:tabLst/>
-        <a:defRPr b="0" baseline="0" cap="none" i="0" spc="0" strike="noStrike" sz="1800" u="none">
+        <a:defRPr sz="1800" b="0" i="0" u="none" strike="noStrike" cap="none" spc="0" baseline="0">
           <a:solidFill>
             <a:schemeClr val="accent2">
               <a:lumOff val="21764"/>
@@ -9209,7 +9309,7 @@
         <a:buFont typeface="Arial"/>
         <a:buChar char="●"/>
         <a:tabLst/>
-        <a:defRPr b="0" baseline="0" cap="none" i="0" spc="0" strike="noStrike" sz="1800" u="none">
+        <a:defRPr sz="1800" b="0" i="0" u="none" strike="noStrike" cap="none" spc="0" baseline="0">
           <a:solidFill>
             <a:schemeClr val="accent2">
               <a:lumOff val="21764"/>
@@ -9241,7 +9341,7 @@
         <a:buFont typeface="Arial"/>
         <a:buChar char="○"/>
         <a:tabLst/>
-        <a:defRPr b="0" baseline="0" cap="none" i="0" spc="0" strike="noStrike" sz="1800" u="none">
+        <a:defRPr sz="1800" b="0" i="0" u="none" strike="noStrike" cap="none" spc="0" baseline="0">
           <a:solidFill>
             <a:schemeClr val="accent2">
               <a:lumOff val="21764"/>
@@ -9273,7 +9373,7 @@
         <a:buFont typeface="Arial"/>
         <a:buChar char="■"/>
         <a:tabLst/>
-        <a:defRPr b="0" baseline="0" cap="none" i="0" spc="0" strike="noStrike" sz="1800" u="none">
+        <a:defRPr sz="1800" b="0" i="0" u="none" strike="noStrike" cap="none" spc="0" baseline="0">
           <a:solidFill>
             <a:schemeClr val="accent2">
               <a:lumOff val="21764"/>
@@ -9303,7 +9403,7 @@
         <a:buFontTx/>
         <a:buNone/>
         <a:tabLst/>
-        <a:defRPr b="0" baseline="0" cap="none" i="0" spc="0" strike="noStrike" sz="1000" u="none">
+        <a:defRPr sz="1000" b="0" i="0" u="none" strike="noStrike" cap="none" spc="0" baseline="0">
           <a:solidFill>
             <a:schemeClr val="tx1"/>
           </a:solidFill>
@@ -9329,7 +9429,7 @@
         <a:buFontTx/>
         <a:buNone/>
         <a:tabLst/>
-        <a:defRPr b="0" baseline="0" cap="none" i="0" spc="0" strike="noStrike" sz="1000" u="none">
+        <a:defRPr sz="1000" b="0" i="0" u="none" strike="noStrike" cap="none" spc="0" baseline="0">
           <a:solidFill>
             <a:schemeClr val="tx1"/>
           </a:solidFill>
@@ -9355,7 +9455,7 @@
         <a:buFontTx/>
         <a:buNone/>
         <a:tabLst/>
-        <a:defRPr b="0" baseline="0" cap="none" i="0" spc="0" strike="noStrike" sz="1000" u="none">
+        <a:defRPr sz="1000" b="0" i="0" u="none" strike="noStrike" cap="none" spc="0" baseline="0">
           <a:solidFill>
             <a:schemeClr val="tx1"/>
           </a:solidFill>
@@ -9381,7 +9481,7 @@
         <a:buFontTx/>
         <a:buNone/>
         <a:tabLst/>
-        <a:defRPr b="0" baseline="0" cap="none" i="0" spc="0" strike="noStrike" sz="1000" u="none">
+        <a:defRPr sz="1000" b="0" i="0" u="none" strike="noStrike" cap="none" spc="0" baseline="0">
           <a:solidFill>
             <a:schemeClr val="tx1"/>
           </a:solidFill>
@@ -9407,7 +9507,7 @@
         <a:buFontTx/>
         <a:buNone/>
         <a:tabLst/>
-        <a:defRPr b="0" baseline="0" cap="none" i="0" spc="0" strike="noStrike" sz="1000" u="none">
+        <a:defRPr sz="1000" b="0" i="0" u="none" strike="noStrike" cap="none" spc="0" baseline="0">
           <a:solidFill>
             <a:schemeClr val="tx1"/>
           </a:solidFill>
@@ -9433,7 +9533,7 @@
         <a:buFontTx/>
         <a:buNone/>
         <a:tabLst/>
-        <a:defRPr b="0" baseline="0" cap="none" i="0" spc="0" strike="noStrike" sz="1000" u="none">
+        <a:defRPr sz="1000" b="0" i="0" u="none" strike="noStrike" cap="none" spc="0" baseline="0">
           <a:solidFill>
             <a:schemeClr val="tx1"/>
           </a:solidFill>
@@ -9459,7 +9559,7 @@
         <a:buFontTx/>
         <a:buNone/>
         <a:tabLst/>
-        <a:defRPr b="0" baseline="0" cap="none" i="0" spc="0" strike="noStrike" sz="1000" u="none">
+        <a:defRPr sz="1000" b="0" i="0" u="none" strike="noStrike" cap="none" spc="0" baseline="0">
           <a:solidFill>
             <a:schemeClr val="tx1"/>
           </a:solidFill>
@@ -9485,7 +9585,7 @@
         <a:buFontTx/>
         <a:buNone/>
         <a:tabLst/>
-        <a:defRPr b="0" baseline="0" cap="none" i="0" spc="0" strike="noStrike" sz="1000" u="none">
+        <a:defRPr sz="1000" b="0" i="0" u="none" strike="noStrike" cap="none" spc="0" baseline="0">
           <a:solidFill>
             <a:schemeClr val="tx1"/>
           </a:solidFill>
@@ -9511,7 +9611,7 @@
         <a:buFontTx/>
         <a:buNone/>
         <a:tabLst/>
-        <a:defRPr b="0" baseline="0" cap="none" i="0" spc="0" strike="noStrike" sz="1000" u="none">
+        <a:defRPr sz="1000" b="0" i="0" u="none" strike="noStrike" cap="none" spc="0" baseline="0">
           <a:solidFill>
             <a:schemeClr val="tx1"/>
           </a:solidFill>
@@ -9528,7 +9628,7 @@
 </file>
 
 <file path=ppt/slides/slide1.xml><?xml version="1.0" encoding="utf-8"?>
-<p:sld xmlns:a="http://schemas.openxmlformats.org/drawingml/2006/main" xmlns:r="http://schemas.openxmlformats.org/officeDocument/2006/relationships" xmlns:p="http://schemas.openxmlformats.org/presentationml/2006/main" xmlns:m="http://schemas.openxmlformats.org/officeDocument/2006/math" xmlns:a14="http://schemas.microsoft.com/office/drawing/2010/main" showMasterSp="1" showMasterPhAnim="1">
+<p:sld xmlns:a="http://schemas.openxmlformats.org/drawingml/2006/main" xmlns:r="http://schemas.openxmlformats.org/officeDocument/2006/relationships" xmlns:p="http://schemas.openxmlformats.org/presentationml/2006/main">
   <p:cSld>
     <p:spTree>
       <p:nvGrpSpPr>
@@ -9570,7 +9670,7 @@
           <a:bodyPr lIns="45719" rIns="45719" anchor="ctr"/>
           <a:lstStyle/>
           <a:p>
-            <a:pPr/>
+            <a:endParaRPr/>
           </a:p>
         </p:txBody>
       </p:sp>
@@ -9629,7 +9729,7 @@
           <a:bodyPr lIns="45719" rIns="45719" anchor="ctr"/>
           <a:lstStyle/>
           <a:p>
-            <a:pPr/>
+            <a:endParaRPr/>
           </a:p>
         </p:txBody>
       </p:sp>
@@ -9641,8 +9741,8 @@
         </p:nvSpPr>
         <p:spPr>
           <a:xfrm>
-            <a:off x="4713416" y="2641819"/>
-            <a:ext cx="1988701" cy="898201"/>
+            <a:off x="4713415" y="2641818"/>
+            <a:ext cx="2103120" cy="1005840"/>
           </a:xfrm>
           <a:prstGeom prst="roundRect">
             <a:avLst>
@@ -9659,7 +9759,7 @@
           <a:bodyPr lIns="45719" rIns="45719" anchor="ctr"/>
           <a:lstStyle/>
           <a:p>
-            <a:pPr/>
+            <a:endParaRPr/>
           </a:p>
         </p:txBody>
       </p:sp>
@@ -9671,8 +9771,8 @@
         </p:nvSpPr>
         <p:spPr>
           <a:xfrm>
-            <a:off x="5180341" y="3249268"/>
-            <a:ext cx="1065301" cy="330680"/>
+            <a:off x="5303520" y="3383280"/>
+            <a:ext cx="914400" cy="182880"/>
           </a:xfrm>
           <a:prstGeom prst="rect">
             <a:avLst/>
@@ -9682,7 +9782,7 @@
           </a:ln>
           <a:extLst>
             <a:ext uri="{C572A759-6A51-4108-AA02-DFA0A04FC94B}">
-              <ma14:wrappingTextBoxFlag xmlns:ma14="http://schemas.microsoft.com/office/mac/drawingml/2011/main" val="1"/>
+              <ma14:wrappingTextBoxFlag xmlns:ma14="http://schemas.microsoft.com/office/mac/drawingml/2011/main" xmlns:a14="http://schemas.microsoft.com/office/drawing/2010/main" xmlns:m="http://schemas.openxmlformats.org/officeDocument/2006/math" xmlns="" val="1"/>
             </a:ext>
           </a:extLst>
         </p:spPr>
@@ -9696,7 +9796,6 @@
             </a:lvl1pPr>
           </a:lstStyle>
           <a:p>
-            <a:pPr/>
             <a:r>
               <a:t>static pods</a:t>
             </a:r>
@@ -9730,7 +9829,7 @@
           <a:bodyPr lIns="45719" rIns="45719" anchor="ctr"/>
           <a:lstStyle/>
           <a:p>
-            <a:pPr/>
+            <a:endParaRPr/>
           </a:p>
         </p:txBody>
       </p:sp>
@@ -9788,6 +9887,7 @@
                   <a:sym typeface="Consolas"/>
                 </a:defRPr>
               </a:pPr>
+              <a:endParaRPr/>
             </a:p>
           </p:txBody>
         </p:sp>
@@ -9813,7 +9913,7 @@
             <a:effectLst/>
             <a:extLst>
               <a:ext uri="{C572A759-6A51-4108-AA02-DFA0A04FC94B}">
-                <ma14:wrappingTextBoxFlag xmlns:ma14="http://schemas.microsoft.com/office/mac/drawingml/2011/main" val="1"/>
+                <ma14:wrappingTextBoxFlag xmlns:ma14="http://schemas.microsoft.com/office/mac/drawingml/2011/main" xmlns:a14="http://schemas.microsoft.com/office/drawing/2010/main" xmlns:m="http://schemas.openxmlformats.org/officeDocument/2006/math" xmlns="" val="1"/>
               </a:ext>
             </a:extLst>
           </p:spPr>
@@ -9832,7 +9932,6 @@
               </a:lvl1pPr>
             </a:lstStyle>
             <a:p>
-              <a:pPr/>
               <a:r>
                 <a:t>kube-system</a:t>
               </a:r>
@@ -9842,100 +9941,13 @@
       </p:grpSp>
       <p:sp>
         <p:nvSpPr>
-          <p:cNvPr id="378" name="Google Shape;589;p33"/>
-          <p:cNvSpPr/>
-          <p:nvPr/>
-        </p:nvSpPr>
-        <p:spPr>
-          <a:xfrm flipV="1">
-            <a:off x="5068549" y="2167284"/>
-            <a:ext cx="1" cy="519601"/>
-          </a:xfrm>
-          <a:prstGeom prst="line">
-            <a:avLst/>
-          </a:prstGeom>
-          <a:ln w="19050">
-            <a:solidFill>
-              <a:srgbClr val="666666"/>
-            </a:solidFill>
-            <a:tailEnd type="triangle"/>
-          </a:ln>
-        </p:spPr>
-        <p:txBody>
-          <a:bodyPr lIns="45719" rIns="45719"/>
-          <a:lstStyle/>
-          <a:p>
-            <a:pPr/>
-          </a:p>
-        </p:txBody>
-      </p:sp>
-      <p:sp>
-        <p:nvSpPr>
-          <p:cNvPr id="379" name="Google Shape;590;p33"/>
-          <p:cNvSpPr/>
-          <p:nvPr/>
-        </p:nvSpPr>
-        <p:spPr>
-          <a:xfrm flipV="1">
-            <a:off x="5714262" y="2167284"/>
-            <a:ext cx="1" cy="519601"/>
-          </a:xfrm>
-          <a:prstGeom prst="line">
-            <a:avLst/>
-          </a:prstGeom>
-          <a:ln w="19050">
-            <a:solidFill>
-              <a:srgbClr val="666666"/>
-            </a:solidFill>
-            <a:tailEnd type="triangle"/>
-          </a:ln>
-        </p:spPr>
-        <p:txBody>
-          <a:bodyPr lIns="45719" rIns="45719"/>
-          <a:lstStyle/>
-          <a:p>
-            <a:pPr/>
-          </a:p>
-        </p:txBody>
-      </p:sp>
-      <p:sp>
-        <p:nvSpPr>
-          <p:cNvPr id="380" name="Google Shape;591;p33"/>
-          <p:cNvSpPr/>
-          <p:nvPr/>
-        </p:nvSpPr>
-        <p:spPr>
-          <a:xfrm flipV="1">
-            <a:off x="6358704" y="2167284"/>
-            <a:ext cx="8701" cy="519601"/>
-          </a:xfrm>
-          <a:prstGeom prst="line">
-            <a:avLst/>
-          </a:prstGeom>
-          <a:ln w="19050">
-            <a:solidFill>
-              <a:srgbClr val="666666"/>
-            </a:solidFill>
-            <a:tailEnd type="triangle"/>
-          </a:ln>
-        </p:spPr>
-        <p:txBody>
-          <a:bodyPr lIns="45719" rIns="45719"/>
-          <a:lstStyle/>
-          <a:p>
-            <a:pPr/>
-          </a:p>
-        </p:txBody>
-      </p:sp>
-      <p:sp>
-        <p:nvSpPr>
           <p:cNvPr id="381" name="Google Shape;592;p33"/>
           <p:cNvSpPr txBox="1"/>
           <p:nvPr/>
         </p:nvSpPr>
         <p:spPr>
           <a:xfrm>
-            <a:off x="6114153" y="1293889"/>
+            <a:off x="6175113" y="1293889"/>
             <a:ext cx="506701" cy="306112"/>
           </a:xfrm>
           <a:prstGeom prst="rect">
@@ -9946,7 +9958,7 @@
           </a:ln>
           <a:extLst>
             <a:ext uri="{C572A759-6A51-4108-AA02-DFA0A04FC94B}">
-              <ma14:wrappingTextBoxFlag xmlns:ma14="http://schemas.microsoft.com/office/mac/drawingml/2011/main" val="1"/>
+              <ma14:wrappingTextBoxFlag xmlns:ma14="http://schemas.microsoft.com/office/mac/drawingml/2011/main" xmlns:a14="http://schemas.microsoft.com/office/drawing/2010/main" xmlns:m="http://schemas.openxmlformats.org/officeDocument/2006/math" xmlns="" val="1"/>
             </a:ext>
           </a:extLst>
         </p:spPr>
@@ -9960,7 +9972,6 @@
             </a:lvl1pPr>
           </a:lstStyle>
           <a:p>
-            <a:pPr/>
             <a:r>
               <a:t>sched</a:t>
             </a:r>
@@ -9975,7 +9986,7 @@
         </p:nvSpPr>
         <p:spPr>
           <a:xfrm>
-            <a:off x="5459641" y="1293889"/>
+            <a:off x="5535841" y="1293889"/>
             <a:ext cx="506700" cy="306112"/>
           </a:xfrm>
           <a:prstGeom prst="rect">
@@ -9986,7 +9997,7 @@
           </a:ln>
           <a:extLst>
             <a:ext uri="{C572A759-6A51-4108-AA02-DFA0A04FC94B}">
-              <ma14:wrappingTextBoxFlag xmlns:ma14="http://schemas.microsoft.com/office/mac/drawingml/2011/main" val="1"/>
+              <ma14:wrappingTextBoxFlag xmlns:ma14="http://schemas.microsoft.com/office/mac/drawingml/2011/main" xmlns:a14="http://schemas.microsoft.com/office/drawing/2010/main" xmlns:m="http://schemas.openxmlformats.org/officeDocument/2006/math" xmlns="" val="1"/>
             </a:ext>
           </a:extLst>
         </p:spPr>
@@ -10000,7 +10011,6 @@
             </a:lvl1pPr>
           </a:lstStyle>
           <a:p>
-            <a:pPr/>
             <a:r>
               <a:t>c-m</a:t>
             </a:r>
@@ -10015,7 +10025,7 @@
         </p:nvSpPr>
         <p:spPr>
           <a:xfrm>
-            <a:off x="4813941" y="1293889"/>
+            <a:off x="4895221" y="1293889"/>
             <a:ext cx="506700" cy="306112"/>
           </a:xfrm>
           <a:prstGeom prst="rect">
@@ -10026,7 +10036,7 @@
           </a:ln>
           <a:extLst>
             <a:ext uri="{C572A759-6A51-4108-AA02-DFA0A04FC94B}">
-              <ma14:wrappingTextBoxFlag xmlns:ma14="http://schemas.microsoft.com/office/mac/drawingml/2011/main" val="1"/>
+              <ma14:wrappingTextBoxFlag xmlns:ma14="http://schemas.microsoft.com/office/mac/drawingml/2011/main" xmlns:a14="http://schemas.microsoft.com/office/drawing/2010/main" xmlns:m="http://schemas.openxmlformats.org/officeDocument/2006/math" xmlns="" val="1"/>
             </a:ext>
           </a:extLst>
         </p:spPr>
@@ -10040,7 +10050,6 @@
             </a:lvl1pPr>
           </a:lstStyle>
           <a:p>
-            <a:pPr/>
             <a:r>
               <a:t>api</a:t>
             </a:r>
@@ -10074,7 +10083,7 @@
           <a:bodyPr lIns="45719" rIns="45719" anchor="ctr"/>
           <a:lstStyle/>
           <a:p>
-            <a:pPr/>
+            <a:endParaRPr/>
           </a:p>
         </p:txBody>
       </p:sp>
@@ -10132,6 +10141,7 @@
                   <a:sym typeface="Consolas"/>
                 </a:defRPr>
               </a:pPr>
+              <a:endParaRPr/>
             </a:p>
           </p:txBody>
         </p:sp>
@@ -10157,7 +10167,7 @@
             <a:effectLst/>
             <a:extLst>
               <a:ext uri="{C572A759-6A51-4108-AA02-DFA0A04FC94B}">
-                <ma14:wrappingTextBoxFlag xmlns:ma14="http://schemas.microsoft.com/office/mac/drawingml/2011/main" val="1"/>
+                <ma14:wrappingTextBoxFlag xmlns:ma14="http://schemas.microsoft.com/office/mac/drawingml/2011/main" xmlns:a14="http://schemas.microsoft.com/office/drawing/2010/main" xmlns:m="http://schemas.openxmlformats.org/officeDocument/2006/math" xmlns="" val="1"/>
               </a:ext>
             </a:extLst>
           </p:spPr>
@@ -10176,7 +10186,6 @@
               </a:lvl1pPr>
             </a:lstStyle>
             <a:p>
-              <a:pPr/>
               <a:r>
                 <a:t>default</a:t>
               </a:r>
@@ -10186,14 +10195,699 @@
       </p:grpSp>
       <p:sp>
         <p:nvSpPr>
-          <p:cNvPr id="422" name="Google Shape;597;p33"/>
+          <p:cNvPr id="389" name="Google Shape;600;p33"/>
+          <p:cNvSpPr txBox="1"/>
+          <p:nvPr/>
+        </p:nvSpPr>
+        <p:spPr>
+          <a:xfrm>
+            <a:off x="3166379" y="1293889"/>
+            <a:ext cx="750001" cy="306112"/>
+          </a:xfrm>
+          <a:prstGeom prst="rect">
+            <a:avLst/>
+          </a:prstGeom>
+          <a:ln w="12700">
+            <a:miter lim="400000"/>
+          </a:ln>
+          <a:extLst>
+            <a:ext uri="{C572A759-6A51-4108-AA02-DFA0A04FC94B}">
+              <ma14:wrappingTextBoxFlag xmlns:ma14="http://schemas.microsoft.com/office/mac/drawingml/2011/main" xmlns:a14="http://schemas.microsoft.com/office/drawing/2010/main" xmlns:m="http://schemas.openxmlformats.org/officeDocument/2006/math" xmlns="" val="1"/>
+            </a:ext>
+          </a:extLst>
+        </p:spPr>
+        <p:txBody>
+          <a:bodyPr lIns="91424" tIns="91424" rIns="91424" bIns="91424" anchor="ctr">
+            <a:spAutoFit/>
+          </a:bodyPr>
+          <a:lstStyle>
+            <a:lvl1pPr algn="ctr">
+              <a:defRPr sz="900"/>
+            </a:lvl1pPr>
+          </a:lstStyle>
+          <a:p>
+            <a:r>
+              <a:t>kubernetes</a:t>
+            </a:r>
+          </a:p>
+        </p:txBody>
+      </p:sp>
+      <p:sp>
+        <p:nvSpPr>
+          <p:cNvPr id="390" name="Google Shape;601;p33"/>
+          <p:cNvSpPr txBox="1"/>
+          <p:nvPr/>
+        </p:nvSpPr>
+        <p:spPr>
+          <a:xfrm>
+            <a:off x="6754510" y="1293889"/>
+            <a:ext cx="626401" cy="306112"/>
+          </a:xfrm>
+          <a:prstGeom prst="rect">
+            <a:avLst/>
+          </a:prstGeom>
+          <a:ln w="12700">
+            <a:miter lim="400000"/>
+          </a:ln>
+          <a:extLst>
+            <a:ext uri="{C572A759-6A51-4108-AA02-DFA0A04FC94B}">
+              <ma14:wrappingTextBoxFlag xmlns:ma14="http://schemas.microsoft.com/office/mac/drawingml/2011/main" xmlns:a14="http://schemas.microsoft.com/office/drawing/2010/main" xmlns:m="http://schemas.openxmlformats.org/officeDocument/2006/math" xmlns="" val="1"/>
+            </a:ext>
+          </a:extLst>
+        </p:spPr>
+        <p:txBody>
+          <a:bodyPr lIns="91424" tIns="91424" rIns="91424" bIns="91424" anchor="ctr">
+            <a:spAutoFit/>
+          </a:bodyPr>
+          <a:lstStyle>
+            <a:lvl1pPr algn="ctr">
+              <a:defRPr sz="900"/>
+            </a:lvl1pPr>
+          </a:lstStyle>
+          <a:p>
+            <a:r>
+              <a:t>k-proxy</a:t>
+            </a:r>
+          </a:p>
+        </p:txBody>
+      </p:sp>
+      <p:sp>
+        <p:nvSpPr>
+          <p:cNvPr id="393" name="Google Shape;606;p33"/>
+          <p:cNvSpPr txBox="1"/>
+          <p:nvPr/>
+        </p:nvSpPr>
+        <p:spPr>
+          <a:xfrm>
+            <a:off x="5303520" y="4023360"/>
+            <a:ext cx="914400" cy="182880"/>
+          </a:xfrm>
+          <a:prstGeom prst="rect">
+            <a:avLst/>
+          </a:prstGeom>
+          <a:ln w="12700">
+            <a:miter lim="400000"/>
+          </a:ln>
+          <a:extLst>
+            <a:ext uri="{C572A759-6A51-4108-AA02-DFA0A04FC94B}">
+              <ma14:wrappingTextBoxFlag xmlns:ma14="http://schemas.microsoft.com/office/mac/drawingml/2011/main" xmlns:a14="http://schemas.microsoft.com/office/drawing/2010/main" xmlns:m="http://schemas.openxmlformats.org/officeDocument/2006/math" xmlns="" val="1"/>
+            </a:ext>
+          </a:extLst>
+        </p:spPr>
+        <p:txBody>
+          <a:bodyPr lIns="91424" tIns="91424" rIns="91424" bIns="91424" anchor="ctr">
+            <a:spAutoFit/>
+          </a:bodyPr>
+          <a:lstStyle>
+            <a:lvl1pPr algn="ctr">
+              <a:defRPr sz="1100"/>
+            </a:lvl1pPr>
+          </a:lstStyle>
+          <a:p>
+            <a:r>
+              <a:t>mirror pods</a:t>
+            </a:r>
+          </a:p>
+        </p:txBody>
+      </p:sp>
+      <p:pic>
+        <p:nvPicPr>
+          <p:cNvPr id="394" name="Google Shape;607;p33" descr="Google Shape;607;p33"/>
+          <p:cNvPicPr>
+            <a:picLocks noChangeAspect="1"/>
+          </p:cNvPicPr>
+          <p:nvPr/>
+        </p:nvPicPr>
+        <p:blipFill>
+          <a:blip r:embed="rId3">
+            <a:extLst/>
+          </a:blip>
+          <a:stretch>
+            <a:fillRect/>
+          </a:stretch>
+        </p:blipFill>
+        <p:spPr>
+          <a:xfrm>
+            <a:off x="4697871" y="743460"/>
+            <a:ext cx="598689" cy="597601"/>
+          </a:xfrm>
+          <a:prstGeom prst="rect">
+            <a:avLst/>
+          </a:prstGeom>
+          <a:ln w="12700">
+            <a:miter lim="400000"/>
+          </a:ln>
+        </p:spPr>
+      </p:pic>
+      <p:pic>
+        <p:nvPicPr>
+          <p:cNvPr id="395" name="Google Shape;604;p33" descr="Google Shape;604;p33"/>
+          <p:cNvPicPr>
+            <a:picLocks noChangeAspect="1"/>
+          </p:cNvPicPr>
+          <p:nvPr/>
+        </p:nvPicPr>
+        <p:blipFill>
+          <a:blip r:embed="rId4">
+            <a:extLst/>
+          </a:blip>
+          <a:stretch>
+            <a:fillRect/>
+          </a:stretch>
+        </p:blipFill>
+        <p:spPr>
+          <a:xfrm>
+            <a:off x="6766560" y="1552933"/>
+            <a:ext cx="599804" cy="599801"/>
+          </a:xfrm>
+          <a:prstGeom prst="rect">
+            <a:avLst/>
+          </a:prstGeom>
+          <a:ln w="12700">
+            <a:miter lim="400000"/>
+          </a:ln>
+        </p:spPr>
+      </p:pic>
+      <p:pic>
+        <p:nvPicPr>
+          <p:cNvPr id="396" name="Google Shape;605;p33" descr="Google Shape;605;p33"/>
+          <p:cNvPicPr>
+            <a:picLocks noChangeAspect="1"/>
+          </p:cNvPicPr>
+          <p:nvPr/>
+        </p:nvPicPr>
+        <p:blipFill>
+          <a:blip r:embed="rId5">
+            <a:extLst/>
+          </a:blip>
+          <a:stretch>
+            <a:fillRect/>
+          </a:stretch>
+        </p:blipFill>
+        <p:spPr>
+          <a:xfrm>
+            <a:off x="7772400" y="1554480"/>
+            <a:ext cx="599804" cy="599801"/>
+          </a:xfrm>
+          <a:prstGeom prst="rect">
+            <a:avLst/>
+          </a:prstGeom>
+          <a:ln w="12700">
+            <a:miter lim="400000"/>
+          </a:ln>
+        </p:spPr>
+      </p:pic>
+      <p:pic>
+        <p:nvPicPr>
+          <p:cNvPr id="397" name="Google Shape;608;p33" descr="Google Shape;608;p33"/>
+          <p:cNvPicPr>
+            <a:picLocks noChangeAspect="1"/>
+          </p:cNvPicPr>
+          <p:nvPr/>
+        </p:nvPicPr>
+        <p:blipFill>
+          <a:blip r:embed="rId6">
+            <a:extLst/>
+          </a:blip>
+          <a:stretch>
+            <a:fillRect/>
+          </a:stretch>
+        </p:blipFill>
+        <p:spPr>
+          <a:xfrm>
+            <a:off x="6766560" y="3566160"/>
+            <a:ext cx="596480" cy="597601"/>
+          </a:xfrm>
+          <a:prstGeom prst="rect">
+            <a:avLst/>
+          </a:prstGeom>
+          <a:ln w="12700">
+            <a:miter lim="400000"/>
+          </a:ln>
+        </p:spPr>
+      </p:pic>
+      <p:pic>
+        <p:nvPicPr>
+          <p:cNvPr id="398" name="Google Shape;609;p33" descr="Google Shape;609;p33"/>
+          <p:cNvPicPr>
+            <a:picLocks noChangeAspect="1"/>
+          </p:cNvPicPr>
+          <p:nvPr/>
+        </p:nvPicPr>
+        <p:blipFill>
+          <a:blip r:embed="rId7">
+            <a:extLst/>
+          </a:blip>
+          <a:stretch>
+            <a:fillRect/>
+          </a:stretch>
+        </p:blipFill>
+        <p:spPr>
+          <a:xfrm>
+            <a:off x="4308866" y="3671750"/>
+            <a:ext cx="597601" cy="597601"/>
+          </a:xfrm>
+          <a:prstGeom prst="rect">
+            <a:avLst/>
+          </a:prstGeom>
+          <a:ln w="12700">
+            <a:miter lim="400000"/>
+          </a:ln>
+        </p:spPr>
+      </p:pic>
+      <p:pic>
+        <p:nvPicPr>
+          <p:cNvPr id="399" name="Google Shape;610;p33" descr="Google Shape;610;p33"/>
+          <p:cNvPicPr>
+            <a:picLocks noChangeAspect="1"/>
+          </p:cNvPicPr>
+          <p:nvPr/>
+        </p:nvPicPr>
+        <p:blipFill>
+          <a:blip r:embed="rId4">
+            <a:extLst/>
+          </a:blip>
+          <a:stretch>
+            <a:fillRect/>
+          </a:stretch>
+        </p:blipFill>
+        <p:spPr>
+          <a:xfrm>
+            <a:off x="6126480" y="1552808"/>
+            <a:ext cx="599804" cy="599801"/>
+          </a:xfrm>
+          <a:prstGeom prst="rect">
+            <a:avLst/>
+          </a:prstGeom>
+          <a:ln w="12700">
+            <a:miter lim="400000"/>
+          </a:ln>
+        </p:spPr>
+      </p:pic>
+      <p:pic>
+        <p:nvPicPr>
+          <p:cNvPr id="400" name="Google Shape;611;p33" descr="Google Shape;611;p33"/>
+          <p:cNvPicPr>
+            <a:picLocks noChangeAspect="1"/>
+          </p:cNvPicPr>
+          <p:nvPr/>
+        </p:nvPicPr>
+        <p:blipFill>
+          <a:blip r:embed="rId4">
+            <a:extLst/>
+          </a:blip>
+          <a:stretch>
+            <a:fillRect/>
+          </a:stretch>
+        </p:blipFill>
+        <p:spPr>
+          <a:xfrm>
+            <a:off x="5486400" y="1552808"/>
+            <a:ext cx="599804" cy="599801"/>
+          </a:xfrm>
+          <a:prstGeom prst="rect">
+            <a:avLst/>
+          </a:prstGeom>
+          <a:ln w="12700">
+            <a:miter lim="400000"/>
+          </a:ln>
+        </p:spPr>
+      </p:pic>
+      <p:pic>
+        <p:nvPicPr>
+          <p:cNvPr id="401" name="Google Shape;599;p33" descr="Google Shape;599;p33"/>
+          <p:cNvPicPr>
+            <a:picLocks noChangeAspect="1"/>
+          </p:cNvPicPr>
+          <p:nvPr/>
+        </p:nvPicPr>
+        <p:blipFill>
+          <a:blip r:embed="rId4">
+            <a:extLst/>
+          </a:blip>
+          <a:stretch>
+            <a:fillRect/>
+          </a:stretch>
+        </p:blipFill>
+        <p:spPr>
+          <a:xfrm>
+            <a:off x="4846320" y="1552808"/>
+            <a:ext cx="599804" cy="599801"/>
+          </a:xfrm>
+          <a:prstGeom prst="rect">
+            <a:avLst/>
+          </a:prstGeom>
+          <a:ln w="12700">
+            <a:miter lim="400000"/>
+          </a:ln>
+        </p:spPr>
+      </p:pic>
+      <p:pic>
+        <p:nvPicPr>
+          <p:cNvPr id="402" name="Google Shape;612;p33" descr="Google Shape;612;p33"/>
+          <p:cNvPicPr>
+            <a:picLocks noChangeAspect="1"/>
+          </p:cNvPicPr>
+          <p:nvPr/>
+        </p:nvPicPr>
+        <p:blipFill>
+          <a:blip r:embed="rId3">
+            <a:extLst/>
+          </a:blip>
+          <a:stretch>
+            <a:fillRect/>
+          </a:stretch>
+        </p:blipFill>
+        <p:spPr>
+          <a:xfrm>
+            <a:off x="2483816" y="769610"/>
+            <a:ext cx="598689" cy="597601"/>
+          </a:xfrm>
+          <a:prstGeom prst="rect">
+            <a:avLst/>
+          </a:prstGeom>
+          <a:ln w="12700">
+            <a:miter lim="400000"/>
+          </a:ln>
+        </p:spPr>
+      </p:pic>
+      <p:pic>
+        <p:nvPicPr>
+          <p:cNvPr id="403" name="Google Shape;598;p33" descr="Google Shape;598;p33"/>
+          <p:cNvPicPr>
+            <a:picLocks noChangeAspect="1"/>
+          </p:cNvPicPr>
+          <p:nvPr/>
+        </p:nvPicPr>
+        <p:blipFill>
+          <a:blip r:embed="rId8">
+            <a:extLst/>
+          </a:blip>
+          <a:stretch>
+            <a:fillRect/>
+          </a:stretch>
+        </p:blipFill>
+        <p:spPr>
+          <a:xfrm>
+            <a:off x="3200400" y="1551851"/>
+            <a:ext cx="597832" cy="597826"/>
+          </a:xfrm>
+          <a:prstGeom prst="rect">
+            <a:avLst/>
+          </a:prstGeom>
+          <a:ln w="12700">
+            <a:miter lim="400000"/>
+          </a:ln>
+        </p:spPr>
+      </p:pic>
+      <p:pic>
+        <p:nvPicPr>
+          <p:cNvPr id="404" name="Google Shape;613;p33" descr="Google Shape;613;p33"/>
+          <p:cNvPicPr>
+            <a:picLocks noChangeAspect="1"/>
+          </p:cNvPicPr>
+          <p:nvPr/>
+        </p:nvPicPr>
+        <p:blipFill>
+          <a:blip r:embed="rId9">
+            <a:extLst/>
+          </a:blip>
+          <a:stretch>
+            <a:fillRect/>
+          </a:stretch>
+        </p:blipFill>
+        <p:spPr>
+          <a:xfrm>
+            <a:off x="6126480" y="2743200"/>
+            <a:ext cx="596480" cy="597601"/>
+          </a:xfrm>
+          <a:prstGeom prst="rect">
+            <a:avLst/>
+          </a:prstGeom>
+          <a:ln w="12700">
+            <a:miter lim="400000"/>
+          </a:ln>
+        </p:spPr>
+      </p:pic>
+      <p:pic>
+        <p:nvPicPr>
+          <p:cNvPr id="405" name="Google Shape;614;p33" descr="Google Shape;614;p33"/>
+          <p:cNvPicPr>
+            <a:picLocks noChangeAspect="1"/>
+          </p:cNvPicPr>
+          <p:nvPr/>
+        </p:nvPicPr>
+        <p:blipFill>
+          <a:blip r:embed="rId10">
+            <a:extLst/>
+          </a:blip>
+          <a:stretch>
+            <a:fillRect/>
+          </a:stretch>
+        </p:blipFill>
+        <p:spPr>
+          <a:xfrm>
+            <a:off x="4846320" y="2743200"/>
+            <a:ext cx="596480" cy="597601"/>
+          </a:xfrm>
+          <a:prstGeom prst="rect">
+            <a:avLst/>
+          </a:prstGeom>
+          <a:ln w="12700">
+            <a:miter lim="400000"/>
+          </a:ln>
+        </p:spPr>
+      </p:pic>
+      <p:pic>
+        <p:nvPicPr>
+          <p:cNvPr id="406" name="Google Shape;615;p33" descr="Google Shape;615;p33"/>
+          <p:cNvPicPr>
+            <a:picLocks noChangeAspect="1"/>
+          </p:cNvPicPr>
+          <p:nvPr/>
+        </p:nvPicPr>
+        <p:blipFill>
+          <a:blip r:embed="rId11">
+            <a:extLst/>
+          </a:blip>
+          <a:stretch>
+            <a:fillRect/>
+          </a:stretch>
+        </p:blipFill>
+        <p:spPr>
+          <a:xfrm>
+            <a:off x="5486400" y="2743200"/>
+            <a:ext cx="596480" cy="597601"/>
+          </a:xfrm>
+          <a:prstGeom prst="rect">
+            <a:avLst/>
+          </a:prstGeom>
+          <a:ln w="12700">
+            <a:miter lim="400000"/>
+          </a:ln>
+        </p:spPr>
+      </p:pic>
+      <p:sp>
+        <p:nvSpPr>
+          <p:cNvPr id="407" name="Google Shape;372;p27"/>
           <p:cNvSpPr/>
           <p:nvPr/>
         </p:nvSpPr>
         <p:spPr>
           <a:xfrm>
-            <a:off x="3539490" y="1849120"/>
-            <a:ext cx="1247140" cy="547370"/>
+            <a:off x="2193073" y="2636298"/>
+            <a:ext cx="2038201" cy="1646305"/>
+          </a:xfrm>
+          <a:prstGeom prst="roundRect">
+            <a:avLst>
+              <a:gd name="adj" fmla="val 9458"/>
+            </a:avLst>
+          </a:prstGeom>
+          <a:ln>
+            <a:solidFill>
+              <a:srgbClr val="000000"/>
+            </a:solidFill>
+            <a:prstDash val="dash"/>
+          </a:ln>
+        </p:spPr>
+        <p:txBody>
+          <a:bodyPr lIns="45719" rIns="45719" anchor="ctr"/>
+          <a:lstStyle/>
+          <a:p>
+            <a:endParaRPr/>
+          </a:p>
+        </p:txBody>
+      </p:sp>
+      <p:pic>
+        <p:nvPicPr>
+          <p:cNvPr id="410" name="Google Shape;389;p27" descr="Google Shape;389;p27"/>
+          <p:cNvPicPr>
+            <a:picLocks noChangeAspect="1"/>
+          </p:cNvPicPr>
+          <p:nvPr/>
+        </p:nvPicPr>
+        <p:blipFill>
+          <a:blip r:embed="rId3">
+            <a:extLst/>
+          </a:blip>
+          <a:stretch>
+            <a:fillRect/>
+          </a:stretch>
+        </p:blipFill>
+        <p:spPr>
+          <a:xfrm>
+            <a:off x="2218678" y="2383528"/>
+            <a:ext cx="598689" cy="597601"/>
+          </a:xfrm>
+          <a:prstGeom prst="rect">
+            <a:avLst/>
+          </a:prstGeom>
+          <a:ln w="12700">
+            <a:miter lim="400000"/>
+          </a:ln>
+        </p:spPr>
+      </p:pic>
+      <p:pic>
+        <p:nvPicPr>
+          <p:cNvPr id="411" name="Google Shape;379;p27" descr="Google Shape;379;p27"/>
+          <p:cNvPicPr>
+            <a:picLocks noChangeAspect="1"/>
+          </p:cNvPicPr>
+          <p:nvPr/>
+        </p:nvPicPr>
+        <p:blipFill>
+          <a:blip r:embed="rId4">
+            <a:extLst/>
+          </a:blip>
+          <a:stretch>
+            <a:fillRect/>
+          </a:stretch>
+        </p:blipFill>
+        <p:spPr>
+          <a:xfrm>
+            <a:off x="2377440" y="3291840"/>
+            <a:ext cx="599804" cy="599801"/>
+          </a:xfrm>
+          <a:prstGeom prst="rect">
+            <a:avLst/>
+          </a:prstGeom>
+          <a:ln w="12700">
+            <a:miter lim="400000"/>
+          </a:ln>
+        </p:spPr>
+      </p:pic>
+      <p:pic>
+        <p:nvPicPr>
+          <p:cNvPr id="412" name="Google Shape;386;p27" descr="Google Shape;386;p27"/>
+          <p:cNvPicPr>
+            <a:picLocks noChangeAspect="1"/>
+          </p:cNvPicPr>
+          <p:nvPr/>
+        </p:nvPicPr>
+        <p:blipFill>
+          <a:blip r:embed="rId12">
+            <a:extLst/>
+          </a:blip>
+          <a:stretch>
+            <a:fillRect/>
+          </a:stretch>
+        </p:blipFill>
+        <p:spPr>
+          <a:xfrm>
+            <a:off x="3393384" y="3738875"/>
+            <a:ext cx="505544" cy="505544"/>
+          </a:xfrm>
+          <a:prstGeom prst="rect">
+            <a:avLst/>
+          </a:prstGeom>
+          <a:ln w="12700">
+            <a:miter lim="400000"/>
+          </a:ln>
+        </p:spPr>
+      </p:pic>
+      <p:pic>
+        <p:nvPicPr>
+          <p:cNvPr id="413" name="Google Shape;388;p27" descr="Google Shape;388;p27"/>
+          <p:cNvPicPr>
+            <a:picLocks noChangeAspect="1"/>
+          </p:cNvPicPr>
+          <p:nvPr/>
+        </p:nvPicPr>
+        <p:blipFill>
+          <a:blip r:embed="rId13">
+            <a:extLst/>
+          </a:blip>
+          <a:stretch>
+            <a:fillRect/>
+          </a:stretch>
+        </p:blipFill>
+        <p:spPr>
+          <a:xfrm>
+            <a:off x="3393384" y="2921652"/>
+            <a:ext cx="505544" cy="505544"/>
+          </a:xfrm>
+          <a:prstGeom prst="rect">
+            <a:avLst/>
+          </a:prstGeom>
+          <a:ln w="12700">
+            <a:miter lim="400000"/>
+          </a:ln>
+        </p:spPr>
+      </p:pic>
+      <p:sp>
+        <p:nvSpPr>
+          <p:cNvPr id="415" name="Google Shape;413;p28"/>
+          <p:cNvSpPr txBox="1"/>
+          <p:nvPr/>
+        </p:nvSpPr>
+        <p:spPr>
+          <a:xfrm>
+            <a:off x="3086743" y="3518099"/>
+            <a:ext cx="1118825" cy="322551"/>
+          </a:xfrm>
+          <a:prstGeom prst="rect">
+            <a:avLst/>
+          </a:prstGeom>
+          <a:ln w="12700">
+            <a:miter lim="400000"/>
+          </a:ln>
+          <a:extLst>
+            <a:ext uri="{C572A759-6A51-4108-AA02-DFA0A04FC94B}">
+              <ma14:wrappingTextBoxFlag xmlns:ma14="http://schemas.microsoft.com/office/mac/drawingml/2011/main" xmlns:a14="http://schemas.microsoft.com/office/drawing/2010/main" xmlns:m="http://schemas.openxmlformats.org/officeDocument/2006/math" xmlns="" val="1"/>
+            </a:ext>
+          </a:extLst>
+        </p:spPr>
+        <p:txBody>
+          <a:bodyPr lIns="91424" tIns="91424" rIns="91424" bIns="91424" anchor="ctr">
+            <a:spAutoFit/>
+          </a:bodyPr>
+          <a:lstStyle>
+            <a:lvl1pPr algn="ctr">
+              <a:defRPr sz="900">
+                <a:latin typeface="Consolas"/>
+                <a:ea typeface="Consolas"/>
+                <a:cs typeface="Consolas"/>
+                <a:sym typeface="Consolas"/>
+              </a:defRPr>
+            </a:lvl1pPr>
+          </a:lstStyle>
+          <a:p>
+            <a:r>
+              <a:t>dockercfg</a:t>
+            </a:r>
+          </a:p>
+        </p:txBody>
+      </p:sp>
+      <p:sp>
+        <p:nvSpPr>
+          <p:cNvPr id="426" name="Google Shape;597;p33"/>
+          <p:cNvSpPr/>
+          <p:nvPr/>
+        </p:nvSpPr>
+        <p:spPr>
+          <a:xfrm>
+            <a:off x="1983740" y="1062144"/>
+            <a:ext cx="483891" cy="1617556"/>
           </a:xfrm>
           <a:custGeom>
             <a:avLst/>
@@ -10215,18 +10909,15 @@
             </a:cxnLst>
             <a:rect l="0" t="0" r="r" b="b"/>
             <a:pathLst>
-              <a:path w="21600" h="21600" fill="norm" stroke="1" extrusionOk="0">
+              <a:path w="21600" h="21600" extrusionOk="0">
                 <a:moveTo>
-                  <a:pt x="0" y="11577"/>
+                  <a:pt x="10562" y="21600"/>
                 </a:moveTo>
                 <a:lnTo>
                   <a:pt x="0" y="21600"/>
                 </a:lnTo>
                 <a:lnTo>
-                  <a:pt x="8446" y="21600"/>
-                </a:lnTo>
-                <a:lnTo>
-                  <a:pt x="8446" y="0"/>
+                  <a:pt x="0" y="0"/>
                 </a:lnTo>
                 <a:lnTo>
                   <a:pt x="21600" y="0"/>
@@ -10234,245 +10925,33 @@
               </a:path>
             </a:pathLst>
           </a:custGeom>
-          <a:ln w="28575">
+          <a:ln w="12700">
             <a:solidFill>
-              <a:schemeClr val="accent2">
-                <a:lumOff val="21764"/>
-              </a:schemeClr>
+              <a:srgbClr val="44546A"/>
             </a:solidFill>
-            <a:tailEnd type="triangle"/>
+            <a:miter lim="800000"/>
+            <a:headEnd w="med" len="sm"/>
+            <a:tailEnd type="arrow" w="med" len="sm"/>
           </a:ln>
         </p:spPr>
         <p:txBody>
           <a:bodyPr/>
           <a:lstStyle/>
           <a:p>
-            <a:pPr/>
-          </a:p>
-        </p:txBody>
-      </p:sp>
-      <p:sp>
-        <p:nvSpPr>
-          <p:cNvPr id="389" name="Google Shape;600;p33"/>
-          <p:cNvSpPr txBox="1"/>
-          <p:nvPr/>
-        </p:nvSpPr>
-        <p:spPr>
-          <a:xfrm>
-            <a:off x="3166379" y="1293889"/>
-            <a:ext cx="750001" cy="306112"/>
-          </a:xfrm>
-          <a:prstGeom prst="rect">
-            <a:avLst/>
-          </a:prstGeom>
-          <a:ln w="12700">
-            <a:miter lim="400000"/>
-          </a:ln>
-          <a:extLst>
-            <a:ext uri="{C572A759-6A51-4108-AA02-DFA0A04FC94B}">
-              <ma14:wrappingTextBoxFlag xmlns:ma14="http://schemas.microsoft.com/office/mac/drawingml/2011/main" val="1"/>
-            </a:ext>
-          </a:extLst>
-        </p:spPr>
-        <p:txBody>
-          <a:bodyPr lIns="91424" tIns="91424" rIns="91424" bIns="91424" anchor="ctr">
-            <a:spAutoFit/>
-          </a:bodyPr>
-          <a:lstStyle>
-            <a:lvl1pPr algn="ctr">
-              <a:defRPr sz="900"/>
-            </a:lvl1pPr>
-          </a:lstStyle>
-          <a:p>
-            <a:pPr/>
-            <a:r>
-              <a:t>kubernetes</a:t>
-            </a:r>
-          </a:p>
-        </p:txBody>
-      </p:sp>
-      <p:sp>
-        <p:nvSpPr>
-          <p:cNvPr id="390" name="Google Shape;601;p33"/>
-          <p:cNvSpPr txBox="1"/>
-          <p:nvPr/>
-        </p:nvSpPr>
-        <p:spPr>
-          <a:xfrm>
-            <a:off x="6708790" y="1293889"/>
-            <a:ext cx="626401" cy="306112"/>
-          </a:xfrm>
-          <a:prstGeom prst="rect">
-            <a:avLst/>
-          </a:prstGeom>
-          <a:ln w="12700">
-            <a:miter lim="400000"/>
-          </a:ln>
-          <a:extLst>
-            <a:ext uri="{C572A759-6A51-4108-AA02-DFA0A04FC94B}">
-              <ma14:wrappingTextBoxFlag xmlns:ma14="http://schemas.microsoft.com/office/mac/drawingml/2011/main" val="1"/>
-            </a:ext>
-          </a:extLst>
-        </p:spPr>
-        <p:txBody>
-          <a:bodyPr lIns="91424" tIns="91424" rIns="91424" bIns="91424" anchor="ctr">
-            <a:spAutoFit/>
-          </a:bodyPr>
-          <a:lstStyle>
-            <a:lvl1pPr algn="ctr">
-              <a:defRPr sz="900"/>
-            </a:lvl1pPr>
-          </a:lstStyle>
-          <a:p>
-            <a:pPr/>
-            <a:r>
-              <a:t>k-proxy</a:t>
-            </a:r>
-          </a:p>
-        </p:txBody>
-      </p:sp>
-      <p:sp>
-        <p:nvSpPr>
-          <p:cNvPr id="391" name="Google Shape;602;p33"/>
-          <p:cNvSpPr/>
-          <p:nvPr/>
-        </p:nvSpPr>
-        <p:spPr>
-          <a:xfrm>
-            <a:off x="7022039" y="2167552"/>
-            <a:ext cx="1" cy="1440301"/>
-          </a:xfrm>
-          <a:prstGeom prst="line">
-            <a:avLst/>
-          </a:prstGeom>
-          <a:ln w="19050">
-            <a:solidFill>
-              <a:srgbClr val="666666"/>
-            </a:solidFill>
-            <a:tailEnd type="triangle"/>
-          </a:ln>
-        </p:spPr>
-        <p:txBody>
-          <a:bodyPr lIns="45719" rIns="45719"/>
-          <a:lstStyle/>
-          <a:p>
-            <a:pPr/>
-          </a:p>
-        </p:txBody>
-      </p:sp>
-      <p:sp>
-        <p:nvSpPr>
-          <p:cNvPr id="423" name="Google Shape;603;p33"/>
-          <p:cNvSpPr/>
-          <p:nvPr/>
-        </p:nvSpPr>
-        <p:spPr>
-          <a:xfrm>
-            <a:off x="7019290" y="2143760"/>
-            <a:ext cx="923291" cy="256540"/>
-          </a:xfrm>
-          <a:custGeom>
-            <a:avLst/>
-            <a:gdLst/>
-            <a:ahLst/>
-            <a:cxnLst>
-              <a:cxn ang="0">
-                <a:pos x="wd2" y="hd2"/>
-              </a:cxn>
-              <a:cxn ang="5400000">
-                <a:pos x="wd2" y="hd2"/>
-              </a:cxn>
-              <a:cxn ang="10800000">
-                <a:pos x="wd2" y="hd2"/>
-              </a:cxn>
-              <a:cxn ang="16200000">
-                <a:pos x="wd2" y="hd2"/>
-              </a:cxn>
-            </a:cxnLst>
-            <a:rect l="0" t="0" r="r" b="b"/>
-            <a:pathLst>
-              <a:path w="21600" h="21600" fill="norm" stroke="1" extrusionOk="0">
-                <a:moveTo>
-                  <a:pt x="0" y="107"/>
-                </a:moveTo>
-                <a:lnTo>
-                  <a:pt x="0" y="21600"/>
-                </a:lnTo>
-                <a:lnTo>
-                  <a:pt x="21600" y="21600"/>
-                </a:lnTo>
-                <a:lnTo>
-                  <a:pt x="21600" y="0"/>
-                </a:lnTo>
-              </a:path>
-            </a:pathLst>
-          </a:custGeom>
-          <a:ln w="28575">
-            <a:solidFill>
-              <a:srgbClr val="999999"/>
-            </a:solidFill>
-            <a:prstDash val="dash"/>
-            <a:headEnd type="triangle"/>
-          </a:ln>
-        </p:spPr>
-        <p:txBody>
-          <a:bodyPr/>
-          <a:lstStyle/>
-          <a:p>
-            <a:pPr/>
-          </a:p>
-        </p:txBody>
-      </p:sp>
-      <p:sp>
-        <p:nvSpPr>
-          <p:cNvPr id="393" name="Google Shape;606;p33"/>
-          <p:cNvSpPr txBox="1"/>
-          <p:nvPr/>
-        </p:nvSpPr>
-        <p:spPr>
-          <a:xfrm>
-            <a:off x="5104141" y="2258679"/>
-            <a:ext cx="1141501" cy="330681"/>
-          </a:xfrm>
-          <a:prstGeom prst="rect">
-            <a:avLst/>
-          </a:prstGeom>
-          <a:ln w="12700">
-            <a:miter lim="400000"/>
-          </a:ln>
-          <a:extLst>
-            <a:ext uri="{C572A759-6A51-4108-AA02-DFA0A04FC94B}">
-              <ma14:wrappingTextBoxFlag xmlns:ma14="http://schemas.microsoft.com/office/mac/drawingml/2011/main" val="1"/>
-            </a:ext>
-          </a:extLst>
-        </p:spPr>
-        <p:txBody>
-          <a:bodyPr lIns="91424" tIns="91424" rIns="91424" bIns="91424" anchor="ctr">
-            <a:spAutoFit/>
-          </a:bodyPr>
-          <a:lstStyle>
-            <a:lvl1pPr algn="ctr">
-              <a:defRPr sz="1100"/>
-            </a:lvl1pPr>
-          </a:lstStyle>
-          <a:p>
-            <a:pPr/>
-            <a:r>
-              <a:t>mirror pods</a:t>
-            </a:r>
+            <a:endParaRPr/>
           </a:p>
         </p:txBody>
       </p:sp>
       <p:pic>
         <p:nvPicPr>
-          <p:cNvPr id="394" name="Google Shape;607;p33" descr="Google Shape;607;p33"/>
+          <p:cNvPr id="420" name="logo-vertical-black.png" descr="logo-vertical-black.png"/>
           <p:cNvPicPr>
             <a:picLocks noChangeAspect="1"/>
           </p:cNvPicPr>
           <p:nvPr/>
         </p:nvPicPr>
         <p:blipFill>
-          <a:blip r:embed="rId3">
+          <a:blip r:embed="rId14">
             <a:extLst/>
           </a:blip>
           <a:stretch>
@@ -10481,8 +10960,8 @@
         </p:blipFill>
         <p:spPr>
           <a:xfrm>
-            <a:off x="4697871" y="743460"/>
-            <a:ext cx="598689" cy="597601"/>
+            <a:off x="640080" y="1828800"/>
+            <a:ext cx="985362" cy="1221240"/>
           </a:xfrm>
           <a:prstGeom prst="rect">
             <a:avLst/>
@@ -10492,613 +10971,567 @@
           </a:ln>
         </p:spPr>
       </p:pic>
-      <p:pic>
-        <p:nvPicPr>
-          <p:cNvPr id="395" name="Google Shape;604;p33" descr="Google Shape;604;p33"/>
-          <p:cNvPicPr>
-            <a:picLocks noChangeAspect="1"/>
-          </p:cNvPicPr>
-          <p:nvPr/>
-        </p:nvPicPr>
-        <p:blipFill>
-          <a:blip r:embed="rId4">
-            <a:extLst/>
-          </a:blip>
-          <a:stretch>
-            <a:fillRect/>
-          </a:stretch>
-        </p:blipFill>
-        <p:spPr>
-          <a:xfrm>
-            <a:off x="6722145" y="1552933"/>
-            <a:ext cx="599804" cy="599801"/>
-          </a:xfrm>
-          <a:prstGeom prst="rect">
-            <a:avLst/>
-          </a:prstGeom>
-          <a:ln w="12700">
-            <a:miter lim="400000"/>
-          </a:ln>
-        </p:spPr>
-      </p:pic>
-      <p:pic>
-        <p:nvPicPr>
-          <p:cNvPr id="396" name="Google Shape;605;p33" descr="Google Shape;605;p33"/>
-          <p:cNvPicPr>
-            <a:picLocks noChangeAspect="1"/>
-          </p:cNvPicPr>
-          <p:nvPr/>
-        </p:nvPicPr>
-        <p:blipFill>
-          <a:blip r:embed="rId5">
-            <a:extLst/>
-          </a:blip>
-          <a:stretch>
-            <a:fillRect/>
-          </a:stretch>
-        </p:blipFill>
-        <p:spPr>
-          <a:xfrm>
-            <a:off x="7645859" y="1551173"/>
-            <a:ext cx="599804" cy="599801"/>
-          </a:xfrm>
-          <a:prstGeom prst="rect">
-            <a:avLst/>
-          </a:prstGeom>
-          <a:ln w="12700">
-            <a:miter lim="400000"/>
-          </a:ln>
-        </p:spPr>
-      </p:pic>
-      <p:pic>
-        <p:nvPicPr>
-          <p:cNvPr id="397" name="Google Shape;608;p33" descr="Google Shape;608;p33"/>
-          <p:cNvPicPr>
-            <a:picLocks noChangeAspect="1"/>
-          </p:cNvPicPr>
-          <p:nvPr/>
-        </p:nvPicPr>
-        <p:blipFill>
-          <a:blip r:embed="rId6">
-            <a:extLst/>
-          </a:blip>
-          <a:stretch>
-            <a:fillRect/>
-          </a:stretch>
-        </p:blipFill>
-        <p:spPr>
-          <a:xfrm>
-            <a:off x="6723805" y="3607846"/>
-            <a:ext cx="596480" cy="597601"/>
-          </a:xfrm>
-          <a:prstGeom prst="rect">
-            <a:avLst/>
-          </a:prstGeom>
-          <a:ln w="12700">
-            <a:miter lim="400000"/>
-          </a:ln>
-        </p:spPr>
-      </p:pic>
-      <p:pic>
-        <p:nvPicPr>
-          <p:cNvPr id="398" name="Google Shape;609;p33" descr="Google Shape;609;p33"/>
-          <p:cNvPicPr>
-            <a:picLocks noChangeAspect="1"/>
-          </p:cNvPicPr>
-          <p:nvPr/>
-        </p:nvPicPr>
-        <p:blipFill>
-          <a:blip r:embed="rId7">
-            <a:extLst/>
-          </a:blip>
-          <a:stretch>
-            <a:fillRect/>
-          </a:stretch>
-        </p:blipFill>
-        <p:spPr>
-          <a:xfrm>
-            <a:off x="4308866" y="3671750"/>
-            <a:ext cx="597601" cy="597601"/>
-          </a:xfrm>
-          <a:prstGeom prst="rect">
-            <a:avLst/>
-          </a:prstGeom>
-          <a:ln w="12700">
-            <a:miter lim="400000"/>
-          </a:ln>
-        </p:spPr>
-      </p:pic>
-      <p:pic>
-        <p:nvPicPr>
-          <p:cNvPr id="399" name="Google Shape;610;p33" descr="Google Shape;610;p33"/>
-          <p:cNvPicPr>
-            <a:picLocks noChangeAspect="1"/>
-          </p:cNvPicPr>
-          <p:nvPr/>
-        </p:nvPicPr>
-        <p:blipFill>
-          <a:blip r:embed="rId4">
-            <a:extLst/>
-          </a:blip>
-          <a:stretch>
-            <a:fillRect/>
-          </a:stretch>
-        </p:blipFill>
-        <p:spPr>
-          <a:xfrm>
-            <a:off x="6021070" y="1552808"/>
-            <a:ext cx="599804" cy="599801"/>
-          </a:xfrm>
-          <a:prstGeom prst="rect">
-            <a:avLst/>
-          </a:prstGeom>
-          <a:ln w="12700">
-            <a:miter lim="400000"/>
-          </a:ln>
-        </p:spPr>
-      </p:pic>
-      <p:pic>
-        <p:nvPicPr>
-          <p:cNvPr id="400" name="Google Shape;611;p33" descr="Google Shape;611;p33"/>
-          <p:cNvPicPr>
-            <a:picLocks noChangeAspect="1"/>
-          </p:cNvPicPr>
-          <p:nvPr/>
-        </p:nvPicPr>
-        <p:blipFill>
-          <a:blip r:embed="rId4">
-            <a:extLst/>
-          </a:blip>
-          <a:stretch>
-            <a:fillRect/>
-          </a:stretch>
-        </p:blipFill>
-        <p:spPr>
-          <a:xfrm>
-            <a:off x="5413096" y="1552808"/>
-            <a:ext cx="599804" cy="599801"/>
-          </a:xfrm>
-          <a:prstGeom prst="rect">
-            <a:avLst/>
-          </a:prstGeom>
-          <a:ln w="12700">
-            <a:miter lim="400000"/>
-          </a:ln>
-        </p:spPr>
-      </p:pic>
-      <p:pic>
-        <p:nvPicPr>
-          <p:cNvPr id="401" name="Google Shape;599;p33" descr="Google Shape;599;p33"/>
-          <p:cNvPicPr>
-            <a:picLocks noChangeAspect="1"/>
-          </p:cNvPicPr>
-          <p:nvPr/>
-        </p:nvPicPr>
-        <p:blipFill>
-          <a:blip r:embed="rId4">
-            <a:extLst/>
-          </a:blip>
-          <a:stretch>
-            <a:fillRect/>
-          </a:stretch>
-        </p:blipFill>
-        <p:spPr>
-          <a:xfrm>
-            <a:off x="4767395" y="1552808"/>
-            <a:ext cx="599804" cy="599801"/>
-          </a:xfrm>
-          <a:prstGeom prst="rect">
-            <a:avLst/>
-          </a:prstGeom>
-          <a:ln w="12700">
-            <a:miter lim="400000"/>
-          </a:ln>
-        </p:spPr>
-      </p:pic>
-      <p:pic>
-        <p:nvPicPr>
-          <p:cNvPr id="402" name="Google Shape;612;p33" descr="Google Shape;612;p33"/>
-          <p:cNvPicPr>
-            <a:picLocks noChangeAspect="1"/>
-          </p:cNvPicPr>
-          <p:nvPr/>
-        </p:nvPicPr>
-        <p:blipFill>
-          <a:blip r:embed="rId3">
-            <a:extLst/>
-          </a:blip>
-          <a:stretch>
-            <a:fillRect/>
-          </a:stretch>
-        </p:blipFill>
-        <p:spPr>
-          <a:xfrm>
-            <a:off x="2483816" y="769610"/>
-            <a:ext cx="598689" cy="597601"/>
-          </a:xfrm>
-          <a:prstGeom prst="rect">
-            <a:avLst/>
-          </a:prstGeom>
-          <a:ln w="12700">
-            <a:miter lim="400000"/>
-          </a:ln>
-        </p:spPr>
-      </p:pic>
-      <p:pic>
-        <p:nvPicPr>
-          <p:cNvPr id="403" name="Google Shape;598;p33" descr="Google Shape;598;p33"/>
-          <p:cNvPicPr>
-            <a:picLocks noChangeAspect="1"/>
-          </p:cNvPicPr>
-          <p:nvPr/>
-        </p:nvPicPr>
-        <p:blipFill>
-          <a:blip r:embed="rId8">
-            <a:extLst/>
-          </a:blip>
-          <a:stretch>
-            <a:fillRect/>
-          </a:stretch>
-        </p:blipFill>
-        <p:spPr>
-          <a:xfrm>
-            <a:off x="3243553" y="1551851"/>
-            <a:ext cx="597832" cy="597826"/>
-          </a:xfrm>
-          <a:prstGeom prst="rect">
-            <a:avLst/>
-          </a:prstGeom>
-          <a:ln w="12700">
-            <a:miter lim="400000"/>
-          </a:ln>
-        </p:spPr>
-      </p:pic>
-      <p:pic>
-        <p:nvPicPr>
-          <p:cNvPr id="404" name="Google Shape;613;p33" descr="Google Shape;613;p33"/>
-          <p:cNvPicPr>
-            <a:picLocks noChangeAspect="1"/>
-          </p:cNvPicPr>
-          <p:nvPr/>
-        </p:nvPicPr>
-        <p:blipFill>
-          <a:blip r:embed="rId9">
-            <a:extLst/>
-          </a:blip>
-          <a:stretch>
-            <a:fillRect/>
-          </a:stretch>
-        </p:blipFill>
-        <p:spPr>
-          <a:xfrm>
-            <a:off x="6064827" y="2701559"/>
-            <a:ext cx="596480" cy="597601"/>
-          </a:xfrm>
-          <a:prstGeom prst="rect">
-            <a:avLst/>
-          </a:prstGeom>
-          <a:ln w="12700">
-            <a:miter lim="400000"/>
-          </a:ln>
-        </p:spPr>
-      </p:pic>
-      <p:pic>
-        <p:nvPicPr>
-          <p:cNvPr id="405" name="Google Shape;614;p33" descr="Google Shape;614;p33"/>
-          <p:cNvPicPr>
-            <a:picLocks noChangeAspect="1"/>
-          </p:cNvPicPr>
-          <p:nvPr/>
-        </p:nvPicPr>
-        <p:blipFill>
-          <a:blip r:embed="rId10">
-            <a:extLst/>
-          </a:blip>
-          <a:stretch>
-            <a:fillRect/>
-          </a:stretch>
-        </p:blipFill>
-        <p:spPr>
-          <a:xfrm>
-            <a:off x="4764703" y="2698847"/>
-            <a:ext cx="596480" cy="597601"/>
-          </a:xfrm>
-          <a:prstGeom prst="rect">
-            <a:avLst/>
-          </a:prstGeom>
-          <a:ln w="12700">
-            <a:miter lim="400000"/>
-          </a:ln>
-        </p:spPr>
-      </p:pic>
-      <p:pic>
-        <p:nvPicPr>
-          <p:cNvPr id="406" name="Google Shape;615;p33" descr="Google Shape;615;p33"/>
-          <p:cNvPicPr>
-            <a:picLocks noChangeAspect="1"/>
-          </p:cNvPicPr>
-          <p:nvPr/>
-        </p:nvPicPr>
-        <p:blipFill>
-          <a:blip r:embed="rId11">
-            <a:extLst/>
-          </a:blip>
-          <a:stretch>
-            <a:fillRect/>
-          </a:stretch>
-        </p:blipFill>
-        <p:spPr>
-          <a:xfrm>
-            <a:off x="5414755" y="2695417"/>
-            <a:ext cx="596480" cy="597601"/>
-          </a:xfrm>
-          <a:prstGeom prst="rect">
-            <a:avLst/>
-          </a:prstGeom>
-          <a:ln w="12700">
-            <a:miter lim="400000"/>
-          </a:ln>
-        </p:spPr>
-      </p:pic>
-      <p:sp>
-        <p:nvSpPr>
-          <p:cNvPr id="407" name="Google Shape;372;p27"/>
+      <p:sp>
+        <p:nvSpPr>
+          <p:cNvPr id="55" name="Freeform 54">
+            <a:extLst>
+              <a:ext uri="{FF2B5EF4-FFF2-40B4-BE49-F238E27FC236}">
+                <a16:creationId xmlns:a16="http://schemas.microsoft.com/office/drawing/2014/main" id="{981B9468-3627-724A-A6C3-4EC7CC0B3E02}"/>
+              </a:ext>
+            </a:extLst>
+          </p:cNvPr>
           <p:cNvSpPr/>
           <p:nvPr/>
         </p:nvSpPr>
         <p:spPr>
-          <a:xfrm>
-            <a:off x="2193073" y="2636298"/>
-            <a:ext cx="2038201" cy="1646305"/>
-          </a:xfrm>
-          <a:prstGeom prst="roundRect">
-            <a:avLst>
-              <a:gd name="adj" fmla="val 9458"/>
-            </a:avLst>
-          </a:prstGeom>
-          <a:ln>
-            <a:solidFill>
-              <a:srgbClr val="000000"/>
-            </a:solidFill>
-            <a:prstDash val="dash"/>
-          </a:ln>
-        </p:spPr>
-        <p:txBody>
-          <a:bodyPr lIns="45719" rIns="45719" anchor="ctr"/>
-          <a:lstStyle/>
-          <a:p>
-            <a:pPr/>
-          </a:p>
-        </p:txBody>
-      </p:sp>
-      <p:sp>
-        <p:nvSpPr>
-          <p:cNvPr id="424" name="Google Shape;385;p27"/>
-          <p:cNvSpPr/>
-          <p:nvPr/>
-        </p:nvSpPr>
-        <p:spPr>
-          <a:xfrm>
-            <a:off x="3144238" y="3747028"/>
-            <a:ext cx="288706" cy="140122"/>
+          <a:xfrm rot="16200000" flipH="1">
+            <a:off x="1501867" y="2704375"/>
+            <a:ext cx="526362" cy="1224788"/>
           </a:xfrm>
           <a:custGeom>
             <a:avLst/>
-            <a:gdLst/>
+            <a:gdLst>
+              <a:gd name="connsiteX0" fmla="*/ 1371600 w 1371600"/>
+              <a:gd name="connsiteY0" fmla="*/ 711200 h 711200"/>
+              <a:gd name="connsiteX1" fmla="*/ 1371600 w 1371600"/>
+              <a:gd name="connsiteY1" fmla="*/ 0 h 711200"/>
+              <a:gd name="connsiteX2" fmla="*/ 0 w 1371600"/>
+              <a:gd name="connsiteY2" fmla="*/ 0 h 711200"/>
+            </a:gdLst>
             <a:ahLst/>
             <a:cxnLst>
               <a:cxn ang="0">
-                <a:pos x="wd2" y="hd2"/>
+                <a:pos x="connsiteX0" y="connsiteY0"/>
               </a:cxn>
-              <a:cxn ang="5400000">
-                <a:pos x="wd2" y="hd2"/>
+              <a:cxn ang="0">
+                <a:pos x="connsiteX1" y="connsiteY1"/>
               </a:cxn>
-              <a:cxn ang="10800000">
-                <a:pos x="wd2" y="hd2"/>
-              </a:cxn>
-              <a:cxn ang="16200000">
-                <a:pos x="wd2" y="hd2"/>
+              <a:cxn ang="0">
+                <a:pos x="connsiteX2" y="connsiteY2"/>
               </a:cxn>
             </a:cxnLst>
-            <a:rect l="0" t="0" r="r" b="b"/>
+            <a:rect l="l" t="t" r="r" b="b"/>
             <a:pathLst>
-              <a:path w="21600" h="21600" fill="norm" stroke="1" extrusionOk="0">
+              <a:path w="1371600" h="711200">
                 <a:moveTo>
-                  <a:pt x="0" y="0"/>
+                  <a:pt x="1371600" y="711200"/>
                 </a:moveTo>
                 <a:lnTo>
-                  <a:pt x="21600" y="21600"/>
+                  <a:pt x="1371600" y="0"/>
+                </a:lnTo>
+                <a:lnTo>
+                  <a:pt x="0" y="0"/>
                 </a:lnTo>
               </a:path>
             </a:pathLst>
           </a:custGeom>
-          <a:ln w="28575">
+          <a:noFill/>
+          <a:ln w="12700">
             <a:solidFill>
-              <a:srgbClr val="434343"/>
+              <a:srgbClr val="44546A"/>
             </a:solidFill>
-            <a:tailEnd type="triangle"/>
+            <a:miter lim="800000"/>
+            <a:headEnd type="none" w="med" len="sm"/>
+            <a:tailEnd type="arrow" w="med" len="sm"/>
           </a:ln>
         </p:spPr>
-        <p:txBody>
-          <a:bodyPr/>
+        <p:style>
+          <a:lnRef idx="2">
+            <a:schemeClr val="accent1">
+              <a:shade val="50000"/>
+            </a:schemeClr>
+          </a:lnRef>
+          <a:fillRef idx="1">
+            <a:schemeClr val="accent1"/>
+          </a:fillRef>
+          <a:effectRef idx="0">
+            <a:schemeClr val="accent1"/>
+          </a:effectRef>
+          <a:fontRef idx="minor">
+            <a:schemeClr val="lt1"/>
+          </a:fontRef>
+        </p:style>
+        <p:txBody>
+          <a:bodyPr anchor="ctr"/>
           <a:lstStyle/>
           <a:p>
-            <a:pPr/>
-          </a:p>
-        </p:txBody>
-      </p:sp>
-      <p:sp>
-        <p:nvSpPr>
-          <p:cNvPr id="425" name="Google Shape;387;p27"/>
-          <p:cNvSpPr/>
+            <a:pPr algn="ctr" eaLnBrk="1" fontAlgn="auto" hangingPunct="1">
+              <a:spcBef>
+                <a:spcPts val="0"/>
+              </a:spcBef>
+              <a:spcAft>
+                <a:spcPts val="0"/>
+              </a:spcAft>
+              <a:defRPr/>
+            </a:pPr>
+            <a:endParaRPr lang="en-US"/>
+          </a:p>
+        </p:txBody>
+      </p:sp>
+      <p:cxnSp>
+        <p:nvCxnSpPr>
+          <p:cNvPr id="58" name="Straight Arrow Connector 57">
+            <a:extLst>
+              <a:ext uri="{FF2B5EF4-FFF2-40B4-BE49-F238E27FC236}">
+                <a16:creationId xmlns:a16="http://schemas.microsoft.com/office/drawing/2014/main" id="{63FACFBA-87F3-0149-9ED7-C697934D0F0A}"/>
+              </a:ext>
+            </a:extLst>
+          </p:cNvPr>
+          <p:cNvCxnSpPr>
+            <a:stCxn id="405" idx="0"/>
+            <a:endCxn id="401" idx="2"/>
+          </p:cNvCxnSpPr>
           <p:nvPr/>
-        </p:nvSpPr>
-        <p:spPr>
-          <a:xfrm>
-            <a:off x="3130338" y="3297140"/>
-            <a:ext cx="299635" cy="174419"/>
-          </a:xfrm>
-          <a:custGeom>
-            <a:avLst/>
-            <a:gdLst/>
-            <a:ahLst/>
-            <a:cxnLst>
-              <a:cxn ang="0">
-                <a:pos x="wd2" y="hd2"/>
-              </a:cxn>
-              <a:cxn ang="5400000">
-                <a:pos x="wd2" y="hd2"/>
-              </a:cxn>
-              <a:cxn ang="10800000">
-                <a:pos x="wd2" y="hd2"/>
-              </a:cxn>
-              <a:cxn ang="16200000">
-                <a:pos x="wd2" y="hd2"/>
-              </a:cxn>
-            </a:cxnLst>
-            <a:rect l="0" t="0" r="r" b="b"/>
-            <a:pathLst>
-              <a:path w="21600" h="21600" fill="norm" stroke="1" extrusionOk="0">
-                <a:moveTo>
-                  <a:pt x="0" y="21600"/>
-                </a:moveTo>
-                <a:lnTo>
-                  <a:pt x="21600" y="0"/>
-                </a:lnTo>
-              </a:path>
-            </a:pathLst>
-          </a:custGeom>
-          <a:ln w="28575">
+        </p:nvCxnSpPr>
+        <p:spPr>
+          <a:xfrm flipV="1">
+            <a:off x="5144560" y="2152609"/>
+            <a:ext cx="1662" cy="590591"/>
+          </a:xfrm>
+          <a:prstGeom prst="straightConnector1">
+            <a:avLst/>
+          </a:prstGeom>
+          <a:ln w="12700">
             <a:solidFill>
-              <a:srgbClr val="434343"/>
+              <a:srgbClr val="44546A"/>
             </a:solidFill>
-            <a:tailEnd type="triangle"/>
+            <a:miter lim="800000"/>
+            <a:headEnd type="none" w="med" len="sm"/>
+            <a:tailEnd type="arrow" w="med" len="sm"/>
           </a:ln>
         </p:spPr>
-        <p:txBody>
-          <a:bodyPr/>
-          <a:lstStyle/>
-          <a:p>
-            <a:pPr/>
-          </a:p>
-        </p:txBody>
-      </p:sp>
-      <p:pic>
-        <p:nvPicPr>
-          <p:cNvPr id="410" name="Google Shape;389;p27" descr="Google Shape;389;p27"/>
-          <p:cNvPicPr>
-            <a:picLocks noChangeAspect="1"/>
-          </p:cNvPicPr>
+        <p:style>
+          <a:lnRef idx="1">
+            <a:schemeClr val="accent1"/>
+          </a:lnRef>
+          <a:fillRef idx="0">
+            <a:schemeClr val="accent1"/>
+          </a:fillRef>
+          <a:effectRef idx="0">
+            <a:schemeClr val="accent1"/>
+          </a:effectRef>
+          <a:fontRef idx="minor">
+            <a:schemeClr val="tx1"/>
+          </a:fontRef>
+        </p:style>
+      </p:cxnSp>
+      <p:cxnSp>
+        <p:nvCxnSpPr>
+          <p:cNvPr id="61" name="Straight Arrow Connector 60">
+            <a:extLst>
+              <a:ext uri="{FF2B5EF4-FFF2-40B4-BE49-F238E27FC236}">
+                <a16:creationId xmlns:a16="http://schemas.microsoft.com/office/drawing/2014/main" id="{63FACFBA-87F3-0149-9ED7-C697934D0F0A}"/>
+              </a:ext>
+            </a:extLst>
+          </p:cNvPr>
+          <p:cNvCxnSpPr>
+            <a:stCxn id="406" idx="0"/>
+            <a:endCxn id="400" idx="2"/>
+          </p:cNvCxnSpPr>
           <p:nvPr/>
-        </p:nvPicPr>
-        <p:blipFill>
-          <a:blip r:embed="rId3">
-            <a:extLst/>
-          </a:blip>
-          <a:stretch>
-            <a:fillRect/>
-          </a:stretch>
-        </p:blipFill>
-        <p:spPr>
-          <a:xfrm>
-            <a:off x="2218678" y="2383528"/>
-            <a:ext cx="598689" cy="597601"/>
-          </a:xfrm>
-          <a:prstGeom prst="rect">
+        </p:nvCxnSpPr>
+        <p:spPr>
+          <a:xfrm flipV="1">
+            <a:off x="5784640" y="2152609"/>
+            <a:ext cx="1662" cy="590591"/>
+          </a:xfrm>
+          <a:prstGeom prst="straightConnector1">
             <a:avLst/>
           </a:prstGeom>
           <a:ln w="12700">
-            <a:miter lim="400000"/>
+            <a:solidFill>
+              <a:srgbClr val="44546A"/>
+            </a:solidFill>
+            <a:miter lim="800000"/>
+            <a:headEnd type="none" w="med" len="sm"/>
+            <a:tailEnd type="arrow" w="med" len="sm"/>
           </a:ln>
         </p:spPr>
-      </p:pic>
-      <p:pic>
-        <p:nvPicPr>
-          <p:cNvPr id="411" name="Google Shape;379;p27" descr="Google Shape;379;p27"/>
-          <p:cNvPicPr>
-            <a:picLocks noChangeAspect="1"/>
-          </p:cNvPicPr>
+        <p:style>
+          <a:lnRef idx="1">
+            <a:schemeClr val="accent1"/>
+          </a:lnRef>
+          <a:fillRef idx="0">
+            <a:schemeClr val="accent1"/>
+          </a:fillRef>
+          <a:effectRef idx="0">
+            <a:schemeClr val="accent1"/>
+          </a:effectRef>
+          <a:fontRef idx="minor">
+            <a:schemeClr val="tx1"/>
+          </a:fontRef>
+        </p:style>
+      </p:cxnSp>
+      <p:cxnSp>
+        <p:nvCxnSpPr>
+          <p:cNvPr id="62" name="Straight Arrow Connector 61">
+            <a:extLst>
+              <a:ext uri="{FF2B5EF4-FFF2-40B4-BE49-F238E27FC236}">
+                <a16:creationId xmlns:a16="http://schemas.microsoft.com/office/drawing/2014/main" id="{63FACFBA-87F3-0149-9ED7-C697934D0F0A}"/>
+              </a:ext>
+            </a:extLst>
+          </p:cNvPr>
+          <p:cNvCxnSpPr>
+            <a:stCxn id="404" idx="0"/>
+            <a:endCxn id="399" idx="2"/>
+          </p:cNvCxnSpPr>
           <p:nvPr/>
-        </p:nvPicPr>
-        <p:blipFill>
-          <a:blip r:embed="rId4">
-            <a:extLst/>
-          </a:blip>
-          <a:stretch>
-            <a:fillRect/>
-          </a:stretch>
-        </p:blipFill>
-        <p:spPr>
-          <a:xfrm>
-            <a:off x="2581035" y="3320542"/>
-            <a:ext cx="599804" cy="599801"/>
-          </a:xfrm>
-          <a:prstGeom prst="rect">
+        </p:nvCxnSpPr>
+        <p:spPr>
+          <a:xfrm flipV="1">
+            <a:off x="6424720" y="2152609"/>
+            <a:ext cx="1662" cy="590591"/>
+          </a:xfrm>
+          <a:prstGeom prst="straightConnector1">
             <a:avLst/>
           </a:prstGeom>
           <a:ln w="12700">
-            <a:miter lim="400000"/>
+            <a:solidFill>
+              <a:srgbClr val="44546A"/>
+            </a:solidFill>
+            <a:miter lim="800000"/>
+            <a:headEnd type="none" w="med" len="sm"/>
+            <a:tailEnd type="arrow" w="med" len="sm"/>
           </a:ln>
         </p:spPr>
-      </p:pic>
-      <p:pic>
-        <p:nvPicPr>
-          <p:cNvPr id="412" name="Google Shape;386;p27" descr="Google Shape;386;p27"/>
-          <p:cNvPicPr>
-            <a:picLocks noChangeAspect="1"/>
-          </p:cNvPicPr>
+        <p:style>
+          <a:lnRef idx="1">
+            <a:schemeClr val="accent1"/>
+          </a:lnRef>
+          <a:fillRef idx="0">
+            <a:schemeClr val="accent1"/>
+          </a:fillRef>
+          <a:effectRef idx="0">
+            <a:schemeClr val="accent1"/>
+          </a:effectRef>
+          <a:fontRef idx="minor">
+            <a:schemeClr val="tx1"/>
+          </a:fontRef>
+        </p:style>
+      </p:cxnSp>
+      <p:cxnSp>
+        <p:nvCxnSpPr>
+          <p:cNvPr id="67" name="Straight Arrow Connector 66">
+            <a:extLst>
+              <a:ext uri="{FF2B5EF4-FFF2-40B4-BE49-F238E27FC236}">
+                <a16:creationId xmlns:a16="http://schemas.microsoft.com/office/drawing/2014/main" id="{9E8BEF15-E8C4-2242-949A-672EF8C74E91}"/>
+              </a:ext>
+            </a:extLst>
+          </p:cNvPr>
+          <p:cNvCxnSpPr>
+            <a:cxnSpLocks/>
+          </p:cNvCxnSpPr>
           <p:nvPr/>
-        </p:nvPicPr>
-        <p:blipFill>
-          <a:blip r:embed="rId12">
-            <a:extLst/>
-          </a:blip>
-          <a:stretch>
-            <a:fillRect/>
-          </a:stretch>
-        </p:blipFill>
-        <p:spPr>
-          <a:xfrm>
-            <a:off x="3393384" y="3738875"/>
-            <a:ext cx="505544" cy="505544"/>
-          </a:xfrm>
-          <a:prstGeom prst="rect">
+        </p:nvCxnSpPr>
+        <p:spPr>
+          <a:xfrm>
+            <a:off x="3798232" y="1852834"/>
+            <a:ext cx="1048088" cy="1945"/>
+          </a:xfrm>
+          <a:prstGeom prst="straightConnector1">
             <a:avLst/>
           </a:prstGeom>
           <a:ln w="12700">
-            <a:miter lim="400000"/>
+            <a:solidFill>
+              <a:srgbClr val="44546A"/>
+            </a:solidFill>
+            <a:miter lim="800000"/>
+            <a:headEnd type="none" w="med" len="sm"/>
+            <a:tailEnd type="arrow" w="med" len="sm"/>
           </a:ln>
         </p:spPr>
-      </p:pic>
-      <p:pic>
-        <p:nvPicPr>
-          <p:cNvPr id="413" name="Google Shape;388;p27" descr="Google Shape;388;p27"/>
-          <p:cNvPicPr>
-            <a:picLocks noChangeAspect="1"/>
-          </p:cNvPicPr>
+        <p:style>
+          <a:lnRef idx="1">
+            <a:schemeClr val="accent1"/>
+          </a:lnRef>
+          <a:fillRef idx="0">
+            <a:schemeClr val="accent1"/>
+          </a:fillRef>
+          <a:effectRef idx="0">
+            <a:schemeClr val="accent1"/>
+          </a:effectRef>
+          <a:fontRef idx="minor">
+            <a:schemeClr val="tx1"/>
+          </a:fontRef>
+        </p:style>
+      </p:cxnSp>
+      <p:grpSp>
+        <p:nvGrpSpPr>
+          <p:cNvPr id="73" name="Group 25">
+            <a:extLst>
+              <a:ext uri="{FF2B5EF4-FFF2-40B4-BE49-F238E27FC236}">
+                <a16:creationId xmlns:a16="http://schemas.microsoft.com/office/drawing/2014/main" id="{E51E1B16-CFEE-C14B-A889-1F7444E7626E}"/>
+              </a:ext>
+            </a:extLst>
+          </p:cNvPr>
+          <p:cNvGrpSpPr>
+            <a:grpSpLocks/>
+          </p:cNvGrpSpPr>
           <p:nvPr/>
-        </p:nvPicPr>
-        <p:blipFill>
-          <a:blip r:embed="rId13">
-            <a:extLst/>
-          </a:blip>
-          <a:stretch>
-            <a:fillRect/>
-          </a:stretch>
-        </p:blipFill>
-        <p:spPr>
-          <a:xfrm>
-            <a:off x="3393384" y="2921652"/>
-            <a:ext cx="505544" cy="505544"/>
-          </a:xfrm>
-          <a:prstGeom prst="rect">
+        </p:nvGrpSpPr>
+        <p:grpSpPr bwMode="auto">
+          <a:xfrm>
+            <a:off x="2965476" y="3135765"/>
+            <a:ext cx="427907" cy="841875"/>
+            <a:chOff x="2714201" y="1572255"/>
+            <a:chExt cx="1448621" cy="331243"/>
+          </a:xfrm>
+        </p:grpSpPr>
+        <p:sp>
+          <p:nvSpPr>
+            <p:cNvPr id="74" name="Freeform 73">
+              <a:extLst>
+                <a:ext uri="{FF2B5EF4-FFF2-40B4-BE49-F238E27FC236}">
+                  <a16:creationId xmlns:a16="http://schemas.microsoft.com/office/drawing/2014/main" id="{5A63A47A-4922-D048-93AE-8AEE5D4BE271}"/>
+                </a:ext>
+              </a:extLst>
+            </p:cNvPr>
+            <p:cNvSpPr/>
+            <p:nvPr/>
+          </p:nvSpPr>
+          <p:spPr>
+            <a:xfrm rot="10800000">
+              <a:off x="3322358" y="1572255"/>
+              <a:ext cx="840464" cy="331243"/>
+            </a:xfrm>
+            <a:custGeom>
+              <a:avLst/>
+              <a:gdLst>
+                <a:gd name="connsiteX0" fmla="*/ 0 w 622300"/>
+                <a:gd name="connsiteY0" fmla="*/ 0 h 1574800"/>
+                <a:gd name="connsiteX1" fmla="*/ 622300 w 622300"/>
+                <a:gd name="connsiteY1" fmla="*/ 0 h 1574800"/>
+                <a:gd name="connsiteX2" fmla="*/ 622300 w 622300"/>
+                <a:gd name="connsiteY2" fmla="*/ 1574800 h 1574800"/>
+                <a:gd name="connsiteX3" fmla="*/ 482600 w 622300"/>
+                <a:gd name="connsiteY3" fmla="*/ 1574800 h 1574800"/>
+                <a:gd name="connsiteX4" fmla="*/ 0 w 622300"/>
+                <a:gd name="connsiteY4" fmla="*/ 1574800 h 1574800"/>
+              </a:gdLst>
+              <a:ahLst/>
+              <a:cxnLst>
+                <a:cxn ang="0">
+                  <a:pos x="connsiteX0" y="connsiteY0"/>
+                </a:cxn>
+                <a:cxn ang="0">
+                  <a:pos x="connsiteX1" y="connsiteY1"/>
+                </a:cxn>
+                <a:cxn ang="0">
+                  <a:pos x="connsiteX2" y="connsiteY2"/>
+                </a:cxn>
+                <a:cxn ang="0">
+                  <a:pos x="connsiteX3" y="connsiteY3"/>
+                </a:cxn>
+                <a:cxn ang="0">
+                  <a:pos x="connsiteX4" y="connsiteY4"/>
+                </a:cxn>
+              </a:cxnLst>
+              <a:rect l="l" t="t" r="r" b="b"/>
+              <a:pathLst>
+                <a:path w="622300" h="1574800">
+                  <a:moveTo>
+                    <a:pt x="0" y="0"/>
+                  </a:moveTo>
+                  <a:lnTo>
+                    <a:pt x="622300" y="0"/>
+                  </a:lnTo>
+                  <a:lnTo>
+                    <a:pt x="622300" y="1574800"/>
+                  </a:lnTo>
+                  <a:lnTo>
+                    <a:pt x="482600" y="1574800"/>
+                  </a:lnTo>
+                  <a:lnTo>
+                    <a:pt x="0" y="1574800"/>
+                  </a:lnTo>
+                </a:path>
+              </a:pathLst>
+            </a:custGeom>
+            <a:noFill/>
+            <a:ln w="12700">
+              <a:solidFill>
+                <a:srgbClr val="44546A"/>
+              </a:solidFill>
+              <a:miter lim="800000"/>
+              <a:headEnd type="arrow" w="med" len="sm"/>
+              <a:tailEnd type="arrow" w="med" len="sm"/>
+            </a:ln>
+          </p:spPr>
+          <p:style>
+            <a:lnRef idx="2">
+              <a:schemeClr val="accent1">
+                <a:shade val="50000"/>
+              </a:schemeClr>
+            </a:lnRef>
+            <a:fillRef idx="1">
+              <a:schemeClr val="accent1"/>
+            </a:fillRef>
+            <a:effectRef idx="0">
+              <a:schemeClr val="accent1"/>
+            </a:effectRef>
+            <a:fontRef idx="minor">
+              <a:schemeClr val="lt1"/>
+            </a:fontRef>
+          </p:style>
+          <p:txBody>
+            <a:bodyPr anchor="ctr"/>
+            <a:lstStyle/>
+            <a:p>
+              <a:pPr algn="ctr" eaLnBrk="1" fontAlgn="auto" hangingPunct="1">
+                <a:spcBef>
+                  <a:spcPts val="0"/>
+                </a:spcBef>
+                <a:spcAft>
+                  <a:spcPts val="0"/>
+                </a:spcAft>
+                <a:defRPr/>
+              </a:pPr>
+              <a:endParaRPr lang="en-US" dirty="0"/>
+            </a:p>
+          </p:txBody>
+        </p:sp>
+        <p:cxnSp>
+          <p:nvCxnSpPr>
+            <p:cNvPr id="75" name="Straight Arrow Connector 74">
+              <a:extLst>
+                <a:ext uri="{FF2B5EF4-FFF2-40B4-BE49-F238E27FC236}">
+                  <a16:creationId xmlns:a16="http://schemas.microsoft.com/office/drawing/2014/main" id="{039E7995-43D5-3943-BB09-527E226ECF2B}"/>
+                </a:ext>
+              </a:extLst>
+            </p:cNvPr>
+            <p:cNvCxnSpPr>
+              <a:cxnSpLocks/>
+            </p:cNvCxnSpPr>
+            <p:nvPr/>
+          </p:nvCxnSpPr>
+          <p:spPr>
+            <a:xfrm flipV="1">
+              <a:off x="2714201" y="1741598"/>
+              <a:ext cx="608154" cy="0"/>
+            </a:xfrm>
+            <a:prstGeom prst="straightConnector1">
+              <a:avLst/>
+            </a:prstGeom>
+            <a:ln w="12700">
+              <a:solidFill>
+                <a:srgbClr val="44546A"/>
+              </a:solidFill>
+              <a:miter lim="800000"/>
+              <a:headEnd type="none" w="med" len="sm"/>
+              <a:tailEnd type="none" w="med" len="sm"/>
+            </a:ln>
+          </p:spPr>
+          <p:style>
+            <a:lnRef idx="1">
+              <a:schemeClr val="accent1"/>
+            </a:lnRef>
+            <a:fillRef idx="0">
+              <a:schemeClr val="accent1"/>
+            </a:fillRef>
+            <a:effectRef idx="0">
+              <a:schemeClr val="accent1"/>
+            </a:effectRef>
+            <a:fontRef idx="minor">
+              <a:schemeClr val="tx1"/>
+            </a:fontRef>
+          </p:style>
+        </p:cxnSp>
+      </p:grpSp>
+      <p:cxnSp>
+        <p:nvCxnSpPr>
+          <p:cNvPr id="82" name="Straight Arrow Connector 81">
+            <a:extLst>
+              <a:ext uri="{FF2B5EF4-FFF2-40B4-BE49-F238E27FC236}">
+                <a16:creationId xmlns:a16="http://schemas.microsoft.com/office/drawing/2014/main" id="{5A9D33BB-F7AF-C044-9BA5-6F98953C5C41}"/>
+              </a:ext>
+            </a:extLst>
+          </p:cNvPr>
+          <p:cNvCxnSpPr>
+            <a:stCxn id="397" idx="0"/>
+            <a:endCxn id="395" idx="2"/>
+          </p:cNvCxnSpPr>
+          <p:nvPr/>
+        </p:nvCxnSpPr>
+        <p:spPr>
+          <a:xfrm flipV="1">
+            <a:off x="7064800" y="2152734"/>
+            <a:ext cx="1662" cy="1413426"/>
+          </a:xfrm>
+          <a:prstGeom prst="straightConnector1">
             <a:avLst/>
           </a:prstGeom>
           <a:ln w="12700">
-            <a:miter lim="400000"/>
+            <a:solidFill>
+              <a:srgbClr val="44546A"/>
+            </a:solidFill>
+            <a:miter lim="800000"/>
+            <a:headEnd type="arrow" w="med" len="sm"/>
+            <a:tailEnd type="none" w="med" len="sm"/>
           </a:ln>
         </p:spPr>
-      </p:pic>
+        <p:style>
+          <a:lnRef idx="1">
+            <a:schemeClr val="accent1"/>
+          </a:lnRef>
+          <a:fillRef idx="0">
+            <a:schemeClr val="accent1"/>
+          </a:fillRef>
+          <a:effectRef idx="0">
+            <a:schemeClr val="accent1"/>
+          </a:effectRef>
+          <a:fontRef idx="minor">
+            <a:schemeClr val="tx1"/>
+          </a:fontRef>
+        </p:style>
+      </p:cxnSp>
+      <p:cxnSp>
+        <p:nvCxnSpPr>
+          <p:cNvPr id="86" name="Straight Arrow Connector 85">
+            <a:extLst>
+              <a:ext uri="{FF2B5EF4-FFF2-40B4-BE49-F238E27FC236}">
+                <a16:creationId xmlns:a16="http://schemas.microsoft.com/office/drawing/2014/main" id="{9AF64B03-6E17-9943-9C4D-C67401CA542E}"/>
+              </a:ext>
+            </a:extLst>
+          </p:cNvPr>
+          <p:cNvCxnSpPr>
+            <a:stCxn id="395" idx="3"/>
+            <a:endCxn id="396" idx="1"/>
+          </p:cNvCxnSpPr>
+          <p:nvPr/>
+        </p:nvCxnSpPr>
+        <p:spPr>
+          <a:xfrm>
+            <a:off x="7366364" y="1852834"/>
+            <a:ext cx="406036" cy="1547"/>
+          </a:xfrm>
+          <a:prstGeom prst="straightConnector1">
+            <a:avLst/>
+          </a:prstGeom>
+          <a:ln w="12700">
+            <a:solidFill>
+              <a:srgbClr val="44546A"/>
+            </a:solidFill>
+            <a:prstDash val="dash"/>
+            <a:miter lim="800000"/>
+            <a:headEnd type="arrow" w="med" len="sm"/>
+            <a:tailEnd type="none" w="med" len="sm"/>
+          </a:ln>
+        </p:spPr>
+        <p:style>
+          <a:lnRef idx="1">
+            <a:schemeClr val="accent1"/>
+          </a:lnRef>
+          <a:fillRef idx="0">
+            <a:schemeClr val="accent1"/>
+          </a:fillRef>
+          <a:effectRef idx="0">
+            <a:schemeClr val="accent1"/>
+          </a:effectRef>
+          <a:fontRef idx="minor">
+            <a:schemeClr val="tx1"/>
+          </a:fontRef>
+        </p:style>
+      </p:cxnSp>
       <p:sp>
         <p:nvSpPr>
           <p:cNvPr id="414" name="Google Shape;413;p28"/>
@@ -11118,7 +11551,7 @@
           </a:ln>
           <a:extLst>
             <a:ext uri="{C572A759-6A51-4108-AA02-DFA0A04FC94B}">
-              <ma14:wrappingTextBoxFlag xmlns:ma14="http://schemas.microsoft.com/office/mac/drawingml/2011/main" val="1"/>
+              <ma14:wrappingTextBoxFlag xmlns:ma14="http://schemas.microsoft.com/office/mac/drawingml/2011/main" xmlns:a14="http://schemas.microsoft.com/office/drawing/2010/main" xmlns:m="http://schemas.openxmlformats.org/officeDocument/2006/math" xmlns="" val="1"/>
             </a:ext>
           </a:extLst>
         </p:spPr>
@@ -11137,54 +11570,8 @@
             </a:lvl1pPr>
           </a:lstStyle>
           <a:p>
-            <a:pPr/>
             <a:r>
               <a:t>snyk-monitor</a:t>
-            </a:r>
-          </a:p>
-        </p:txBody>
-      </p:sp>
-      <p:sp>
-        <p:nvSpPr>
-          <p:cNvPr id="415" name="Google Shape;413;p28"/>
-          <p:cNvSpPr txBox="1"/>
-          <p:nvPr/>
-        </p:nvSpPr>
-        <p:spPr>
-          <a:xfrm>
-            <a:off x="3086743" y="3518099"/>
-            <a:ext cx="1118825" cy="322551"/>
-          </a:xfrm>
-          <a:prstGeom prst="rect">
-            <a:avLst/>
-          </a:prstGeom>
-          <a:ln w="12700">
-            <a:miter lim="400000"/>
-          </a:ln>
-          <a:extLst>
-            <a:ext uri="{C572A759-6A51-4108-AA02-DFA0A04FC94B}">
-              <ma14:wrappingTextBoxFlag xmlns:ma14="http://schemas.microsoft.com/office/mac/drawingml/2011/main" val="1"/>
-            </a:ext>
-          </a:extLst>
-        </p:spPr>
-        <p:txBody>
-          <a:bodyPr lIns="91424" tIns="91424" rIns="91424" bIns="91424" anchor="ctr">
-            <a:spAutoFit/>
-          </a:bodyPr>
-          <a:lstStyle>
-            <a:lvl1pPr algn="ctr">
-              <a:defRPr sz="900">
-                <a:latin typeface="Consolas"/>
-                <a:ea typeface="Consolas"/>
-                <a:cs typeface="Consolas"/>
-                <a:sym typeface="Consolas"/>
-              </a:defRPr>
-            </a:lvl1pPr>
-          </a:lstStyle>
-          <a:p>
-            <a:pPr/>
-            <a:r>
-              <a:t>dockercfg</a:t>
             </a:r>
           </a:p>
         </p:txBody>
@@ -11243,6 +11630,7 @@
                   <a:sym typeface="Consolas"/>
                 </a:defRPr>
               </a:pPr>
+              <a:endParaRPr/>
             </a:p>
           </p:txBody>
         </p:sp>
@@ -11268,7 +11656,7 @@
             <a:effectLst/>
             <a:extLst>
               <a:ext uri="{C572A759-6A51-4108-AA02-DFA0A04FC94B}">
-                <ma14:wrappingTextBoxFlag xmlns:ma14="http://schemas.microsoft.com/office/mac/drawingml/2011/main" val="1"/>
+                <ma14:wrappingTextBoxFlag xmlns:ma14="http://schemas.microsoft.com/office/mac/drawingml/2011/main" xmlns:a14="http://schemas.microsoft.com/office/drawing/2010/main" xmlns:m="http://schemas.openxmlformats.org/officeDocument/2006/math" xmlns="" val="1"/>
               </a:ext>
             </a:extLst>
           </p:spPr>
@@ -11287,7 +11675,6 @@
               </a:lvl1pPr>
             </a:lstStyle>
             <a:p>
-              <a:pPr/>
               <a:r>
                 <a:t>snyk-monitor</a:t>
               </a:r>
@@ -11295,170 +11682,17 @@
           </p:txBody>
         </p:sp>
       </p:grpSp>
-      <p:sp>
-        <p:nvSpPr>
-          <p:cNvPr id="426" name="Google Shape;597;p33"/>
-          <p:cNvSpPr/>
-          <p:nvPr/>
-        </p:nvSpPr>
-        <p:spPr>
-          <a:xfrm>
-            <a:off x="1983740" y="1065530"/>
-            <a:ext cx="519431" cy="1614170"/>
-          </a:xfrm>
-          <a:custGeom>
-            <a:avLst/>
-            <a:gdLst/>
-            <a:ahLst/>
-            <a:cxnLst>
-              <a:cxn ang="0">
-                <a:pos x="wd2" y="hd2"/>
-              </a:cxn>
-              <a:cxn ang="5400000">
-                <a:pos x="wd2" y="hd2"/>
-              </a:cxn>
-              <a:cxn ang="10800000">
-                <a:pos x="wd2" y="hd2"/>
-              </a:cxn>
-              <a:cxn ang="16200000">
-                <a:pos x="wd2" y="hd2"/>
-              </a:cxn>
-            </a:cxnLst>
-            <a:rect l="0" t="0" r="r" b="b"/>
-            <a:pathLst>
-              <a:path w="21600" h="21600" fill="norm" stroke="1" extrusionOk="0">
-                <a:moveTo>
-                  <a:pt x="10562" y="21600"/>
-                </a:moveTo>
-                <a:lnTo>
-                  <a:pt x="0" y="21600"/>
-                </a:lnTo>
-                <a:lnTo>
-                  <a:pt x="0" y="0"/>
-                </a:lnTo>
-                <a:lnTo>
-                  <a:pt x="21600" y="0"/>
-                </a:lnTo>
-              </a:path>
-            </a:pathLst>
-          </a:custGeom>
-          <a:ln w="28575">
-            <a:solidFill>
-              <a:schemeClr val="accent2">
-                <a:lumOff val="21764"/>
-              </a:schemeClr>
-            </a:solidFill>
-            <a:tailEnd type="triangle"/>
-          </a:ln>
-        </p:spPr>
-        <p:txBody>
-          <a:bodyPr/>
-          <a:lstStyle/>
-          <a:p>
-            <a:pPr/>
-          </a:p>
-        </p:txBody>
-      </p:sp>
-      <p:pic>
-        <p:nvPicPr>
-          <p:cNvPr id="420" name="logo-vertical-black.png" descr="logo-vertical-black.png"/>
-          <p:cNvPicPr>
-            <a:picLocks noChangeAspect="1"/>
-          </p:cNvPicPr>
-          <p:nvPr/>
-        </p:nvPicPr>
-        <p:blipFill>
-          <a:blip r:embed="rId14">
-            <a:extLst/>
-          </a:blip>
-          <a:stretch>
-            <a:fillRect/>
-          </a:stretch>
-        </p:blipFill>
-        <p:spPr>
-          <a:xfrm>
-            <a:off x="282105" y="1816465"/>
-            <a:ext cx="985362" cy="1221240"/>
-          </a:xfrm>
-          <a:prstGeom prst="rect">
-            <a:avLst/>
-          </a:prstGeom>
-          <a:ln w="12700">
-            <a:miter lim="400000"/>
-          </a:ln>
-        </p:spPr>
-      </p:pic>
-      <p:sp>
-        <p:nvSpPr>
-          <p:cNvPr id="427" name="Google Shape;603;p33"/>
-          <p:cNvSpPr/>
-          <p:nvPr/>
-        </p:nvSpPr>
-        <p:spPr>
-          <a:xfrm>
-            <a:off x="793750" y="3078480"/>
-            <a:ext cx="1758950" cy="601981"/>
-          </a:xfrm>
-          <a:custGeom>
-            <a:avLst/>
-            <a:gdLst/>
-            <a:ahLst/>
-            <a:cxnLst>
-              <a:cxn ang="0">
-                <a:pos x="wd2" y="hd2"/>
-              </a:cxn>
-              <a:cxn ang="5400000">
-                <a:pos x="wd2" y="hd2"/>
-              </a:cxn>
-              <a:cxn ang="10800000">
-                <a:pos x="wd2" y="hd2"/>
-              </a:cxn>
-              <a:cxn ang="16200000">
-                <a:pos x="wd2" y="hd2"/>
-              </a:cxn>
-            </a:cxnLst>
-            <a:rect l="0" t="0" r="r" b="b"/>
-            <a:pathLst>
-              <a:path w="21600" h="21600" fill="norm" stroke="1" extrusionOk="0">
-                <a:moveTo>
-                  <a:pt x="0" y="0"/>
-                </a:moveTo>
-                <a:lnTo>
-                  <a:pt x="0" y="21600"/>
-                </a:lnTo>
-                <a:lnTo>
-                  <a:pt x="21600" y="21600"/>
-                </a:lnTo>
-              </a:path>
-            </a:pathLst>
-          </a:custGeom>
-          <a:ln w="28575">
-            <a:solidFill>
-              <a:srgbClr val="999999"/>
-            </a:solidFill>
-            <a:prstDash val="dash"/>
-            <a:headEnd type="triangle"/>
-          </a:ln>
-        </p:spPr>
-        <p:txBody>
-          <a:bodyPr/>
-          <a:lstStyle/>
-          <a:p>
-            <a:pPr/>
-          </a:p>
-        </p:txBody>
-      </p:sp>
     </p:spTree>
   </p:cSld>
   <p:clrMapOvr>
     <a:masterClrMapping/>
   </p:clrMapOvr>
-  <p:transition xmlns:p14="http://schemas.microsoft.com/office/powerpoint/2010/main" spd="med" advClick="1"/>
+  <p:transition spd="med"/>
 </p:sld>
 </file>
 
 <file path=ppt/theme/theme1.xml><?xml version="1.0" encoding="utf-8"?>
-<a:theme xmlns:a="http://schemas.openxmlformats.org/drawingml/2006/main" xmlns:r="http://schemas.openxmlformats.org/officeDocument/2006/relationships" name="Simple Light">
+<a:theme xmlns:a="http://schemas.openxmlformats.org/drawingml/2006/main" name="Simple Light">
   <a:themeElements>
     <a:clrScheme name="Simple Light">
       <a:dk1>
@@ -11584,7 +11818,7 @@
       <a:effectStyleLst>
         <a:effectStyle>
           <a:effectLst>
-            <a:outerShdw sx="100000" sy="100000" kx="0" ky="0" algn="b" rotWithShape="0" blurRad="38100" dist="23000" dir="5400000">
+            <a:outerShdw blurRad="38100" dist="23000" dir="5400000" rotWithShape="0">
               <a:srgbClr val="000000">
                 <a:alpha val="35000"/>
               </a:srgbClr>
@@ -11593,7 +11827,7 @@
         </a:effectStyle>
         <a:effectStyle>
           <a:effectLst>
-            <a:outerShdw sx="100000" sy="100000" kx="0" ky="0" algn="b" rotWithShape="0" blurRad="38100" dist="23000" dir="5400000">
+            <a:outerShdw blurRad="38100" dist="23000" dir="5400000" rotWithShape="0">
               <a:srgbClr val="000000">
                 <a:alpha val="35000"/>
               </a:srgbClr>
@@ -11602,7 +11836,7 @@
         </a:effectStyle>
         <a:effectStyle>
           <a:effectLst>
-            <a:outerShdw sx="100000" sy="100000" kx="0" ky="0" algn="b" rotWithShape="0" blurRad="38100" dist="20000" dir="5400000">
+            <a:outerShdw blurRad="38100" dist="20000" dir="5400000" rotWithShape="0">
               <a:srgbClr val="000000">
                 <a:alpha val="38000"/>
               </a:srgbClr>
@@ -11676,7 +11910,7 @@
           <a:round/>
         </a:ln>
         <a:effectLst>
-          <a:outerShdw sx="100000" sy="100000" kx="0" ky="0" algn="b" rotWithShape="0" blurRad="38100" dist="23000" dir="5400000">
+          <a:outerShdw blurRad="38100" dist="23000" dir="5400000" rotWithShape="0">
             <a:srgbClr val="000000">
               <a:alpha val="35000"/>
             </a:srgbClr>
@@ -11684,7 +11918,7 @@
         </a:effectLst>
         <a:sp3d/>
       </a:spPr>
-      <a:bodyPr rot="0" spcFirstLastPara="1" vertOverflow="overflow" horzOverflow="overflow" vert="horz" wrap="square" lIns="45719" tIns="45719" rIns="45719" bIns="45719" numCol="1" spcCol="38100" rtlCol="0" anchor="ctr" upright="0">
+      <a:bodyPr rot="0" spcFirstLastPara="1" vertOverflow="overflow" horzOverflow="overflow" vert="horz" wrap="square" lIns="45719" tIns="45719" rIns="45719" bIns="45719" numCol="1" spcCol="38100" rtlCol="0" anchor="ctr">
         <a:spAutoFit/>
       </a:bodyPr>
       <a:lstStyle>
@@ -11703,7 +11937,7 @@
           <a:buFontTx/>
           <a:buNone/>
           <a:tabLst/>
-          <a:defRPr b="0" baseline="0" cap="none" i="0" spc="0" strike="noStrike" sz="1400" u="none" kumimoji="0" normalizeH="0">
+          <a:defRPr kumimoji="0" sz="1400" b="0" i="0" u="none" strike="noStrike" cap="none" spc="0" normalizeH="0" baseline="0">
             <a:ln>
               <a:noFill/>
             </a:ln>
@@ -11733,7 +11967,7 @@
           <a:buFontTx/>
           <a:buNone/>
           <a:tabLst/>
-          <a:defRPr b="0" baseline="0" cap="none" i="0" spc="0" strike="noStrike" sz="1800" u="none" kumimoji="0" normalizeH="0">
+          <a:defRPr kumimoji="0" sz="1800" b="0" i="0" u="none" strike="noStrike" cap="none" spc="0" normalizeH="0" baseline="0">
             <a:ln>
               <a:noFill/>
             </a:ln>
@@ -11759,7 +11993,7 @@
           <a:buFontTx/>
           <a:buNone/>
           <a:tabLst/>
-          <a:defRPr b="0" baseline="0" cap="none" i="0" spc="0" strike="noStrike" sz="1800" u="none" kumimoji="0" normalizeH="0">
+          <a:defRPr kumimoji="0" sz="1800" b="0" i="0" u="none" strike="noStrike" cap="none" spc="0" normalizeH="0" baseline="0">
             <a:ln>
               <a:noFill/>
             </a:ln>
@@ -11785,7 +12019,7 @@
           <a:buFontTx/>
           <a:buNone/>
           <a:tabLst/>
-          <a:defRPr b="0" baseline="0" cap="none" i="0" spc="0" strike="noStrike" sz="1800" u="none" kumimoji="0" normalizeH="0">
+          <a:defRPr kumimoji="0" sz="1800" b="0" i="0" u="none" strike="noStrike" cap="none" spc="0" normalizeH="0" baseline="0">
             <a:ln>
               <a:noFill/>
             </a:ln>
@@ -11811,7 +12045,7 @@
           <a:buFontTx/>
           <a:buNone/>
           <a:tabLst/>
-          <a:defRPr b="0" baseline="0" cap="none" i="0" spc="0" strike="noStrike" sz="1800" u="none" kumimoji="0" normalizeH="0">
+          <a:defRPr kumimoji="0" sz="1800" b="0" i="0" u="none" strike="noStrike" cap="none" spc="0" normalizeH="0" baseline="0">
             <a:ln>
               <a:noFill/>
             </a:ln>
@@ -11837,7 +12071,7 @@
           <a:buFontTx/>
           <a:buNone/>
           <a:tabLst/>
-          <a:defRPr b="0" baseline="0" cap="none" i="0" spc="0" strike="noStrike" sz="1800" u="none" kumimoji="0" normalizeH="0">
+          <a:defRPr kumimoji="0" sz="1800" b="0" i="0" u="none" strike="noStrike" cap="none" spc="0" normalizeH="0" baseline="0">
             <a:ln>
               <a:noFill/>
             </a:ln>
@@ -11863,7 +12097,7 @@
           <a:buFontTx/>
           <a:buNone/>
           <a:tabLst/>
-          <a:defRPr b="0" baseline="0" cap="none" i="0" spc="0" strike="noStrike" sz="1800" u="none" kumimoji="0" normalizeH="0">
+          <a:defRPr kumimoji="0" sz="1800" b="0" i="0" u="none" strike="noStrike" cap="none" spc="0" normalizeH="0" baseline="0">
             <a:ln>
               <a:noFill/>
             </a:ln>
@@ -11889,7 +12123,7 @@
           <a:buFontTx/>
           <a:buNone/>
           <a:tabLst/>
-          <a:defRPr b="0" baseline="0" cap="none" i="0" spc="0" strike="noStrike" sz="1800" u="none" kumimoji="0" normalizeH="0">
+          <a:defRPr kumimoji="0" sz="1800" b="0" i="0" u="none" strike="noStrike" cap="none" spc="0" normalizeH="0" baseline="0">
             <a:ln>
               <a:noFill/>
             </a:ln>
@@ -11915,7 +12149,7 @@
           <a:buFontTx/>
           <a:buNone/>
           <a:tabLst/>
-          <a:defRPr b="0" baseline="0" cap="none" i="0" spc="0" strike="noStrike" sz="1800" u="none" kumimoji="0" normalizeH="0">
+          <a:defRPr kumimoji="0" sz="1800" b="0" i="0" u="none" strike="noStrike" cap="none" spc="0" normalizeH="0" baseline="0">
             <a:ln>
               <a:noFill/>
             </a:ln>
@@ -11941,7 +12175,7 @@
           <a:buFontTx/>
           <a:buNone/>
           <a:tabLst/>
-          <a:defRPr b="0" baseline="0" cap="none" i="0" spc="0" strike="noStrike" sz="1800" u="none" kumimoji="0" normalizeH="0">
+          <a:defRPr kumimoji="0" sz="1800" b="0" i="0" u="none" strike="noStrike" cap="none" spc="0" normalizeH="0" baseline="0">
             <a:ln>
               <a:noFill/>
             </a:ln>
@@ -11954,9 +12188,15 @@
         </a:lvl9pPr>
       </a:lstStyle>
       <a:style>
-        <a:lnRef idx="0"/>
-        <a:fillRef idx="0"/>
-        <a:effectRef idx="0"/>
+        <a:lnRef idx="0">
+          <a:scrgbClr r="0" g="0" b="0"/>
+        </a:lnRef>
+        <a:fillRef idx="0">
+          <a:scrgbClr r="0" g="0" b="0"/>
+        </a:fillRef>
+        <a:effectRef idx="0">
+          <a:scrgbClr r="0" g="0" b="0"/>
+        </a:effectRef>
         <a:fontRef idx="none"/>
       </a:style>
     </a:spDef>
@@ -11971,7 +12211,7 @@
           <a:round/>
         </a:ln>
         <a:effectLst>
-          <a:outerShdw sx="100000" sy="100000" kx="0" ky="0" algn="b" rotWithShape="0" blurRad="38100" dist="20000" dir="5400000">
+          <a:outerShdw blurRad="38100" dist="20000" dir="5400000" rotWithShape="0">
             <a:srgbClr val="000000">
               <a:alpha val="38000"/>
             </a:srgbClr>
@@ -11979,7 +12219,7 @@
         </a:effectLst>
         <a:sp3d/>
       </a:spPr>
-      <a:bodyPr rot="0" spcFirstLastPara="1" vertOverflow="overflow" horzOverflow="overflow" vert="horz" wrap="square" lIns="91439" tIns="45719" rIns="91439" bIns="45719" numCol="1" spcCol="38100" rtlCol="0" anchor="t" upright="0">
+      <a:bodyPr rot="0" spcFirstLastPara="1" vertOverflow="overflow" horzOverflow="overflow" vert="horz" wrap="square" lIns="91439" tIns="45719" rIns="91439" bIns="45719" numCol="1" spcCol="38100" rtlCol="0" anchor="t">
         <a:noAutofit/>
       </a:bodyPr>
       <a:lstStyle>
@@ -11998,7 +12238,7 @@
           <a:buFontTx/>
           <a:buNone/>
           <a:tabLst/>
-          <a:defRPr b="0" baseline="0" cap="none" i="0" spc="0" strike="noStrike" sz="1800" u="none" kumimoji="0" normalizeH="0">
+          <a:defRPr kumimoji="0" sz="1800" b="0" i="0" u="none" strike="noStrike" cap="none" spc="0" normalizeH="0" baseline="0">
             <a:ln>
               <a:noFill/>
             </a:ln>
@@ -12024,7 +12264,7 @@
           <a:buFontTx/>
           <a:buNone/>
           <a:tabLst/>
-          <a:defRPr b="0" baseline="0" cap="none" i="0" spc="0" strike="noStrike" sz="1800" u="none" kumimoji="0" normalizeH="0">
+          <a:defRPr kumimoji="0" sz="1800" b="0" i="0" u="none" strike="noStrike" cap="none" spc="0" normalizeH="0" baseline="0">
             <a:ln>
               <a:noFill/>
             </a:ln>
@@ -12050,7 +12290,7 @@
           <a:buFontTx/>
           <a:buNone/>
           <a:tabLst/>
-          <a:defRPr b="0" baseline="0" cap="none" i="0" spc="0" strike="noStrike" sz="1800" u="none" kumimoji="0" normalizeH="0">
+          <a:defRPr kumimoji="0" sz="1800" b="0" i="0" u="none" strike="noStrike" cap="none" spc="0" normalizeH="0" baseline="0">
             <a:ln>
               <a:noFill/>
             </a:ln>
@@ -12076,7 +12316,7 @@
           <a:buFontTx/>
           <a:buNone/>
           <a:tabLst/>
-          <a:defRPr b="0" baseline="0" cap="none" i="0" spc="0" strike="noStrike" sz="1800" u="none" kumimoji="0" normalizeH="0">
+          <a:defRPr kumimoji="0" sz="1800" b="0" i="0" u="none" strike="noStrike" cap="none" spc="0" normalizeH="0" baseline="0">
             <a:ln>
               <a:noFill/>
             </a:ln>
@@ -12102,7 +12342,7 @@
           <a:buFontTx/>
           <a:buNone/>
           <a:tabLst/>
-          <a:defRPr b="0" baseline="0" cap="none" i="0" spc="0" strike="noStrike" sz="1800" u="none" kumimoji="0" normalizeH="0">
+          <a:defRPr kumimoji="0" sz="1800" b="0" i="0" u="none" strike="noStrike" cap="none" spc="0" normalizeH="0" baseline="0">
             <a:ln>
               <a:noFill/>
             </a:ln>
@@ -12128,7 +12368,7 @@
           <a:buFontTx/>
           <a:buNone/>
           <a:tabLst/>
-          <a:defRPr b="0" baseline="0" cap="none" i="0" spc="0" strike="noStrike" sz="1800" u="none" kumimoji="0" normalizeH="0">
+          <a:defRPr kumimoji="0" sz="1800" b="0" i="0" u="none" strike="noStrike" cap="none" spc="0" normalizeH="0" baseline="0">
             <a:ln>
               <a:noFill/>
             </a:ln>
@@ -12154,7 +12394,7 @@
           <a:buFontTx/>
           <a:buNone/>
           <a:tabLst/>
-          <a:defRPr b="0" baseline="0" cap="none" i="0" spc="0" strike="noStrike" sz="1800" u="none" kumimoji="0" normalizeH="0">
+          <a:defRPr kumimoji="0" sz="1800" b="0" i="0" u="none" strike="noStrike" cap="none" spc="0" normalizeH="0" baseline="0">
             <a:ln>
               <a:noFill/>
             </a:ln>
@@ -12180,7 +12420,7 @@
           <a:buFontTx/>
           <a:buNone/>
           <a:tabLst/>
-          <a:defRPr b="0" baseline="0" cap="none" i="0" spc="0" strike="noStrike" sz="1800" u="none" kumimoji="0" normalizeH="0">
+          <a:defRPr kumimoji="0" sz="1800" b="0" i="0" u="none" strike="noStrike" cap="none" spc="0" normalizeH="0" baseline="0">
             <a:ln>
               <a:noFill/>
             </a:ln>
@@ -12206,7 +12446,7 @@
           <a:buFontTx/>
           <a:buNone/>
           <a:tabLst/>
-          <a:defRPr b="0" baseline="0" cap="none" i="0" spc="0" strike="noStrike" sz="1800" u="none" kumimoji="0" normalizeH="0">
+          <a:defRPr kumimoji="0" sz="1800" b="0" i="0" u="none" strike="noStrike" cap="none" spc="0" normalizeH="0" baseline="0">
             <a:ln>
               <a:noFill/>
             </a:ln>
@@ -12232,7 +12472,7 @@
           <a:buFontTx/>
           <a:buNone/>
           <a:tabLst/>
-          <a:defRPr b="0" baseline="0" cap="none" i="0" spc="0" strike="noStrike" sz="1800" u="none" kumimoji="0" normalizeH="0">
+          <a:defRPr kumimoji="0" sz="1800" b="0" i="0" u="none" strike="noStrike" cap="none" spc="0" normalizeH="0" baseline="0">
             <a:ln>
               <a:noFill/>
             </a:ln>
@@ -12245,9 +12485,15 @@
         </a:lvl9pPr>
       </a:lstStyle>
       <a:style>
-        <a:lnRef idx="0"/>
-        <a:fillRef idx="0"/>
-        <a:effectRef idx="0"/>
+        <a:lnRef idx="0">
+          <a:scrgbClr r="0" g="0" b="0"/>
+        </a:lnRef>
+        <a:fillRef idx="0">
+          <a:scrgbClr r="0" g="0" b="0"/>
+        </a:fillRef>
+        <a:effectRef idx="0">
+          <a:scrgbClr r="0" g="0" b="0"/>
+        </a:effectRef>
         <a:fontRef idx="none"/>
       </a:style>
     </a:lnDef>
@@ -12261,7 +12507,7 @@
         <a:effectLst/>
         <a:sp3d/>
       </a:spPr>
-      <a:bodyPr rot="0" spcFirstLastPara="1" vertOverflow="overflow" horzOverflow="overflow" vert="horz" wrap="square" lIns="45719" tIns="45719" rIns="45719" bIns="45719" numCol="1" spcCol="38100" rtlCol="0" anchor="t" upright="0">
+      <a:bodyPr rot="0" spcFirstLastPara="1" vertOverflow="overflow" horzOverflow="overflow" vert="horz" wrap="square" lIns="45719" tIns="45719" rIns="45719" bIns="45719" numCol="1" spcCol="38100" rtlCol="0" anchor="t">
         <a:spAutoFit/>
       </a:bodyPr>
       <a:lstStyle>
@@ -12280,7 +12526,7 @@
           <a:buFontTx/>
           <a:buNone/>
           <a:tabLst/>
-          <a:defRPr b="0" baseline="0" cap="none" i="0" spc="0" strike="noStrike" sz="1400" u="none" kumimoji="0" normalizeH="0">
+          <a:defRPr kumimoji="0" sz="1400" b="0" i="0" u="none" strike="noStrike" cap="none" spc="0" normalizeH="0" baseline="0">
             <a:ln>
               <a:noFill/>
             </a:ln>
@@ -12310,7 +12556,7 @@
           <a:buFontTx/>
           <a:buNone/>
           <a:tabLst/>
-          <a:defRPr b="0" baseline="0" cap="none" i="0" spc="0" strike="noStrike" sz="1800" u="none" kumimoji="0" normalizeH="0">
+          <a:defRPr kumimoji="0" sz="1800" b="0" i="0" u="none" strike="noStrike" cap="none" spc="0" normalizeH="0" baseline="0">
             <a:ln>
               <a:noFill/>
             </a:ln>
@@ -12336,7 +12582,7 @@
           <a:buFontTx/>
           <a:buNone/>
           <a:tabLst/>
-          <a:defRPr b="0" baseline="0" cap="none" i="0" spc="0" strike="noStrike" sz="1800" u="none" kumimoji="0" normalizeH="0">
+          <a:defRPr kumimoji="0" sz="1800" b="0" i="0" u="none" strike="noStrike" cap="none" spc="0" normalizeH="0" baseline="0">
             <a:ln>
               <a:noFill/>
             </a:ln>
@@ -12362,7 +12608,7 @@
           <a:buFontTx/>
           <a:buNone/>
           <a:tabLst/>
-          <a:defRPr b="0" baseline="0" cap="none" i="0" spc="0" strike="noStrike" sz="1800" u="none" kumimoji="0" normalizeH="0">
+          <a:defRPr kumimoji="0" sz="1800" b="0" i="0" u="none" strike="noStrike" cap="none" spc="0" normalizeH="0" baseline="0">
             <a:ln>
               <a:noFill/>
             </a:ln>
@@ -12388,7 +12634,7 @@
           <a:buFontTx/>
           <a:buNone/>
           <a:tabLst/>
-          <a:defRPr b="0" baseline="0" cap="none" i="0" spc="0" strike="noStrike" sz="1800" u="none" kumimoji="0" normalizeH="0">
+          <a:defRPr kumimoji="0" sz="1800" b="0" i="0" u="none" strike="noStrike" cap="none" spc="0" normalizeH="0" baseline="0">
             <a:ln>
               <a:noFill/>
             </a:ln>
@@ -12414,7 +12660,7 @@
           <a:buFontTx/>
           <a:buNone/>
           <a:tabLst/>
-          <a:defRPr b="0" baseline="0" cap="none" i="0" spc="0" strike="noStrike" sz="1800" u="none" kumimoji="0" normalizeH="0">
+          <a:defRPr kumimoji="0" sz="1800" b="0" i="0" u="none" strike="noStrike" cap="none" spc="0" normalizeH="0" baseline="0">
             <a:ln>
               <a:noFill/>
             </a:ln>
@@ -12440,7 +12686,7 @@
           <a:buFontTx/>
           <a:buNone/>
           <a:tabLst/>
-          <a:defRPr b="0" baseline="0" cap="none" i="0" spc="0" strike="noStrike" sz="1800" u="none" kumimoji="0" normalizeH="0">
+          <a:defRPr kumimoji="0" sz="1800" b="0" i="0" u="none" strike="noStrike" cap="none" spc="0" normalizeH="0" baseline="0">
             <a:ln>
               <a:noFill/>
             </a:ln>
@@ -12466,7 +12712,7 @@
           <a:buFontTx/>
           <a:buNone/>
           <a:tabLst/>
-          <a:defRPr b="0" baseline="0" cap="none" i="0" spc="0" strike="noStrike" sz="1800" u="none" kumimoji="0" normalizeH="0">
+          <a:defRPr kumimoji="0" sz="1800" b="0" i="0" u="none" strike="noStrike" cap="none" spc="0" normalizeH="0" baseline="0">
             <a:ln>
               <a:noFill/>
             </a:ln>
@@ -12492,7 +12738,7 @@
           <a:buFontTx/>
           <a:buNone/>
           <a:tabLst/>
-          <a:defRPr b="0" baseline="0" cap="none" i="0" spc="0" strike="noStrike" sz="1800" u="none" kumimoji="0" normalizeH="0">
+          <a:defRPr kumimoji="0" sz="1800" b="0" i="0" u="none" strike="noStrike" cap="none" spc="0" normalizeH="0" baseline="0">
             <a:ln>
               <a:noFill/>
             </a:ln>
@@ -12518,7 +12764,7 @@
           <a:buFontTx/>
           <a:buNone/>
           <a:tabLst/>
-          <a:defRPr b="0" baseline="0" cap="none" i="0" spc="0" strike="noStrike" sz="1800" u="none" kumimoji="0" normalizeH="0">
+          <a:defRPr kumimoji="0" sz="1800" b="0" i="0" u="none" strike="noStrike" cap="none" spc="0" normalizeH="0" baseline="0">
             <a:ln>
               <a:noFill/>
             </a:ln>
@@ -12531,18 +12777,25 @@
         </a:lvl9pPr>
       </a:lstStyle>
       <a:style>
-        <a:lnRef idx="0"/>
-        <a:fillRef idx="0"/>
-        <a:effectRef idx="0"/>
+        <a:lnRef idx="0">
+          <a:scrgbClr r="0" g="0" b="0"/>
+        </a:lnRef>
+        <a:fillRef idx="0">
+          <a:scrgbClr r="0" g="0" b="0"/>
+        </a:fillRef>
+        <a:effectRef idx="0">
+          <a:scrgbClr r="0" g="0" b="0"/>
+        </a:effectRef>
         <a:fontRef idx="none"/>
       </a:style>
     </a:txDef>
   </a:objectDefaults>
+  <a:extraClrSchemeLst/>
 </a:theme>
 </file>
 
 <file path=ppt/theme/theme2.xml><?xml version="1.0" encoding="utf-8"?>
-<a:theme xmlns:a="http://schemas.openxmlformats.org/drawingml/2006/main" xmlns:r="http://schemas.openxmlformats.org/officeDocument/2006/relationships" name="Simple Light">
+<a:theme xmlns:a="http://schemas.openxmlformats.org/drawingml/2006/main" name="Simple Light">
   <a:themeElements>
     <a:clrScheme name="Simple Light">
       <a:dk1>
@@ -12668,7 +12921,7 @@
       <a:effectStyleLst>
         <a:effectStyle>
           <a:effectLst>
-            <a:outerShdw sx="100000" sy="100000" kx="0" ky="0" algn="b" rotWithShape="0" blurRad="38100" dist="23000" dir="5400000">
+            <a:outerShdw blurRad="38100" dist="23000" dir="5400000" rotWithShape="0">
               <a:srgbClr val="000000">
                 <a:alpha val="35000"/>
               </a:srgbClr>
@@ -12677,7 +12930,7 @@
         </a:effectStyle>
         <a:effectStyle>
           <a:effectLst>
-            <a:outerShdw sx="100000" sy="100000" kx="0" ky="0" algn="b" rotWithShape="0" blurRad="38100" dist="23000" dir="5400000">
+            <a:outerShdw blurRad="38100" dist="23000" dir="5400000" rotWithShape="0">
               <a:srgbClr val="000000">
                 <a:alpha val="35000"/>
               </a:srgbClr>
@@ -12686,7 +12939,7 @@
         </a:effectStyle>
         <a:effectStyle>
           <a:effectLst>
-            <a:outerShdw sx="100000" sy="100000" kx="0" ky="0" algn="b" rotWithShape="0" blurRad="38100" dist="20000" dir="5400000">
+            <a:outerShdw blurRad="38100" dist="20000" dir="5400000" rotWithShape="0">
               <a:srgbClr val="000000">
                 <a:alpha val="38000"/>
               </a:srgbClr>
@@ -12760,7 +13013,7 @@
           <a:round/>
         </a:ln>
         <a:effectLst>
-          <a:outerShdw sx="100000" sy="100000" kx="0" ky="0" algn="b" rotWithShape="0" blurRad="38100" dist="23000" dir="5400000">
+          <a:outerShdw blurRad="38100" dist="23000" dir="5400000" rotWithShape="0">
             <a:srgbClr val="000000">
               <a:alpha val="35000"/>
             </a:srgbClr>
@@ -12768,7 +13021,7 @@
         </a:effectLst>
         <a:sp3d/>
       </a:spPr>
-      <a:bodyPr rot="0" spcFirstLastPara="1" vertOverflow="overflow" horzOverflow="overflow" vert="horz" wrap="square" lIns="45719" tIns="45719" rIns="45719" bIns="45719" numCol="1" spcCol="38100" rtlCol="0" anchor="ctr" upright="0">
+      <a:bodyPr rot="0" spcFirstLastPara="1" vertOverflow="overflow" horzOverflow="overflow" vert="horz" wrap="square" lIns="45719" tIns="45719" rIns="45719" bIns="45719" numCol="1" spcCol="38100" rtlCol="0" anchor="ctr">
         <a:spAutoFit/>
       </a:bodyPr>
       <a:lstStyle>
@@ -12787,7 +13040,7 @@
           <a:buFontTx/>
           <a:buNone/>
           <a:tabLst/>
-          <a:defRPr b="0" baseline="0" cap="none" i="0" spc="0" strike="noStrike" sz="1400" u="none" kumimoji="0" normalizeH="0">
+          <a:defRPr kumimoji="0" sz="1400" b="0" i="0" u="none" strike="noStrike" cap="none" spc="0" normalizeH="0" baseline="0">
             <a:ln>
               <a:noFill/>
             </a:ln>
@@ -12817,7 +13070,7 @@
           <a:buFontTx/>
           <a:buNone/>
           <a:tabLst/>
-          <a:defRPr b="0" baseline="0" cap="none" i="0" spc="0" strike="noStrike" sz="1800" u="none" kumimoji="0" normalizeH="0">
+          <a:defRPr kumimoji="0" sz="1800" b="0" i="0" u="none" strike="noStrike" cap="none" spc="0" normalizeH="0" baseline="0">
             <a:ln>
               <a:noFill/>
             </a:ln>
@@ -12843,7 +13096,7 @@
           <a:buFontTx/>
           <a:buNone/>
           <a:tabLst/>
-          <a:defRPr b="0" baseline="0" cap="none" i="0" spc="0" strike="noStrike" sz="1800" u="none" kumimoji="0" normalizeH="0">
+          <a:defRPr kumimoji="0" sz="1800" b="0" i="0" u="none" strike="noStrike" cap="none" spc="0" normalizeH="0" baseline="0">
             <a:ln>
               <a:noFill/>
             </a:ln>
@@ -12869,7 +13122,7 @@
           <a:buFontTx/>
           <a:buNone/>
           <a:tabLst/>
-          <a:defRPr b="0" baseline="0" cap="none" i="0" spc="0" strike="noStrike" sz="1800" u="none" kumimoji="0" normalizeH="0">
+          <a:defRPr kumimoji="0" sz="1800" b="0" i="0" u="none" strike="noStrike" cap="none" spc="0" normalizeH="0" baseline="0">
             <a:ln>
               <a:noFill/>
             </a:ln>
@@ -12895,7 +13148,7 @@
           <a:buFontTx/>
           <a:buNone/>
           <a:tabLst/>
-          <a:defRPr b="0" baseline="0" cap="none" i="0" spc="0" strike="noStrike" sz="1800" u="none" kumimoji="0" normalizeH="0">
+          <a:defRPr kumimoji="0" sz="1800" b="0" i="0" u="none" strike="noStrike" cap="none" spc="0" normalizeH="0" baseline="0">
             <a:ln>
               <a:noFill/>
             </a:ln>
@@ -12921,7 +13174,7 @@
           <a:buFontTx/>
           <a:buNone/>
           <a:tabLst/>
-          <a:defRPr b="0" baseline="0" cap="none" i="0" spc="0" strike="noStrike" sz="1800" u="none" kumimoji="0" normalizeH="0">
+          <a:defRPr kumimoji="0" sz="1800" b="0" i="0" u="none" strike="noStrike" cap="none" spc="0" normalizeH="0" baseline="0">
             <a:ln>
               <a:noFill/>
             </a:ln>
@@ -12947,7 +13200,7 @@
           <a:buFontTx/>
           <a:buNone/>
           <a:tabLst/>
-          <a:defRPr b="0" baseline="0" cap="none" i="0" spc="0" strike="noStrike" sz="1800" u="none" kumimoji="0" normalizeH="0">
+          <a:defRPr kumimoji="0" sz="1800" b="0" i="0" u="none" strike="noStrike" cap="none" spc="0" normalizeH="0" baseline="0">
             <a:ln>
               <a:noFill/>
             </a:ln>
@@ -12973,7 +13226,7 @@
           <a:buFontTx/>
           <a:buNone/>
           <a:tabLst/>
-          <a:defRPr b="0" baseline="0" cap="none" i="0" spc="0" strike="noStrike" sz="1800" u="none" kumimoji="0" normalizeH="0">
+          <a:defRPr kumimoji="0" sz="1800" b="0" i="0" u="none" strike="noStrike" cap="none" spc="0" normalizeH="0" baseline="0">
             <a:ln>
               <a:noFill/>
             </a:ln>
@@ -12999,7 +13252,7 @@
           <a:buFontTx/>
           <a:buNone/>
           <a:tabLst/>
-          <a:defRPr b="0" baseline="0" cap="none" i="0" spc="0" strike="noStrike" sz="1800" u="none" kumimoji="0" normalizeH="0">
+          <a:defRPr kumimoji="0" sz="1800" b="0" i="0" u="none" strike="noStrike" cap="none" spc="0" normalizeH="0" baseline="0">
             <a:ln>
               <a:noFill/>
             </a:ln>
@@ -13025,7 +13278,7 @@
           <a:buFontTx/>
           <a:buNone/>
           <a:tabLst/>
-          <a:defRPr b="0" baseline="0" cap="none" i="0" spc="0" strike="noStrike" sz="1800" u="none" kumimoji="0" normalizeH="0">
+          <a:defRPr kumimoji="0" sz="1800" b="0" i="0" u="none" strike="noStrike" cap="none" spc="0" normalizeH="0" baseline="0">
             <a:ln>
               <a:noFill/>
             </a:ln>
@@ -13038,9 +13291,15 @@
         </a:lvl9pPr>
       </a:lstStyle>
       <a:style>
-        <a:lnRef idx="0"/>
-        <a:fillRef idx="0"/>
-        <a:effectRef idx="0"/>
+        <a:lnRef idx="0">
+          <a:scrgbClr r="0" g="0" b="0"/>
+        </a:lnRef>
+        <a:fillRef idx="0">
+          <a:scrgbClr r="0" g="0" b="0"/>
+        </a:fillRef>
+        <a:effectRef idx="0">
+          <a:scrgbClr r="0" g="0" b="0"/>
+        </a:effectRef>
         <a:fontRef idx="none"/>
       </a:style>
     </a:spDef>
@@ -13055,7 +13314,7 @@
           <a:round/>
         </a:ln>
         <a:effectLst>
-          <a:outerShdw sx="100000" sy="100000" kx="0" ky="0" algn="b" rotWithShape="0" blurRad="38100" dist="20000" dir="5400000">
+          <a:outerShdw blurRad="38100" dist="20000" dir="5400000" rotWithShape="0">
             <a:srgbClr val="000000">
               <a:alpha val="38000"/>
             </a:srgbClr>
@@ -13063,7 +13322,7 @@
         </a:effectLst>
         <a:sp3d/>
       </a:spPr>
-      <a:bodyPr rot="0" spcFirstLastPara="1" vertOverflow="overflow" horzOverflow="overflow" vert="horz" wrap="square" lIns="91439" tIns="45719" rIns="91439" bIns="45719" numCol="1" spcCol="38100" rtlCol="0" anchor="t" upright="0">
+      <a:bodyPr rot="0" spcFirstLastPara="1" vertOverflow="overflow" horzOverflow="overflow" vert="horz" wrap="square" lIns="91439" tIns="45719" rIns="91439" bIns="45719" numCol="1" spcCol="38100" rtlCol="0" anchor="t">
         <a:noAutofit/>
       </a:bodyPr>
       <a:lstStyle>
@@ -13082,7 +13341,7 @@
           <a:buFontTx/>
           <a:buNone/>
           <a:tabLst/>
-          <a:defRPr b="0" baseline="0" cap="none" i="0" spc="0" strike="noStrike" sz="1800" u="none" kumimoji="0" normalizeH="0">
+          <a:defRPr kumimoji="0" sz="1800" b="0" i="0" u="none" strike="noStrike" cap="none" spc="0" normalizeH="0" baseline="0">
             <a:ln>
               <a:noFill/>
             </a:ln>
@@ -13108,7 +13367,7 @@
           <a:buFontTx/>
           <a:buNone/>
           <a:tabLst/>
-          <a:defRPr b="0" baseline="0" cap="none" i="0" spc="0" strike="noStrike" sz="1800" u="none" kumimoji="0" normalizeH="0">
+          <a:defRPr kumimoji="0" sz="1800" b="0" i="0" u="none" strike="noStrike" cap="none" spc="0" normalizeH="0" baseline="0">
             <a:ln>
               <a:noFill/>
             </a:ln>
@@ -13134,7 +13393,7 @@
           <a:buFontTx/>
           <a:buNone/>
           <a:tabLst/>
-          <a:defRPr b="0" baseline="0" cap="none" i="0" spc="0" strike="noStrike" sz="1800" u="none" kumimoji="0" normalizeH="0">
+          <a:defRPr kumimoji="0" sz="1800" b="0" i="0" u="none" strike="noStrike" cap="none" spc="0" normalizeH="0" baseline="0">
             <a:ln>
               <a:noFill/>
             </a:ln>
@@ -13160,7 +13419,7 @@
           <a:buFontTx/>
           <a:buNone/>
           <a:tabLst/>
-          <a:defRPr b="0" baseline="0" cap="none" i="0" spc="0" strike="noStrike" sz="1800" u="none" kumimoji="0" normalizeH="0">
+          <a:defRPr kumimoji="0" sz="1800" b="0" i="0" u="none" strike="noStrike" cap="none" spc="0" normalizeH="0" baseline="0">
             <a:ln>
               <a:noFill/>
             </a:ln>
@@ -13186,7 +13445,7 @@
           <a:buFontTx/>
           <a:buNone/>
           <a:tabLst/>
-          <a:defRPr b="0" baseline="0" cap="none" i="0" spc="0" strike="noStrike" sz="1800" u="none" kumimoji="0" normalizeH="0">
+          <a:defRPr kumimoji="0" sz="1800" b="0" i="0" u="none" strike="noStrike" cap="none" spc="0" normalizeH="0" baseline="0">
             <a:ln>
               <a:noFill/>
             </a:ln>
@@ -13212,7 +13471,7 @@
           <a:buFontTx/>
           <a:buNone/>
           <a:tabLst/>
-          <a:defRPr b="0" baseline="0" cap="none" i="0" spc="0" strike="noStrike" sz="1800" u="none" kumimoji="0" normalizeH="0">
+          <a:defRPr kumimoji="0" sz="1800" b="0" i="0" u="none" strike="noStrike" cap="none" spc="0" normalizeH="0" baseline="0">
             <a:ln>
               <a:noFill/>
             </a:ln>
@@ -13238,7 +13497,7 @@
           <a:buFontTx/>
           <a:buNone/>
           <a:tabLst/>
-          <a:defRPr b="0" baseline="0" cap="none" i="0" spc="0" strike="noStrike" sz="1800" u="none" kumimoji="0" normalizeH="0">
+          <a:defRPr kumimoji="0" sz="1800" b="0" i="0" u="none" strike="noStrike" cap="none" spc="0" normalizeH="0" baseline="0">
             <a:ln>
               <a:noFill/>
             </a:ln>
@@ -13264,7 +13523,7 @@
           <a:buFontTx/>
           <a:buNone/>
           <a:tabLst/>
-          <a:defRPr b="0" baseline="0" cap="none" i="0" spc="0" strike="noStrike" sz="1800" u="none" kumimoji="0" normalizeH="0">
+          <a:defRPr kumimoji="0" sz="1800" b="0" i="0" u="none" strike="noStrike" cap="none" spc="0" normalizeH="0" baseline="0">
             <a:ln>
               <a:noFill/>
             </a:ln>
@@ -13290,7 +13549,7 @@
           <a:buFontTx/>
           <a:buNone/>
           <a:tabLst/>
-          <a:defRPr b="0" baseline="0" cap="none" i="0" spc="0" strike="noStrike" sz="1800" u="none" kumimoji="0" normalizeH="0">
+          <a:defRPr kumimoji="0" sz="1800" b="0" i="0" u="none" strike="noStrike" cap="none" spc="0" normalizeH="0" baseline="0">
             <a:ln>
               <a:noFill/>
             </a:ln>
@@ -13316,7 +13575,7 @@
           <a:buFontTx/>
           <a:buNone/>
           <a:tabLst/>
-          <a:defRPr b="0" baseline="0" cap="none" i="0" spc="0" strike="noStrike" sz="1800" u="none" kumimoji="0" normalizeH="0">
+          <a:defRPr kumimoji="0" sz="1800" b="0" i="0" u="none" strike="noStrike" cap="none" spc="0" normalizeH="0" baseline="0">
             <a:ln>
               <a:noFill/>
             </a:ln>
@@ -13329,9 +13588,15 @@
         </a:lvl9pPr>
       </a:lstStyle>
       <a:style>
-        <a:lnRef idx="0"/>
-        <a:fillRef idx="0"/>
-        <a:effectRef idx="0"/>
+        <a:lnRef idx="0">
+          <a:scrgbClr r="0" g="0" b="0"/>
+        </a:lnRef>
+        <a:fillRef idx="0">
+          <a:scrgbClr r="0" g="0" b="0"/>
+        </a:fillRef>
+        <a:effectRef idx="0">
+          <a:scrgbClr r="0" g="0" b="0"/>
+        </a:effectRef>
         <a:fontRef idx="none"/>
       </a:style>
     </a:lnDef>
@@ -13345,7 +13610,7 @@
         <a:effectLst/>
         <a:sp3d/>
       </a:spPr>
-      <a:bodyPr rot="0" spcFirstLastPara="1" vertOverflow="overflow" horzOverflow="overflow" vert="horz" wrap="square" lIns="45719" tIns="45719" rIns="45719" bIns="45719" numCol="1" spcCol="38100" rtlCol="0" anchor="t" upright="0">
+      <a:bodyPr rot="0" spcFirstLastPara="1" vertOverflow="overflow" horzOverflow="overflow" vert="horz" wrap="square" lIns="45719" tIns="45719" rIns="45719" bIns="45719" numCol="1" spcCol="38100" rtlCol="0" anchor="t">
         <a:spAutoFit/>
       </a:bodyPr>
       <a:lstStyle>
@@ -13364,7 +13629,7 @@
           <a:buFontTx/>
           <a:buNone/>
           <a:tabLst/>
-          <a:defRPr b="0" baseline="0" cap="none" i="0" spc="0" strike="noStrike" sz="1400" u="none" kumimoji="0" normalizeH="0">
+          <a:defRPr kumimoji="0" sz="1400" b="0" i="0" u="none" strike="noStrike" cap="none" spc="0" normalizeH="0" baseline="0">
             <a:ln>
               <a:noFill/>
             </a:ln>
@@ -13394,7 +13659,7 @@
           <a:buFontTx/>
           <a:buNone/>
           <a:tabLst/>
-          <a:defRPr b="0" baseline="0" cap="none" i="0" spc="0" strike="noStrike" sz="1800" u="none" kumimoji="0" normalizeH="0">
+          <a:defRPr kumimoji="0" sz="1800" b="0" i="0" u="none" strike="noStrike" cap="none" spc="0" normalizeH="0" baseline="0">
             <a:ln>
               <a:noFill/>
             </a:ln>
@@ -13420,7 +13685,7 @@
           <a:buFontTx/>
           <a:buNone/>
           <a:tabLst/>
-          <a:defRPr b="0" baseline="0" cap="none" i="0" spc="0" strike="noStrike" sz="1800" u="none" kumimoji="0" normalizeH="0">
+          <a:defRPr kumimoji="0" sz="1800" b="0" i="0" u="none" strike="noStrike" cap="none" spc="0" normalizeH="0" baseline="0">
             <a:ln>
               <a:noFill/>
             </a:ln>
@@ -13446,7 +13711,7 @@
           <a:buFontTx/>
           <a:buNone/>
           <a:tabLst/>
-          <a:defRPr b="0" baseline="0" cap="none" i="0" spc="0" strike="noStrike" sz="1800" u="none" kumimoji="0" normalizeH="0">
+          <a:defRPr kumimoji="0" sz="1800" b="0" i="0" u="none" strike="noStrike" cap="none" spc="0" normalizeH="0" baseline="0">
             <a:ln>
               <a:noFill/>
             </a:ln>
@@ -13472,7 +13737,7 @@
           <a:buFontTx/>
           <a:buNone/>
           <a:tabLst/>
-          <a:defRPr b="0" baseline="0" cap="none" i="0" spc="0" strike="noStrike" sz="1800" u="none" kumimoji="0" normalizeH="0">
+          <a:defRPr kumimoji="0" sz="1800" b="0" i="0" u="none" strike="noStrike" cap="none" spc="0" normalizeH="0" baseline="0">
             <a:ln>
               <a:noFill/>
             </a:ln>
@@ -13498,7 +13763,7 @@
           <a:buFontTx/>
           <a:buNone/>
           <a:tabLst/>
-          <a:defRPr b="0" baseline="0" cap="none" i="0" spc="0" strike="noStrike" sz="1800" u="none" kumimoji="0" normalizeH="0">
+          <a:defRPr kumimoji="0" sz="1800" b="0" i="0" u="none" strike="noStrike" cap="none" spc="0" normalizeH="0" baseline="0">
             <a:ln>
               <a:noFill/>
             </a:ln>
@@ -13524,7 +13789,7 @@
           <a:buFontTx/>
           <a:buNone/>
           <a:tabLst/>
-          <a:defRPr b="0" baseline="0" cap="none" i="0" spc="0" strike="noStrike" sz="1800" u="none" kumimoji="0" normalizeH="0">
+          <a:defRPr kumimoji="0" sz="1800" b="0" i="0" u="none" strike="noStrike" cap="none" spc="0" normalizeH="0" baseline="0">
             <a:ln>
               <a:noFill/>
             </a:ln>
@@ -13550,7 +13815,7 @@
           <a:buFontTx/>
           <a:buNone/>
           <a:tabLst/>
-          <a:defRPr b="0" baseline="0" cap="none" i="0" spc="0" strike="noStrike" sz="1800" u="none" kumimoji="0" normalizeH="0">
+          <a:defRPr kumimoji="0" sz="1800" b="0" i="0" u="none" strike="noStrike" cap="none" spc="0" normalizeH="0" baseline="0">
             <a:ln>
               <a:noFill/>
             </a:ln>
@@ -13576,7 +13841,7 @@
           <a:buFontTx/>
           <a:buNone/>
           <a:tabLst/>
-          <a:defRPr b="0" baseline="0" cap="none" i="0" spc="0" strike="noStrike" sz="1800" u="none" kumimoji="0" normalizeH="0">
+          <a:defRPr kumimoji="0" sz="1800" b="0" i="0" u="none" strike="noStrike" cap="none" spc="0" normalizeH="0" baseline="0">
             <a:ln>
               <a:noFill/>
             </a:ln>
@@ -13602,7 +13867,7 @@
           <a:buFontTx/>
           <a:buNone/>
           <a:tabLst/>
-          <a:defRPr b="0" baseline="0" cap="none" i="0" spc="0" strike="noStrike" sz="1800" u="none" kumimoji="0" normalizeH="0">
+          <a:defRPr kumimoji="0" sz="1800" b="0" i="0" u="none" strike="noStrike" cap="none" spc="0" normalizeH="0" baseline="0">
             <a:ln>
               <a:noFill/>
             </a:ln>
@@ -13615,12 +13880,19 @@
         </a:lvl9pPr>
       </a:lstStyle>
       <a:style>
-        <a:lnRef idx="0"/>
-        <a:fillRef idx="0"/>
-        <a:effectRef idx="0"/>
+        <a:lnRef idx="0">
+          <a:scrgbClr r="0" g="0" b="0"/>
+        </a:lnRef>
+        <a:fillRef idx="0">
+          <a:scrgbClr r="0" g="0" b="0"/>
+        </a:fillRef>
+        <a:effectRef idx="0">
+          <a:scrgbClr r="0" g="0" b="0"/>
+        </a:effectRef>
         <a:fontRef idx="none"/>
       </a:style>
     </a:txDef>
   </a:objectDefaults>
+  <a:extraClrSchemeLst/>
 </a:theme>
 </file>